--- a/Mini Projects/DIY Project ppt template.pptx
+++ b/Mini Projects/DIY Project ppt template.pptx
@@ -5,10 +5,10 @@
     <p:sldMasterId id="2147483747" r:id="rId4"/>
   </p:sldMasterIdLst>
   <p:notesMasterIdLst>
-    <p:notesMasterId r:id="rId12"/>
+    <p:notesMasterId r:id="rId15"/>
   </p:notesMasterIdLst>
   <p:handoutMasterIdLst>
-    <p:handoutMasterId r:id="rId13"/>
+    <p:handoutMasterId r:id="rId16"/>
   </p:handoutMasterIdLst>
   <p:sldIdLst>
     <p:sldId id="338" r:id="rId5"/>
@@ -17,7 +17,10 @@
     <p:sldId id="329" r:id="rId8"/>
     <p:sldId id="302" r:id="rId9"/>
     <p:sldId id="339" r:id="rId10"/>
-    <p:sldId id="304" r:id="rId11"/>
+    <p:sldId id="340" r:id="rId11"/>
+    <p:sldId id="341" r:id="rId12"/>
+    <p:sldId id="342" r:id="rId13"/>
+    <p:sldId id="304" r:id="rId14"/>
   </p:sldIdLst>
   <p:sldSz cx="12192000" cy="6858000"/>
   <p:notesSz cx="6858000" cy="9144000"/>
@@ -255,7 +258,7 @@
           <a:p>
             <a:fld id="{EF1077DB-935E-4A0A-947A-D283B9F9F452}" type="datetimeFigureOut">
               <a:rPr lang="en-US" smtClean="0"/>
-              <a:t>12/29/2023</a:t>
+              <a:t>10/28/2024</a:t>
             </a:fld>
             <a:endParaRPr lang="en-US" dirty="0"/>
           </a:p>
@@ -432,7 +435,7 @@
           <a:p>
             <a:fld id="{2D9EC30E-1A71-4188-9BE7-E2A64929A436}" type="datetimeFigureOut">
               <a:rPr lang="en-US" noProof="0" smtClean="0"/>
-              <a:t>12/29/2023</a:t>
+              <a:t>10/28/2024</a:t>
             </a:fld>
             <a:endParaRPr lang="en-US" noProof="0" dirty="0"/>
           </a:p>
@@ -1529,7 +1532,7 @@
             <a:fld id="{B61BEF0D-F0BB-DE4B-95CE-6DB70DBA9567}" type="datetimeFigureOut">
               <a:rPr lang="en-US" smtClean="0"/>
               <a:pPr/>
-              <a:t>12/29/2023</a:t>
+              <a:t>10/28/2024</a:t>
             </a:fld>
             <a:endParaRPr lang="en-US" dirty="0"/>
           </a:p>
@@ -1783,7 +1786,7 @@
             <a:fld id="{B61BEF0D-F0BB-DE4B-95CE-6DB70DBA9567}" type="datetimeFigureOut">
               <a:rPr lang="en-US" smtClean="0"/>
               <a:pPr/>
-              <a:t>12/29/2023</a:t>
+              <a:t>10/28/2024</a:t>
             </a:fld>
             <a:endParaRPr lang="en-US" dirty="0"/>
           </a:p>
@@ -2100,7 +2103,7 @@
             <a:fld id="{B61BEF0D-F0BB-DE4B-95CE-6DB70DBA9567}" type="datetimeFigureOut">
               <a:rPr lang="en-US" smtClean="0"/>
               <a:pPr/>
-              <a:t>12/29/2023</a:t>
+              <a:t>10/28/2024</a:t>
             </a:fld>
             <a:endParaRPr lang="en-US" dirty="0"/>
           </a:p>
@@ -2436,7 +2439,7 @@
             <a:fld id="{B61BEF0D-F0BB-DE4B-95CE-6DB70DBA9567}" type="datetimeFigureOut">
               <a:rPr lang="en-US" smtClean="0"/>
               <a:pPr/>
-              <a:t>12/29/2023</a:t>
+              <a:t>10/28/2024</a:t>
             </a:fld>
             <a:endParaRPr lang="en-US" dirty="0"/>
           </a:p>
@@ -2753,7 +2756,7 @@
             <a:fld id="{B61BEF0D-F0BB-DE4B-95CE-6DB70DBA9567}" type="datetimeFigureOut">
               <a:rPr lang="en-US" smtClean="0"/>
               <a:pPr/>
-              <a:t>12/29/2023</a:t>
+              <a:t>10/28/2024</a:t>
             </a:fld>
             <a:endParaRPr lang="en-US" dirty="0"/>
           </a:p>
@@ -3149,7 +3152,7 @@
             <a:fld id="{B61BEF0D-F0BB-DE4B-95CE-6DB70DBA9567}" type="datetimeFigureOut">
               <a:rPr lang="en-US" smtClean="0"/>
               <a:pPr/>
-              <a:t>12/29/2023</a:t>
+              <a:t>10/28/2024</a:t>
             </a:fld>
             <a:endParaRPr lang="en-US" dirty="0"/>
           </a:p>
@@ -3321,7 +3324,7 @@
           <a:p>
             <a:fld id="{55C6B4A9-1611-4792-9094-5F34BCA07E0B}" type="datetimeFigureOut">
               <a:rPr lang="en-US" smtClean="0"/>
-              <a:t>12/29/2023</a:t>
+              <a:t>10/28/2024</a:t>
             </a:fld>
             <a:endParaRPr lang="en-US" dirty="0"/>
           </a:p>
@@ -3503,7 +3506,7 @@
             <a:fld id="{B61BEF0D-F0BB-DE4B-95CE-6DB70DBA9567}" type="datetimeFigureOut">
               <a:rPr lang="en-US" smtClean="0"/>
               <a:pPr/>
-              <a:t>12/29/2023</a:t>
+              <a:t>10/28/2024</a:t>
             </a:fld>
             <a:endParaRPr lang="en-US" dirty="0"/>
           </a:p>
@@ -5232,7 +5235,7 @@
             <a:fld id="{B61BEF0D-F0BB-DE4B-95CE-6DB70DBA9567}" type="datetimeFigureOut">
               <a:rPr lang="en-US" smtClean="0"/>
               <a:pPr/>
-              <a:t>12/29/2023</a:t>
+              <a:t>10/28/2024</a:t>
             </a:fld>
             <a:endParaRPr lang="en-US" dirty="0"/>
           </a:p>
@@ -6967,7 +6970,7 @@
             <a:fld id="{B61BEF0D-F0BB-DE4B-95CE-6DB70DBA9567}" type="datetimeFigureOut">
               <a:rPr lang="en-US" smtClean="0"/>
               <a:pPr/>
-              <a:t>12/29/2023</a:t>
+              <a:t>10/28/2024</a:t>
             </a:fld>
             <a:endParaRPr lang="en-US" dirty="0"/>
           </a:p>
@@ -7201,7 +7204,7 @@
           <a:p>
             <a:fld id="{EB712588-04B1-427B-82EE-E8DB90309F08}" type="datetimeFigureOut">
               <a:rPr lang="en-US" smtClean="0"/>
-              <a:t>12/29/2023</a:t>
+              <a:t>10/28/2024</a:t>
             </a:fld>
             <a:endParaRPr lang="en-US" dirty="0"/>
           </a:p>
@@ -7577,7 +7580,7 @@
             <a:fld id="{B61BEF0D-F0BB-DE4B-95CE-6DB70DBA9567}" type="datetimeFigureOut">
               <a:rPr lang="en-US" smtClean="0"/>
               <a:pPr/>
-              <a:t>12/29/2023</a:t>
+              <a:t>10/28/2024</a:t>
             </a:fld>
             <a:endParaRPr lang="en-US" dirty="0"/>
           </a:p>
@@ -7703,7 +7706,7 @@
             <a:fld id="{B61BEF0D-F0BB-DE4B-95CE-6DB70DBA9567}" type="datetimeFigureOut">
               <a:rPr lang="en-US" smtClean="0"/>
               <a:pPr/>
-              <a:t>12/29/2023</a:t>
+              <a:t>10/28/2024</a:t>
             </a:fld>
             <a:endParaRPr lang="en-US" dirty="0"/>
           </a:p>
@@ -7801,7 +7804,7 @@
             <a:fld id="{B61BEF0D-F0BB-DE4B-95CE-6DB70DBA9567}" type="datetimeFigureOut">
               <a:rPr lang="en-US" smtClean="0"/>
               <a:pPr/>
-              <a:t>12/29/2023</a:t>
+              <a:t>10/28/2024</a:t>
             </a:fld>
             <a:endParaRPr lang="en-US" dirty="0"/>
           </a:p>
@@ -8058,7 +8061,7 @@
           <a:p>
             <a:fld id="{42A54C80-263E-416B-A8E0-580EDEADCBDC}" type="datetimeFigureOut">
               <a:rPr lang="en-US" smtClean="0"/>
-              <a:t>12/29/2023</a:t>
+              <a:t>10/28/2024</a:t>
             </a:fld>
             <a:endParaRPr lang="en-US" dirty="0"/>
           </a:p>
@@ -8366,7 +8369,7 @@
             <a:fld id="{B61BEF0D-F0BB-DE4B-95CE-6DB70DBA9567}" type="datetimeFigureOut">
               <a:rPr lang="en-US" smtClean="0"/>
               <a:pPr/>
-              <a:t>12/29/2023</a:t>
+              <a:t>10/28/2024</a:t>
             </a:fld>
             <a:endParaRPr lang="en-US" dirty="0"/>
           </a:p>
@@ -9070,7 +9073,7 @@
             <a:fld id="{B61BEF0D-F0BB-DE4B-95CE-6DB70DBA9567}" type="datetimeFigureOut">
               <a:rPr lang="en-US" smtClean="0"/>
               <a:pPr/>
-              <a:t>12/29/2023</a:t>
+              <a:t>10/28/2024</a:t>
             </a:fld>
             <a:endParaRPr lang="en-US" dirty="0"/>
           </a:p>
@@ -9281,7 +9284,7 @@
                 </a:solidFill>
               </a:rPr>
               <a:pPr/>
-              <a:t>12/29/2023</a:t>
+              <a:t>10/28/2024</a:t>
             </a:fld>
             <a:endParaRPr lang="en-US" sz="1100" dirty="0">
               <a:solidFill>
@@ -10034,22 +10037,76 @@
         </p:nvSpPr>
         <p:spPr>
           <a:xfrm>
-            <a:off x="6312871" y="4141999"/>
-            <a:ext cx="3400089" cy="861497"/>
+            <a:off x="6312871" y="3537449"/>
+            <a:ext cx="5279365" cy="2518913"/>
           </a:xfrm>
         </p:spPr>
         <p:txBody>
-          <a:bodyPr/>
+          <a:bodyPr>
+            <a:normAutofit fontScale="92500" lnSpcReduction="10000"/>
+          </a:bodyPr>
           <a:lstStyle/>
           <a:p>
             <a:pPr algn="r"/>
             <a:r>
-              <a:rPr lang="en-US" b="0" dirty="0" smtClean="0">
+              <a:rPr lang="en-IN" b="0" dirty="0">
                 <a:solidFill>
                   <a:schemeClr val="tx1"/>
                 </a:solidFill>
               </a:rPr>
-              <a:t>[Student Name ]</a:t>
+              <a:t>Name:- Keshab Kumar</a:t>
+            </a:r>
+          </a:p>
+          <a:p>
+            <a:pPr algn="r"/>
+            <a:r>
+              <a:rPr lang="en-IN" b="0" dirty="0">
+                <a:solidFill>
+                  <a:schemeClr val="tx1"/>
+                </a:solidFill>
+              </a:rPr>
+              <a:t>Apply ID: APPLY_172711308466f1a77c56a3d </a:t>
+            </a:r>
+          </a:p>
+          <a:p>
+            <a:pPr algn="r"/>
+            <a:r>
+              <a:rPr lang="en-IN" b="0" dirty="0">
+                <a:solidFill>
+                  <a:schemeClr val="tx1"/>
+                </a:solidFill>
+              </a:rPr>
+              <a:t>Internship ID: INTERNSHIP_172663295366ea53f910591</a:t>
+            </a:r>
+          </a:p>
+          <a:p>
+            <a:pPr algn="r"/>
+            <a:r>
+              <a:rPr lang="en-IN" b="0" dirty="0">
+                <a:solidFill>
+                  <a:schemeClr val="tx1"/>
+                </a:solidFill>
+              </a:rPr>
+              <a:t>AICTE ID:-STU64b68f7eda5591689685886</a:t>
+            </a:r>
+          </a:p>
+          <a:p>
+            <a:pPr algn="r"/>
+            <a:r>
+              <a:rPr lang="en-IN" b="0" dirty="0">
+                <a:solidFill>
+                  <a:schemeClr val="tx1"/>
+                </a:solidFill>
+              </a:rPr>
+              <a:t>College:- </a:t>
+            </a:r>
+            <a:r>
+              <a:rPr lang="en-US" b="0" dirty="0">
+                <a:solidFill>
+                  <a:schemeClr val="tx1"/>
+                </a:solidFill>
+              </a:rPr>
+              <a:t>NOIDA INSTITUTE OF ENGINEERING &amp; TECHNOLOGY</a:t>
             </a:r>
             <a:endParaRPr lang="en-IN" b="0" dirty="0">
               <a:solidFill>
@@ -10083,13 +10140,20 @@
         </p:spPr>
         <p:txBody>
           <a:bodyPr>
-            <a:normAutofit/>
+            <a:normAutofit fontScale="90000"/>
           </a:bodyPr>
           <a:lstStyle/>
           <a:p>
             <a:r>
-              <a:rPr lang="en-GB" sz="3200" dirty="0" smtClean="0"/>
-              <a:t>Project Title -</a:t>
+              <a:rPr lang="en-GB" sz="3200" dirty="0"/>
+              <a:t>Project Title –</a:t>
+            </a:r>
+            <a:br>
+              <a:rPr lang="en-GB" sz="3200" dirty="0"/>
+            </a:br>
+            <a:r>
+              <a:rPr lang="en-US" sz="3200" dirty="0"/>
+              <a:t>Exploratory Data Analysis on Super Store</a:t>
             </a:r>
             <a:endParaRPr lang="en-IN" sz="3200" dirty="0"/>
           </a:p>
@@ -10859,228 +10923,37 @@
                       </p:childTnLst>
                     </p:cTn>
                   </p:par>
-                </p:childTnLst>
-              </p:cTn>
-              <p:prevCondLst>
-                <p:cond evt="onPrev" delay="0">
-                  <p:tgtEl>
-                    <p:sldTgt/>
-                  </p:tgtEl>
-                </p:cond>
-              </p:prevCondLst>
-              <p:nextCondLst>
-                <p:cond evt="onNext" delay="0">
-                  <p:tgtEl>
-                    <p:sldTgt/>
-                  </p:tgtEl>
-                </p:cond>
-              </p:nextCondLst>
-            </p:seq>
-          </p:childTnLst>
-        </p:cTn>
-      </p:par>
-    </p:tnLst>
-    <p:bldLst>
-      <p:bldP spid="2" grpId="0" build="p"/>
-      <p:bldP spid="4" grpId="0"/>
-      <p:bldP spid="15" grpId="0"/>
-    </p:bldLst>
-  </p:timing>
-</p:sld>
-</file>
-
-<file path=ppt/slides/slide2.xml><?xml version="1.0" encoding="utf-8"?>
-<p:sld xmlns:a="http://schemas.openxmlformats.org/drawingml/2006/main" xmlns:r="http://schemas.openxmlformats.org/officeDocument/2006/relationships" xmlns:p="http://schemas.openxmlformats.org/presentationml/2006/main">
-  <p:cSld>
-    <p:spTree>
-      <p:nvGrpSpPr>
-        <p:cNvPr id="1" name=""/>
-        <p:cNvGrpSpPr/>
-        <p:nvPr/>
-      </p:nvGrpSpPr>
-      <p:grpSpPr>
-        <a:xfrm>
-          <a:off x="0" y="0"/>
-          <a:ext cx="0" cy="0"/>
-          <a:chOff x="0" y="0"/>
-          <a:chExt cx="0" cy="0"/>
-        </a:xfrm>
-      </p:grpSpPr>
-      <p:sp>
-        <p:nvSpPr>
-          <p:cNvPr id="2" name="Text Placeholder 1">
-            <a:extLst>
-              <a:ext uri="{FF2B5EF4-FFF2-40B4-BE49-F238E27FC236}">
-                <a16:creationId xmlns:a16="http://schemas.microsoft.com/office/drawing/2014/main" id="{E46E4DD1-270B-4C80-AFF0-EB26F132AF36}"/>
-              </a:ext>
-            </a:extLst>
-          </p:cNvPr>
-          <p:cNvSpPr>
-            <a:spLocks noGrp="1"/>
-          </p:cNvSpPr>
-          <p:nvPr>
-            <p:ph type="body" sz="quarter" idx="12"/>
-          </p:nvPr>
-        </p:nvSpPr>
-        <p:spPr>
-          <a:xfrm>
-            <a:off x="1046480" y="1875556"/>
-            <a:ext cx="6431280" cy="3607987"/>
-          </a:xfrm>
-        </p:spPr>
-        <p:txBody>
-          <a:bodyPr/>
-          <a:lstStyle/>
-          <a:p>
-            <a:pPr>
-              <a:lnSpc>
-                <a:spcPct val="150000"/>
-              </a:lnSpc>
-            </a:pPr>
-            <a:endParaRPr lang="en-IN" sz="2800" dirty="0"/>
-          </a:p>
-        </p:txBody>
-      </p:sp>
-      <p:sp>
-        <p:nvSpPr>
-          <p:cNvPr id="4" name="Title 3">
-            <a:extLst>
-              <a:ext uri="{FF2B5EF4-FFF2-40B4-BE49-F238E27FC236}">
-                <a16:creationId xmlns:a16="http://schemas.microsoft.com/office/drawing/2014/main" id="{777CC02B-F7C6-47A8-8C3E-C57C417D9EA3}"/>
-              </a:ext>
-            </a:extLst>
-          </p:cNvPr>
-          <p:cNvSpPr>
-            <a:spLocks noGrp="1"/>
-          </p:cNvSpPr>
-          <p:nvPr>
-            <p:ph type="title"/>
-          </p:nvPr>
-        </p:nvSpPr>
-        <p:spPr>
-          <a:xfrm>
-            <a:off x="754602" y="550417"/>
-            <a:ext cx="6995604" cy="790111"/>
-          </a:xfrm>
-        </p:spPr>
-        <p:txBody>
-          <a:bodyPr>
-            <a:normAutofit fontScale="90000"/>
-          </a:bodyPr>
-          <a:lstStyle/>
-          <a:p>
-            <a:r>
-              <a:rPr lang="en-US" dirty="0"/>
-              <a:t>PROBLEM  STATEMENT</a:t>
-            </a:r>
-            <a:endParaRPr lang="en-IN" dirty="0"/>
-          </a:p>
-        </p:txBody>
-      </p:sp>
-      <p:pic>
-        <p:nvPicPr>
-          <p:cNvPr id="5" name="Picture 4">
-            <a:extLst>
-              <a:ext uri="{FF2B5EF4-FFF2-40B4-BE49-F238E27FC236}">
-                <a16:creationId xmlns:a16="http://schemas.microsoft.com/office/drawing/2014/main" id="{C8FE02DE-D7B2-433D-BFE4-2F564022AD89}"/>
-              </a:ext>
-            </a:extLst>
-          </p:cNvPr>
-          <p:cNvPicPr>
-            <a:picLocks noChangeAspect="1"/>
-          </p:cNvPicPr>
-          <p:nvPr/>
-        </p:nvPicPr>
-        <p:blipFill>
-          <a:blip r:embed="rId2"/>
-          <a:stretch>
-            <a:fillRect/>
-          </a:stretch>
-        </p:blipFill>
-        <p:spPr>
-          <a:xfrm>
-            <a:off x="7995684" y="2930834"/>
-            <a:ext cx="2760758" cy="3264409"/>
-          </a:xfrm>
-          <a:prstGeom prst="rect">
-            <a:avLst/>
-          </a:prstGeom>
-        </p:spPr>
-      </p:pic>
-      <p:pic>
-        <p:nvPicPr>
-          <p:cNvPr id="6" name="Picture 5">
-            <a:extLst>
-              <a:ext uri="{FF2B5EF4-FFF2-40B4-BE49-F238E27FC236}">
-                <a16:creationId xmlns:a16="http://schemas.microsoft.com/office/drawing/2014/main" id="{736DEFE3-051A-494A-949C-BB2FF86F9ED7}"/>
-              </a:ext>
-            </a:extLst>
-          </p:cNvPr>
-          <p:cNvPicPr>
-            <a:picLocks noChangeAspect="1"/>
-          </p:cNvPicPr>
-          <p:nvPr/>
-        </p:nvPicPr>
-        <p:blipFill rotWithShape="1">
-          <a:blip r:embed="rId3"/>
-          <a:srcRect t="96181"/>
-          <a:stretch/>
-        </p:blipFill>
-        <p:spPr>
-          <a:xfrm>
-            <a:off x="675957" y="6471920"/>
-            <a:ext cx="2143125" cy="193040"/>
-          </a:xfrm>
-          <a:prstGeom prst="rect">
-            <a:avLst/>
-          </a:prstGeom>
-        </p:spPr>
-      </p:pic>
-    </p:spTree>
-    <p:extLst>
-      <p:ext uri="{BB962C8B-B14F-4D97-AF65-F5344CB8AC3E}">
-        <p14:creationId xmlns:p14="http://schemas.microsoft.com/office/powerpoint/2010/main" val="3098548442"/>
-      </p:ext>
-    </p:extLst>
-  </p:cSld>
-  <p:clrMapOvr>
-    <a:masterClrMapping/>
-  </p:clrMapOvr>
-  <p:timing>
-    <p:tnLst>
-      <p:par>
-        <p:cTn id="1" dur="indefinite" restart="never" nodeType="tmRoot">
-          <p:childTnLst>
-            <p:seq concurrent="1" nextAc="seek">
-              <p:cTn id="2" dur="indefinite" nodeType="mainSeq">
-                <p:childTnLst>
                   <p:par>
-                    <p:cTn id="3" fill="hold">
+                    <p:cTn id="33" fill="hold">
                       <p:stCondLst>
                         <p:cond delay="indefinite"/>
                       </p:stCondLst>
                       <p:childTnLst>
                         <p:par>
-                          <p:cTn id="4" fill="hold">
+                          <p:cTn id="34" fill="hold">
                             <p:stCondLst>
                               <p:cond delay="0"/>
                             </p:stCondLst>
                             <p:childTnLst>
                               <p:par>
-                                <p:cTn id="5" presetID="53" presetClass="entr" presetSubtype="16" fill="hold" grpId="0" nodeType="clickEffect">
+                                <p:cTn id="35" presetID="14" presetClass="entr" presetSubtype="10" fill="hold" grpId="0" nodeType="clickEffect">
                                   <p:stCondLst>
                                     <p:cond delay="0"/>
                                   </p:stCondLst>
                                   <p:childTnLst>
                                     <p:set>
                                       <p:cBhvr>
-                                        <p:cTn id="6" dur="1" fill="hold">
+                                        <p:cTn id="36" dur="1" fill="hold">
                                           <p:stCondLst>
                                             <p:cond delay="0"/>
                                           </p:stCondLst>
                                         </p:cTn>
                                         <p:tgtEl>
-                                          <p:spTgt spid="4"/>
+                                          <p:spTgt spid="2">
+                                            <p:txEl>
+                                              <p:pRg st="1" end="1"/>
+                                            </p:txEl>
+                                          </p:spTgt>
                                         </p:tgtEl>
                                         <p:attrNameLst>
                                           <p:attrName>style.visibility</p:attrName>
@@ -11090,57 +10963,15 @@
                                         <p:strVal val="visible"/>
                                       </p:to>
                                     </p:set>
-                                    <p:anim calcmode="lin" valueType="num">
+                                    <p:animEffect transition="in" filter="randombar(horizontal)">
                                       <p:cBhvr>
-                                        <p:cTn id="7" dur="500" fill="hold"/>
+                                        <p:cTn id="37" dur="500"/>
                                         <p:tgtEl>
-                                          <p:spTgt spid="4"/>
-                                        </p:tgtEl>
-                                        <p:attrNameLst>
-                                          <p:attrName>ppt_w</p:attrName>
-                                        </p:attrNameLst>
-                                      </p:cBhvr>
-                                      <p:tavLst>
-                                        <p:tav tm="0">
-                                          <p:val>
-                                            <p:fltVal val="0"/>
-                                          </p:val>
-                                        </p:tav>
-                                        <p:tav tm="100000">
-                                          <p:val>
-                                            <p:strVal val="#ppt_w"/>
-                                          </p:val>
-                                        </p:tav>
-                                      </p:tavLst>
-                                    </p:anim>
-                                    <p:anim calcmode="lin" valueType="num">
-                                      <p:cBhvr>
-                                        <p:cTn id="8" dur="500" fill="hold"/>
-                                        <p:tgtEl>
-                                          <p:spTgt spid="4"/>
-                                        </p:tgtEl>
-                                        <p:attrNameLst>
-                                          <p:attrName>ppt_h</p:attrName>
-                                        </p:attrNameLst>
-                                      </p:cBhvr>
-                                      <p:tavLst>
-                                        <p:tav tm="0">
-                                          <p:val>
-                                            <p:fltVal val="0"/>
-                                          </p:val>
-                                        </p:tav>
-                                        <p:tav tm="100000">
-                                          <p:val>
-                                            <p:strVal val="#ppt_h"/>
-                                          </p:val>
-                                        </p:tav>
-                                      </p:tavLst>
-                                    </p:anim>
-                                    <p:animEffect transition="in" filter="fade">
-                                      <p:cBhvr>
-                                        <p:cTn id="9" dur="500"/>
-                                        <p:tgtEl>
-                                          <p:spTgt spid="4"/>
+                                          <p:spTgt spid="2">
+                                            <p:txEl>
+                                              <p:pRg st="1" end="1"/>
+                                            </p:txEl>
+                                          </p:spTgt>
                                         </p:tgtEl>
                                       </p:cBhvr>
                                     </p:animEffect>
@@ -11154,31 +10985,26 @@
                     </p:cTn>
                   </p:par>
                   <p:par>
-                    <p:cTn id="10" fill="hold">
+                    <p:cTn id="38" fill="hold">
                       <p:stCondLst>
                         <p:cond delay="indefinite"/>
                       </p:stCondLst>
                       <p:childTnLst>
                         <p:par>
-                          <p:cTn id="11" fill="hold">
+                          <p:cTn id="39" fill="hold">
                             <p:stCondLst>
                               <p:cond delay="0"/>
                             </p:stCondLst>
                             <p:childTnLst>
                               <p:par>
-                                <p:cTn id="12" presetID="42" presetClass="entr" presetSubtype="0" fill="hold" grpId="0" nodeType="clickEffect" nodePh="1">
+                                <p:cTn id="40" presetID="14" presetClass="entr" presetSubtype="10" fill="hold" grpId="0" nodeType="clickEffect">
                                   <p:stCondLst>
                                     <p:cond delay="0"/>
                                   </p:stCondLst>
-                                  <p:endCondLst>
-                                    <p:cond evt="begin" delay="0">
-                                      <p:tn val="12"/>
-                                    </p:cond>
-                                  </p:endCondLst>
                                   <p:childTnLst>
                                     <p:set>
                                       <p:cBhvr>
-                                        <p:cTn id="13" dur="1" fill="hold">
+                                        <p:cTn id="41" dur="1" fill="hold">
                                           <p:stCondLst>
                                             <p:cond delay="0"/>
                                           </p:stCondLst>
@@ -11186,7 +11012,7 @@
                                         <p:tgtEl>
                                           <p:spTgt spid="2">
                                             <p:txEl>
-                                              <p:pRg st="0" end="0"/>
+                                              <p:pRg st="2" end="2"/>
                                             </p:txEl>
                                           </p:spTgt>
                                         </p:tgtEl>
@@ -11198,72 +11024,18 @@
                                         <p:strVal val="visible"/>
                                       </p:to>
                                     </p:set>
-                                    <p:animEffect transition="in" filter="fade">
+                                    <p:animEffect transition="in" filter="randombar(horizontal)">
                                       <p:cBhvr>
-                                        <p:cTn id="14" dur="1000"/>
+                                        <p:cTn id="42" dur="500"/>
                                         <p:tgtEl>
                                           <p:spTgt spid="2">
                                             <p:txEl>
-                                              <p:pRg st="0" end="0"/>
+                                              <p:pRg st="2" end="2"/>
                                             </p:txEl>
                                           </p:spTgt>
                                         </p:tgtEl>
                                       </p:cBhvr>
                                     </p:animEffect>
-                                    <p:anim calcmode="lin" valueType="num">
-                                      <p:cBhvr>
-                                        <p:cTn id="15" dur="1000" fill="hold"/>
-                                        <p:tgtEl>
-                                          <p:spTgt spid="2">
-                                            <p:txEl>
-                                              <p:pRg st="0" end="0"/>
-                                            </p:txEl>
-                                          </p:spTgt>
-                                        </p:tgtEl>
-                                        <p:attrNameLst>
-                                          <p:attrName>ppt_x</p:attrName>
-                                        </p:attrNameLst>
-                                      </p:cBhvr>
-                                      <p:tavLst>
-                                        <p:tav tm="0">
-                                          <p:val>
-                                            <p:strVal val="#ppt_x"/>
-                                          </p:val>
-                                        </p:tav>
-                                        <p:tav tm="100000">
-                                          <p:val>
-                                            <p:strVal val="#ppt_x"/>
-                                          </p:val>
-                                        </p:tav>
-                                      </p:tavLst>
-                                    </p:anim>
-                                    <p:anim calcmode="lin" valueType="num">
-                                      <p:cBhvr>
-                                        <p:cTn id="16" dur="1000" fill="hold"/>
-                                        <p:tgtEl>
-                                          <p:spTgt spid="2">
-                                            <p:txEl>
-                                              <p:pRg st="0" end="0"/>
-                                            </p:txEl>
-                                          </p:spTgt>
-                                        </p:tgtEl>
-                                        <p:attrNameLst>
-                                          <p:attrName>ppt_y</p:attrName>
-                                        </p:attrNameLst>
-                                      </p:cBhvr>
-                                      <p:tavLst>
-                                        <p:tav tm="0">
-                                          <p:val>
-                                            <p:strVal val="#ppt_y+.1"/>
-                                          </p:val>
-                                        </p:tav>
-                                        <p:tav tm="100000">
-                                          <p:val>
-                                            <p:strVal val="#ppt_y"/>
-                                          </p:val>
-                                        </p:tav>
-                                      </p:tavLst>
-                                    </p:anim>
                                   </p:childTnLst>
                                 </p:cTn>
                               </p:par>
@@ -11273,216 +11045,37 @@
                       </p:childTnLst>
                     </p:cTn>
                   </p:par>
-                </p:childTnLst>
-              </p:cTn>
-              <p:prevCondLst>
-                <p:cond evt="onPrev" delay="0">
-                  <p:tgtEl>
-                    <p:sldTgt/>
-                  </p:tgtEl>
-                </p:cond>
-              </p:prevCondLst>
-              <p:nextCondLst>
-                <p:cond evt="onNext" delay="0">
-                  <p:tgtEl>
-                    <p:sldTgt/>
-                  </p:tgtEl>
-                </p:cond>
-              </p:nextCondLst>
-            </p:seq>
-          </p:childTnLst>
-        </p:cTn>
-      </p:par>
-    </p:tnLst>
-    <p:bldLst>
-      <p:bldP spid="2" grpId="0" build="p"/>
-      <p:bldP spid="4" grpId="0"/>
-    </p:bldLst>
-  </p:timing>
-</p:sld>
-</file>
-
-<file path=ppt/slides/slide3.xml><?xml version="1.0" encoding="utf-8"?>
-<p:sld xmlns:a="http://schemas.openxmlformats.org/drawingml/2006/main" xmlns:r="http://schemas.openxmlformats.org/officeDocument/2006/relationships" xmlns:p="http://schemas.openxmlformats.org/presentationml/2006/main">
-  <p:cSld>
-    <p:bg>
-      <p:bgPr>
-        <a:solidFill>
-          <a:schemeClr val="bg1">
-            <a:lumMod val="95000"/>
-          </a:schemeClr>
-        </a:solidFill>
-        <a:effectLst/>
-      </p:bgPr>
-    </p:bg>
-    <p:spTree>
-      <p:nvGrpSpPr>
-        <p:cNvPr id="1" name=""/>
-        <p:cNvGrpSpPr/>
-        <p:nvPr/>
-      </p:nvGrpSpPr>
-      <p:grpSpPr>
-        <a:xfrm>
-          <a:off x="0" y="0"/>
-          <a:ext cx="0" cy="0"/>
-          <a:chOff x="0" y="0"/>
-          <a:chExt cx="0" cy="0"/>
-        </a:xfrm>
-      </p:grpSpPr>
-      <p:sp>
-        <p:nvSpPr>
-          <p:cNvPr id="3" name="Title 2">
-            <a:extLst>
-              <a:ext uri="{FF2B5EF4-FFF2-40B4-BE49-F238E27FC236}">
-                <a16:creationId xmlns:a16="http://schemas.microsoft.com/office/drawing/2014/main" id="{EBF2FBC7-3552-4F01-BB27-8BEEE74F7277}"/>
-              </a:ext>
-            </a:extLst>
-          </p:cNvPr>
-          <p:cNvSpPr>
-            <a:spLocks noGrp="1"/>
-          </p:cNvSpPr>
-          <p:nvPr>
-            <p:ph type="title"/>
-          </p:nvPr>
-        </p:nvSpPr>
-        <p:spPr>
-          <a:xfrm>
-            <a:off x="660399" y="805213"/>
-            <a:ext cx="6276109" cy="830997"/>
-          </a:xfrm>
-        </p:spPr>
-        <p:txBody>
-          <a:bodyPr>
-            <a:normAutofit fontScale="90000"/>
-          </a:bodyPr>
-          <a:lstStyle/>
-          <a:p>
-            <a:r>
-              <a:rPr lang="en-GB" dirty="0" smtClean="0"/>
-              <a:t>Project Description</a:t>
-            </a:r>
-            <a:br>
-              <a:rPr lang="en-GB" dirty="0" smtClean="0"/>
-            </a:br>
-            <a:r>
-              <a:rPr lang="en-GB" dirty="0" smtClean="0"/>
-              <a:t>[write detail description about your project ] </a:t>
-            </a:r>
-            <a:r>
-              <a:rPr lang="en-GB" dirty="0"/>
-              <a:t/>
-            </a:r>
-            <a:br>
-              <a:rPr lang="en-GB" dirty="0"/>
-            </a:br>
-            <a:endParaRPr lang="en-IN" dirty="0"/>
-          </a:p>
-        </p:txBody>
-      </p:sp>
-      <p:pic>
-        <p:nvPicPr>
-          <p:cNvPr id="5" name="Picture 4">
-            <a:extLst>
-              <a:ext uri="{FF2B5EF4-FFF2-40B4-BE49-F238E27FC236}">
-                <a16:creationId xmlns:a16="http://schemas.microsoft.com/office/drawing/2014/main" id="{09D8A2BA-6C1D-4A33-85F2-E44A4FF54A1C}"/>
-              </a:ext>
-            </a:extLst>
-          </p:cNvPr>
-          <p:cNvPicPr>
-            <a:picLocks noChangeAspect="1"/>
-          </p:cNvPicPr>
-          <p:nvPr/>
-        </p:nvPicPr>
-        <p:blipFill rotWithShape="1">
-          <a:blip r:embed="rId2"/>
-          <a:srcRect t="96181"/>
-          <a:stretch/>
-        </p:blipFill>
-        <p:spPr>
-          <a:xfrm>
-            <a:off x="675957" y="6471920"/>
-            <a:ext cx="2143125" cy="193040"/>
-          </a:xfrm>
-          <a:prstGeom prst="rect">
-            <a:avLst/>
-          </a:prstGeom>
-        </p:spPr>
-      </p:pic>
-      <p:pic>
-        <p:nvPicPr>
-          <p:cNvPr id="6" name="Picture 5">
-            <a:extLst>
-              <a:ext uri="{FF2B5EF4-FFF2-40B4-BE49-F238E27FC236}">
-                <a16:creationId xmlns:a16="http://schemas.microsoft.com/office/drawing/2014/main" id="{6BED3D6A-DC10-4985-B01B-735F2CBA6E47}"/>
-              </a:ext>
-            </a:extLst>
-          </p:cNvPr>
-          <p:cNvPicPr>
-            <a:picLocks noChangeAspect="1"/>
-          </p:cNvPicPr>
-          <p:nvPr/>
-        </p:nvPicPr>
-        <p:blipFill>
-          <a:blip r:embed="rId3"/>
-          <a:stretch>
-            <a:fillRect/>
-          </a:stretch>
-        </p:blipFill>
-        <p:spPr>
-          <a:xfrm>
-            <a:off x="467359" y="6410461"/>
-            <a:ext cx="3706253" cy="296092"/>
-          </a:xfrm>
-          <a:prstGeom prst="rect">
-            <a:avLst/>
-          </a:prstGeom>
-        </p:spPr>
-      </p:pic>
-    </p:spTree>
-    <p:extLst>
-      <p:ext uri="{BB962C8B-B14F-4D97-AF65-F5344CB8AC3E}">
-        <p14:creationId xmlns:p14="http://schemas.microsoft.com/office/powerpoint/2010/main" val="3696770303"/>
-      </p:ext>
-    </p:extLst>
-  </p:cSld>
-  <p:clrMapOvr>
-    <a:masterClrMapping/>
-  </p:clrMapOvr>
-  <p:timing>
-    <p:tnLst>
-      <p:par>
-        <p:cTn id="1" dur="indefinite" restart="never" nodeType="tmRoot">
-          <p:childTnLst>
-            <p:seq concurrent="1" nextAc="seek">
-              <p:cTn id="2" dur="indefinite" nodeType="mainSeq">
-                <p:childTnLst>
                   <p:par>
-                    <p:cTn id="3" fill="hold">
+                    <p:cTn id="43" fill="hold">
                       <p:stCondLst>
                         <p:cond delay="indefinite"/>
                       </p:stCondLst>
                       <p:childTnLst>
                         <p:par>
-                          <p:cTn id="4" fill="hold">
+                          <p:cTn id="44" fill="hold">
                             <p:stCondLst>
                               <p:cond delay="0"/>
                             </p:stCondLst>
                             <p:childTnLst>
                               <p:par>
-                                <p:cTn id="5" presetID="53" presetClass="entr" presetSubtype="16" fill="hold" grpId="0" nodeType="clickEffect">
+                                <p:cTn id="45" presetID="14" presetClass="entr" presetSubtype="10" fill="hold" grpId="0" nodeType="clickEffect">
                                   <p:stCondLst>
                                     <p:cond delay="0"/>
                                   </p:stCondLst>
                                   <p:childTnLst>
                                     <p:set>
                                       <p:cBhvr>
-                                        <p:cTn id="6" dur="1" fill="hold">
+                                        <p:cTn id="46" dur="1" fill="hold">
                                           <p:stCondLst>
                                             <p:cond delay="0"/>
                                           </p:stCondLst>
                                         </p:cTn>
                                         <p:tgtEl>
-                                          <p:spTgt spid="3"/>
+                                          <p:spTgt spid="2">
+                                            <p:txEl>
+                                              <p:pRg st="3" end="3"/>
+                                            </p:txEl>
+                                          </p:spTgt>
                                         </p:tgtEl>
                                         <p:attrNameLst>
                                           <p:attrName>style.visibility</p:attrName>
@@ -11492,57 +11085,76 @@
                                         <p:strVal val="visible"/>
                                       </p:to>
                                     </p:set>
-                                    <p:anim calcmode="lin" valueType="num">
+                                    <p:animEffect transition="in" filter="randombar(horizontal)">
                                       <p:cBhvr>
-                                        <p:cTn id="7" dur="500" fill="hold"/>
+                                        <p:cTn id="47" dur="500"/>
                                         <p:tgtEl>
-                                          <p:spTgt spid="3"/>
+                                          <p:spTgt spid="2">
+                                            <p:txEl>
+                                              <p:pRg st="3" end="3"/>
+                                            </p:txEl>
+                                          </p:spTgt>
+                                        </p:tgtEl>
+                                      </p:cBhvr>
+                                    </p:animEffect>
+                                  </p:childTnLst>
+                                </p:cTn>
+                              </p:par>
+                            </p:childTnLst>
+                          </p:cTn>
+                        </p:par>
+                      </p:childTnLst>
+                    </p:cTn>
+                  </p:par>
+                  <p:par>
+                    <p:cTn id="48" fill="hold">
+                      <p:stCondLst>
+                        <p:cond delay="indefinite"/>
+                      </p:stCondLst>
+                      <p:childTnLst>
+                        <p:par>
+                          <p:cTn id="49" fill="hold">
+                            <p:stCondLst>
+                              <p:cond delay="0"/>
+                            </p:stCondLst>
+                            <p:childTnLst>
+                              <p:par>
+                                <p:cTn id="50" presetID="14" presetClass="entr" presetSubtype="10" fill="hold" grpId="0" nodeType="clickEffect">
+                                  <p:stCondLst>
+                                    <p:cond delay="0"/>
+                                  </p:stCondLst>
+                                  <p:childTnLst>
+                                    <p:set>
+                                      <p:cBhvr>
+                                        <p:cTn id="51" dur="1" fill="hold">
+                                          <p:stCondLst>
+                                            <p:cond delay="0"/>
+                                          </p:stCondLst>
+                                        </p:cTn>
+                                        <p:tgtEl>
+                                          <p:spTgt spid="2">
+                                            <p:txEl>
+                                              <p:pRg st="4" end="4"/>
+                                            </p:txEl>
+                                          </p:spTgt>
                                         </p:tgtEl>
                                         <p:attrNameLst>
-                                          <p:attrName>ppt_w</p:attrName>
+                                          <p:attrName>style.visibility</p:attrName>
                                         </p:attrNameLst>
                                       </p:cBhvr>
-                                      <p:tavLst>
-                                        <p:tav tm="0">
-                                          <p:val>
-                                            <p:fltVal val="0"/>
-                                          </p:val>
-                                        </p:tav>
-                                        <p:tav tm="100000">
-                                          <p:val>
-                                            <p:strVal val="#ppt_w"/>
-                                          </p:val>
-                                        </p:tav>
-                                      </p:tavLst>
-                                    </p:anim>
-                                    <p:anim calcmode="lin" valueType="num">
+                                      <p:to>
+                                        <p:strVal val="visible"/>
+                                      </p:to>
+                                    </p:set>
+                                    <p:animEffect transition="in" filter="randombar(horizontal)">
                                       <p:cBhvr>
-                                        <p:cTn id="8" dur="500" fill="hold"/>
+                                        <p:cTn id="52" dur="500"/>
                                         <p:tgtEl>
-                                          <p:spTgt spid="3"/>
-                                        </p:tgtEl>
-                                        <p:attrNameLst>
-                                          <p:attrName>ppt_h</p:attrName>
-                                        </p:attrNameLst>
-                                      </p:cBhvr>
-                                      <p:tavLst>
-                                        <p:tav tm="0">
-                                          <p:val>
-                                            <p:fltVal val="0"/>
-                                          </p:val>
-                                        </p:tav>
-                                        <p:tav tm="100000">
-                                          <p:val>
-                                            <p:strVal val="#ppt_h"/>
-                                          </p:val>
-                                        </p:tav>
-                                      </p:tavLst>
-                                    </p:anim>
-                                    <p:animEffect transition="in" filter="fade">
-                                      <p:cBhvr>
-                                        <p:cTn id="9" dur="500"/>
-                                        <p:tgtEl>
-                                          <p:spTgt spid="3"/>
+                                          <p:spTgt spid="2">
+                                            <p:txEl>
+                                              <p:pRg st="4" end="4"/>
+                                            </p:txEl>
+                                          </p:spTgt>
                                         </p:tgtEl>
                                       </p:cBhvr>
                                     </p:animEffect>
@@ -11577,2052 +11189,15 @@
       </p:par>
     </p:tnLst>
     <p:bldLst>
-      <p:bldP spid="3" grpId="0"/>
+      <p:bldP spid="2" grpId="0" build="p"/>
+      <p:bldP spid="4" grpId="0"/>
+      <p:bldP spid="15" grpId="0"/>
     </p:bldLst>
   </p:timing>
 </p:sld>
 </file>
 
-<file path=ppt/slides/slide4.xml><?xml version="1.0" encoding="utf-8"?>
-<p:sld xmlns:a="http://schemas.openxmlformats.org/drawingml/2006/main" xmlns:r="http://schemas.openxmlformats.org/officeDocument/2006/relationships" xmlns:p="http://schemas.openxmlformats.org/presentationml/2006/main">
-  <p:cSld>
-    <p:spTree>
-      <p:nvGrpSpPr>
-        <p:cNvPr id="1" name=""/>
-        <p:cNvGrpSpPr/>
-        <p:nvPr/>
-      </p:nvGrpSpPr>
-      <p:grpSpPr>
-        <a:xfrm>
-          <a:off x="0" y="0"/>
-          <a:ext cx="0" cy="0"/>
-          <a:chOff x="0" y="0"/>
-          <a:chExt cx="0" cy="0"/>
-        </a:xfrm>
-      </p:grpSpPr>
-      <p:sp>
-        <p:nvSpPr>
-          <p:cNvPr id="2" name="Text Placeholder 1">
-            <a:extLst>
-              <a:ext uri="{FF2B5EF4-FFF2-40B4-BE49-F238E27FC236}">
-                <a16:creationId xmlns:a16="http://schemas.microsoft.com/office/drawing/2014/main" id="{664E3B60-2780-459A-8583-F095D5E7463A}"/>
-              </a:ext>
-            </a:extLst>
-          </p:cNvPr>
-          <p:cNvSpPr>
-            <a:spLocks noGrp="1"/>
-          </p:cNvSpPr>
-          <p:nvPr>
-            <p:ph type="body" sz="quarter" idx="12"/>
-          </p:nvPr>
-        </p:nvSpPr>
-        <p:spPr>
-          <a:xfrm>
-            <a:off x="721359" y="1991360"/>
-            <a:ext cx="7904481" cy="3990023"/>
-          </a:xfrm>
-        </p:spPr>
-        <p:txBody>
-          <a:bodyPr>
-            <a:normAutofit/>
-          </a:bodyPr>
-          <a:lstStyle/>
-          <a:p>
-            <a:pPr algn="just">
-              <a:lnSpc>
-                <a:spcPct val="150000"/>
-              </a:lnSpc>
-            </a:pPr>
-            <a:endParaRPr lang="en-IN" sz="3600" dirty="0"/>
-          </a:p>
-        </p:txBody>
-      </p:sp>
-      <p:sp>
-        <p:nvSpPr>
-          <p:cNvPr id="4" name="Title 3">
-            <a:extLst>
-              <a:ext uri="{FF2B5EF4-FFF2-40B4-BE49-F238E27FC236}">
-                <a16:creationId xmlns:a16="http://schemas.microsoft.com/office/drawing/2014/main" id="{1A4A072B-83C6-4607-AE6A-5AD61CC72C44}"/>
-              </a:ext>
-            </a:extLst>
-          </p:cNvPr>
-          <p:cNvSpPr>
-            <a:spLocks noGrp="1"/>
-          </p:cNvSpPr>
-          <p:nvPr>
-            <p:ph type="title"/>
-          </p:nvPr>
-        </p:nvSpPr>
-        <p:spPr>
-          <a:xfrm>
-            <a:off x="620008" y="876617"/>
-            <a:ext cx="10046070" cy="802641"/>
-          </a:xfrm>
-        </p:spPr>
-        <p:txBody>
-          <a:bodyPr>
-            <a:normAutofit/>
-          </a:bodyPr>
-          <a:lstStyle/>
-          <a:p>
-            <a:r>
-              <a:rPr lang="en-US" sz="3200" dirty="0"/>
-              <a:t>WHO ARE THE END USERS?</a:t>
-            </a:r>
-            <a:endParaRPr lang="en-IN" sz="2000" dirty="0"/>
-          </a:p>
-        </p:txBody>
-      </p:sp>
-      <p:pic>
-        <p:nvPicPr>
-          <p:cNvPr id="6" name="Picture 5">
-            <a:extLst>
-              <a:ext uri="{FF2B5EF4-FFF2-40B4-BE49-F238E27FC236}">
-                <a16:creationId xmlns:a16="http://schemas.microsoft.com/office/drawing/2014/main" id="{E8B153BB-61B9-403F-8AE5-F75400450AC0}"/>
-              </a:ext>
-            </a:extLst>
-          </p:cNvPr>
-          <p:cNvPicPr>
-            <a:picLocks noChangeAspect="1"/>
-          </p:cNvPicPr>
-          <p:nvPr/>
-        </p:nvPicPr>
-        <p:blipFill>
-          <a:blip r:embed="rId2"/>
-          <a:stretch>
-            <a:fillRect/>
-          </a:stretch>
-        </p:blipFill>
-        <p:spPr>
-          <a:xfrm>
-            <a:off x="721359" y="6176804"/>
-            <a:ext cx="2181225" cy="485775"/>
-          </a:xfrm>
-          <a:prstGeom prst="rect">
-            <a:avLst/>
-          </a:prstGeom>
-        </p:spPr>
-      </p:pic>
-    </p:spTree>
-    <p:extLst>
-      <p:ext uri="{BB962C8B-B14F-4D97-AF65-F5344CB8AC3E}">
-        <p14:creationId xmlns:p14="http://schemas.microsoft.com/office/powerpoint/2010/main" val="48075006"/>
-      </p:ext>
-    </p:extLst>
-  </p:cSld>
-  <p:clrMapOvr>
-    <a:masterClrMapping/>
-  </p:clrMapOvr>
-  <p:timing>
-    <p:tnLst>
-      <p:par>
-        <p:cTn id="1" dur="indefinite" restart="never" nodeType="tmRoot">
-          <p:childTnLst>
-            <p:seq concurrent="1" nextAc="seek">
-              <p:cTn id="2" dur="indefinite" nodeType="mainSeq">
-                <p:childTnLst>
-                  <p:par>
-                    <p:cTn id="3" fill="hold">
-                      <p:stCondLst>
-                        <p:cond delay="indefinite"/>
-                      </p:stCondLst>
-                      <p:childTnLst>
-                        <p:par>
-                          <p:cTn id="4" fill="hold">
-                            <p:stCondLst>
-                              <p:cond delay="0"/>
-                            </p:stCondLst>
-                            <p:childTnLst>
-                              <p:par>
-                                <p:cTn id="5" presetID="53" presetClass="entr" presetSubtype="16" fill="hold" grpId="0" nodeType="clickEffect">
-                                  <p:stCondLst>
-                                    <p:cond delay="0"/>
-                                  </p:stCondLst>
-                                  <p:childTnLst>
-                                    <p:set>
-                                      <p:cBhvr>
-                                        <p:cTn id="6" dur="1" fill="hold">
-                                          <p:stCondLst>
-                                            <p:cond delay="0"/>
-                                          </p:stCondLst>
-                                        </p:cTn>
-                                        <p:tgtEl>
-                                          <p:spTgt spid="4"/>
-                                        </p:tgtEl>
-                                        <p:attrNameLst>
-                                          <p:attrName>style.visibility</p:attrName>
-                                        </p:attrNameLst>
-                                      </p:cBhvr>
-                                      <p:to>
-                                        <p:strVal val="visible"/>
-                                      </p:to>
-                                    </p:set>
-                                    <p:anim calcmode="lin" valueType="num">
-                                      <p:cBhvr>
-                                        <p:cTn id="7" dur="500" fill="hold"/>
-                                        <p:tgtEl>
-                                          <p:spTgt spid="4"/>
-                                        </p:tgtEl>
-                                        <p:attrNameLst>
-                                          <p:attrName>ppt_w</p:attrName>
-                                        </p:attrNameLst>
-                                      </p:cBhvr>
-                                      <p:tavLst>
-                                        <p:tav tm="0">
-                                          <p:val>
-                                            <p:fltVal val="0"/>
-                                          </p:val>
-                                        </p:tav>
-                                        <p:tav tm="100000">
-                                          <p:val>
-                                            <p:strVal val="#ppt_w"/>
-                                          </p:val>
-                                        </p:tav>
-                                      </p:tavLst>
-                                    </p:anim>
-                                    <p:anim calcmode="lin" valueType="num">
-                                      <p:cBhvr>
-                                        <p:cTn id="8" dur="500" fill="hold"/>
-                                        <p:tgtEl>
-                                          <p:spTgt spid="4"/>
-                                        </p:tgtEl>
-                                        <p:attrNameLst>
-                                          <p:attrName>ppt_h</p:attrName>
-                                        </p:attrNameLst>
-                                      </p:cBhvr>
-                                      <p:tavLst>
-                                        <p:tav tm="0">
-                                          <p:val>
-                                            <p:fltVal val="0"/>
-                                          </p:val>
-                                        </p:tav>
-                                        <p:tav tm="100000">
-                                          <p:val>
-                                            <p:strVal val="#ppt_h"/>
-                                          </p:val>
-                                        </p:tav>
-                                      </p:tavLst>
-                                    </p:anim>
-                                    <p:animEffect transition="in" filter="fade">
-                                      <p:cBhvr>
-                                        <p:cTn id="9" dur="500"/>
-                                        <p:tgtEl>
-                                          <p:spTgt spid="4"/>
-                                        </p:tgtEl>
-                                      </p:cBhvr>
-                                    </p:animEffect>
-                                  </p:childTnLst>
-                                </p:cTn>
-                              </p:par>
-                            </p:childTnLst>
-                          </p:cTn>
-                        </p:par>
-                      </p:childTnLst>
-                    </p:cTn>
-                  </p:par>
-                  <p:par>
-                    <p:cTn id="10" fill="hold">
-                      <p:stCondLst>
-                        <p:cond delay="indefinite"/>
-                      </p:stCondLst>
-                      <p:childTnLst>
-                        <p:par>
-                          <p:cTn id="11" fill="hold">
-                            <p:stCondLst>
-                              <p:cond delay="0"/>
-                            </p:stCondLst>
-                            <p:childTnLst>
-                              <p:par>
-                                <p:cTn id="12" presetID="42" presetClass="entr" presetSubtype="0" fill="hold" grpId="0" nodeType="clickEffect" nodePh="1">
-                                  <p:stCondLst>
-                                    <p:cond delay="0"/>
-                                  </p:stCondLst>
-                                  <p:endCondLst>
-                                    <p:cond evt="begin" delay="0">
-                                      <p:tn val="12"/>
-                                    </p:cond>
-                                  </p:endCondLst>
-                                  <p:childTnLst>
-                                    <p:set>
-                                      <p:cBhvr>
-                                        <p:cTn id="13" dur="1" fill="hold">
-                                          <p:stCondLst>
-                                            <p:cond delay="0"/>
-                                          </p:stCondLst>
-                                        </p:cTn>
-                                        <p:tgtEl>
-                                          <p:spTgt spid="2">
-                                            <p:txEl>
-                                              <p:pRg st="0" end="0"/>
-                                            </p:txEl>
-                                          </p:spTgt>
-                                        </p:tgtEl>
-                                        <p:attrNameLst>
-                                          <p:attrName>style.visibility</p:attrName>
-                                        </p:attrNameLst>
-                                      </p:cBhvr>
-                                      <p:to>
-                                        <p:strVal val="visible"/>
-                                      </p:to>
-                                    </p:set>
-                                    <p:animEffect transition="in" filter="fade">
-                                      <p:cBhvr>
-                                        <p:cTn id="14" dur="1000"/>
-                                        <p:tgtEl>
-                                          <p:spTgt spid="2">
-                                            <p:txEl>
-                                              <p:pRg st="0" end="0"/>
-                                            </p:txEl>
-                                          </p:spTgt>
-                                        </p:tgtEl>
-                                      </p:cBhvr>
-                                    </p:animEffect>
-                                    <p:anim calcmode="lin" valueType="num">
-                                      <p:cBhvr>
-                                        <p:cTn id="15" dur="1000" fill="hold"/>
-                                        <p:tgtEl>
-                                          <p:spTgt spid="2">
-                                            <p:txEl>
-                                              <p:pRg st="0" end="0"/>
-                                            </p:txEl>
-                                          </p:spTgt>
-                                        </p:tgtEl>
-                                        <p:attrNameLst>
-                                          <p:attrName>ppt_x</p:attrName>
-                                        </p:attrNameLst>
-                                      </p:cBhvr>
-                                      <p:tavLst>
-                                        <p:tav tm="0">
-                                          <p:val>
-                                            <p:strVal val="#ppt_x"/>
-                                          </p:val>
-                                        </p:tav>
-                                        <p:tav tm="100000">
-                                          <p:val>
-                                            <p:strVal val="#ppt_x"/>
-                                          </p:val>
-                                        </p:tav>
-                                      </p:tavLst>
-                                    </p:anim>
-                                    <p:anim calcmode="lin" valueType="num">
-                                      <p:cBhvr>
-                                        <p:cTn id="16" dur="1000" fill="hold"/>
-                                        <p:tgtEl>
-                                          <p:spTgt spid="2">
-                                            <p:txEl>
-                                              <p:pRg st="0" end="0"/>
-                                            </p:txEl>
-                                          </p:spTgt>
-                                        </p:tgtEl>
-                                        <p:attrNameLst>
-                                          <p:attrName>ppt_y</p:attrName>
-                                        </p:attrNameLst>
-                                      </p:cBhvr>
-                                      <p:tavLst>
-                                        <p:tav tm="0">
-                                          <p:val>
-                                            <p:strVal val="#ppt_y+.1"/>
-                                          </p:val>
-                                        </p:tav>
-                                        <p:tav tm="100000">
-                                          <p:val>
-                                            <p:strVal val="#ppt_y"/>
-                                          </p:val>
-                                        </p:tav>
-                                      </p:tavLst>
-                                    </p:anim>
-                                  </p:childTnLst>
-                                </p:cTn>
-                              </p:par>
-                            </p:childTnLst>
-                          </p:cTn>
-                        </p:par>
-                      </p:childTnLst>
-                    </p:cTn>
-                  </p:par>
-                </p:childTnLst>
-              </p:cTn>
-              <p:prevCondLst>
-                <p:cond evt="onPrev" delay="0">
-                  <p:tgtEl>
-                    <p:sldTgt/>
-                  </p:tgtEl>
-                </p:cond>
-              </p:prevCondLst>
-              <p:nextCondLst>
-                <p:cond evt="onNext" delay="0">
-                  <p:tgtEl>
-                    <p:sldTgt/>
-                  </p:tgtEl>
-                </p:cond>
-              </p:nextCondLst>
-            </p:seq>
-          </p:childTnLst>
-        </p:cTn>
-      </p:par>
-    </p:tnLst>
-    <p:bldLst>
-      <p:bldP spid="2" grpId="0" build="p"/>
-      <p:bldP spid="4" grpId="0"/>
-    </p:bldLst>
-  </p:timing>
-</p:sld>
-</file>
-
-<file path=ppt/slides/slide5.xml><?xml version="1.0" encoding="utf-8"?>
-<p:sld xmlns:a="http://schemas.openxmlformats.org/drawingml/2006/main" xmlns:r="http://schemas.openxmlformats.org/officeDocument/2006/relationships" xmlns:p="http://schemas.openxmlformats.org/presentationml/2006/main">
-  <p:cSld>
-    <p:bg>
-      <p:bgPr>
-        <a:solidFill>
-          <a:schemeClr val="bg1">
-            <a:lumMod val="95000"/>
-          </a:schemeClr>
-        </a:solidFill>
-        <a:effectLst/>
-      </p:bgPr>
-    </p:bg>
-    <p:spTree>
-      <p:nvGrpSpPr>
-        <p:cNvPr id="1" name=""/>
-        <p:cNvGrpSpPr/>
-        <p:nvPr/>
-      </p:nvGrpSpPr>
-      <p:grpSpPr>
-        <a:xfrm>
-          <a:off x="0" y="0"/>
-          <a:ext cx="0" cy="0"/>
-          <a:chOff x="0" y="0"/>
-          <a:chExt cx="0" cy="0"/>
-        </a:xfrm>
-      </p:grpSpPr>
-      <p:pic>
-        <p:nvPicPr>
-          <p:cNvPr id="6" name="Picture 5">
-            <a:extLst>
-              <a:ext uri="{FF2B5EF4-FFF2-40B4-BE49-F238E27FC236}">
-                <a16:creationId xmlns:a16="http://schemas.microsoft.com/office/drawing/2014/main" id="{0B7C27C4-3E14-490A-B132-CBBEDA1E905A}"/>
-              </a:ext>
-            </a:extLst>
-          </p:cNvPr>
-          <p:cNvPicPr>
-            <a:picLocks noChangeAspect="1"/>
-          </p:cNvPicPr>
-          <p:nvPr/>
-        </p:nvPicPr>
-        <p:blipFill>
-          <a:blip r:embed="rId3"/>
-          <a:stretch>
-            <a:fillRect/>
-          </a:stretch>
-        </p:blipFill>
-        <p:spPr>
-          <a:xfrm>
-            <a:off x="467359" y="6410461"/>
-            <a:ext cx="3706253" cy="296092"/>
-          </a:xfrm>
-          <a:prstGeom prst="rect">
-            <a:avLst/>
-          </a:prstGeom>
-        </p:spPr>
-      </p:pic>
-      <p:pic>
-        <p:nvPicPr>
-          <p:cNvPr id="2" name="Picture 1">
-            <a:extLst>
-              <a:ext uri="{FF2B5EF4-FFF2-40B4-BE49-F238E27FC236}">
-                <a16:creationId xmlns:a16="http://schemas.microsoft.com/office/drawing/2014/main" id="{F1FC3E39-8C60-4F64-9838-2A683F25B8C4}"/>
-              </a:ext>
-            </a:extLst>
-          </p:cNvPr>
-          <p:cNvPicPr>
-            <a:picLocks noChangeAspect="1"/>
-          </p:cNvPicPr>
-          <p:nvPr/>
-        </p:nvPicPr>
-        <p:blipFill>
-          <a:blip r:embed="rId4"/>
-          <a:stretch>
-            <a:fillRect/>
-          </a:stretch>
-        </p:blipFill>
-        <p:spPr>
-          <a:xfrm flipH="1">
-            <a:off x="50800" y="3820160"/>
-            <a:ext cx="1727200" cy="3010024"/>
-          </a:xfrm>
-          <a:prstGeom prst="rect">
-            <a:avLst/>
-          </a:prstGeom>
-        </p:spPr>
-      </p:pic>
-      <p:sp>
-        <p:nvSpPr>
-          <p:cNvPr id="7" name="Text Placeholder 6">
-            <a:extLst>
-              <a:ext uri="{FF2B5EF4-FFF2-40B4-BE49-F238E27FC236}">
-                <a16:creationId xmlns:a16="http://schemas.microsoft.com/office/drawing/2014/main" id="{B21C28F5-3CA3-4B78-B5C9-550C00BB3174}"/>
-              </a:ext>
-            </a:extLst>
-          </p:cNvPr>
-          <p:cNvSpPr>
-            <a:spLocks noGrp="1"/>
-          </p:cNvSpPr>
-          <p:nvPr>
-            <p:ph type="body" sz="quarter" idx="12"/>
-          </p:nvPr>
-        </p:nvSpPr>
-        <p:spPr>
-          <a:xfrm>
-            <a:off x="390618" y="1432560"/>
-            <a:ext cx="9027702" cy="5243448"/>
-          </a:xfrm>
-        </p:spPr>
-        <p:txBody>
-          <a:bodyPr/>
-          <a:lstStyle/>
-          <a:p>
-            <a:pPr lvl="1">
-              <a:lnSpc>
-                <a:spcPct val="150000"/>
-              </a:lnSpc>
-            </a:pPr>
-            <a:endParaRPr lang="en-IN" dirty="0"/>
-          </a:p>
-        </p:txBody>
-      </p:sp>
-      <p:sp>
-        <p:nvSpPr>
-          <p:cNvPr id="9" name="Title 8">
-            <a:extLst>
-              <a:ext uri="{FF2B5EF4-FFF2-40B4-BE49-F238E27FC236}">
-                <a16:creationId xmlns:a16="http://schemas.microsoft.com/office/drawing/2014/main" id="{FEF304F5-32C5-4869-B185-859B567855A8}"/>
-              </a:ext>
-            </a:extLst>
-          </p:cNvPr>
-          <p:cNvSpPr>
-            <a:spLocks noGrp="1"/>
-          </p:cNvSpPr>
-          <p:nvPr>
-            <p:ph type="title"/>
-          </p:nvPr>
-        </p:nvSpPr>
-        <p:spPr>
-          <a:xfrm>
-            <a:off x="660399" y="430567"/>
-            <a:ext cx="5306291" cy="847817"/>
-          </a:xfrm>
-        </p:spPr>
-        <p:txBody>
-          <a:bodyPr>
-            <a:normAutofit/>
-          </a:bodyPr>
-          <a:lstStyle/>
-          <a:p>
-            <a:r>
-              <a:rPr lang="en-US" dirty="0" smtClean="0"/>
-              <a:t>Technology Used</a:t>
-            </a:r>
-            <a:endParaRPr lang="en-US" dirty="0"/>
-          </a:p>
-        </p:txBody>
-      </p:sp>
-    </p:spTree>
-    <p:extLst>
-      <p:ext uri="{BB962C8B-B14F-4D97-AF65-F5344CB8AC3E}">
-        <p14:creationId xmlns:p14="http://schemas.microsoft.com/office/powerpoint/2010/main" val="1341901065"/>
-      </p:ext>
-    </p:extLst>
-  </p:cSld>
-  <p:clrMapOvr>
-    <a:masterClrMapping/>
-  </p:clrMapOvr>
-  <p:timing>
-    <p:tnLst>
-      <p:par>
-        <p:cTn id="1" dur="indefinite" restart="never" nodeType="tmRoot">
-          <p:childTnLst>
-            <p:seq concurrent="1" nextAc="seek">
-              <p:cTn id="2" dur="indefinite" nodeType="mainSeq">
-                <p:childTnLst>
-                  <p:par>
-                    <p:cTn id="3" fill="hold">
-                      <p:stCondLst>
-                        <p:cond delay="indefinite"/>
-                      </p:stCondLst>
-                      <p:childTnLst>
-                        <p:par>
-                          <p:cTn id="4" fill="hold">
-                            <p:stCondLst>
-                              <p:cond delay="0"/>
-                            </p:stCondLst>
-                            <p:childTnLst>
-                              <p:par>
-                                <p:cTn id="5" presetID="53" presetClass="entr" presetSubtype="16" fill="hold" grpId="0" nodeType="clickEffect">
-                                  <p:stCondLst>
-                                    <p:cond delay="0"/>
-                                  </p:stCondLst>
-                                  <p:childTnLst>
-                                    <p:set>
-                                      <p:cBhvr>
-                                        <p:cTn id="6" dur="1" fill="hold">
-                                          <p:stCondLst>
-                                            <p:cond delay="0"/>
-                                          </p:stCondLst>
-                                        </p:cTn>
-                                        <p:tgtEl>
-                                          <p:spTgt spid="9"/>
-                                        </p:tgtEl>
-                                        <p:attrNameLst>
-                                          <p:attrName>style.visibility</p:attrName>
-                                        </p:attrNameLst>
-                                      </p:cBhvr>
-                                      <p:to>
-                                        <p:strVal val="visible"/>
-                                      </p:to>
-                                    </p:set>
-                                    <p:anim calcmode="lin" valueType="num">
-                                      <p:cBhvr>
-                                        <p:cTn id="7" dur="500" fill="hold"/>
-                                        <p:tgtEl>
-                                          <p:spTgt spid="9"/>
-                                        </p:tgtEl>
-                                        <p:attrNameLst>
-                                          <p:attrName>ppt_w</p:attrName>
-                                        </p:attrNameLst>
-                                      </p:cBhvr>
-                                      <p:tavLst>
-                                        <p:tav tm="0">
-                                          <p:val>
-                                            <p:fltVal val="0"/>
-                                          </p:val>
-                                        </p:tav>
-                                        <p:tav tm="100000">
-                                          <p:val>
-                                            <p:strVal val="#ppt_w"/>
-                                          </p:val>
-                                        </p:tav>
-                                      </p:tavLst>
-                                    </p:anim>
-                                    <p:anim calcmode="lin" valueType="num">
-                                      <p:cBhvr>
-                                        <p:cTn id="8" dur="500" fill="hold"/>
-                                        <p:tgtEl>
-                                          <p:spTgt spid="9"/>
-                                        </p:tgtEl>
-                                        <p:attrNameLst>
-                                          <p:attrName>ppt_h</p:attrName>
-                                        </p:attrNameLst>
-                                      </p:cBhvr>
-                                      <p:tavLst>
-                                        <p:tav tm="0">
-                                          <p:val>
-                                            <p:fltVal val="0"/>
-                                          </p:val>
-                                        </p:tav>
-                                        <p:tav tm="100000">
-                                          <p:val>
-                                            <p:strVal val="#ppt_h"/>
-                                          </p:val>
-                                        </p:tav>
-                                      </p:tavLst>
-                                    </p:anim>
-                                    <p:animEffect transition="in" filter="fade">
-                                      <p:cBhvr>
-                                        <p:cTn id="9" dur="500"/>
-                                        <p:tgtEl>
-                                          <p:spTgt spid="9"/>
-                                        </p:tgtEl>
-                                      </p:cBhvr>
-                                    </p:animEffect>
-                                  </p:childTnLst>
-                                </p:cTn>
-                              </p:par>
-                            </p:childTnLst>
-                          </p:cTn>
-                        </p:par>
-                      </p:childTnLst>
-                    </p:cTn>
-                  </p:par>
-                  <p:par>
-                    <p:cTn id="10" fill="hold">
-                      <p:stCondLst>
-                        <p:cond delay="indefinite"/>
-                      </p:stCondLst>
-                      <p:childTnLst>
-                        <p:par>
-                          <p:cTn id="11" fill="hold">
-                            <p:stCondLst>
-                              <p:cond delay="0"/>
-                            </p:stCondLst>
-                            <p:childTnLst>
-                              <p:par>
-                                <p:cTn id="12" presetID="42" presetClass="entr" presetSubtype="0" fill="hold" grpId="0" nodeType="clickEffect" nodePh="1">
-                                  <p:stCondLst>
-                                    <p:cond delay="0"/>
-                                  </p:stCondLst>
-                                  <p:endCondLst>
-                                    <p:cond evt="begin" delay="0">
-                                      <p:tn val="12"/>
-                                    </p:cond>
-                                  </p:endCondLst>
-                                  <p:childTnLst>
-                                    <p:set>
-                                      <p:cBhvr>
-                                        <p:cTn id="13" dur="1" fill="hold">
-                                          <p:stCondLst>
-                                            <p:cond delay="0"/>
-                                          </p:stCondLst>
-                                        </p:cTn>
-                                        <p:tgtEl>
-                                          <p:spTgt spid="7">
-                                            <p:txEl>
-                                              <p:pRg st="0" end="0"/>
-                                            </p:txEl>
-                                          </p:spTgt>
-                                        </p:tgtEl>
-                                        <p:attrNameLst>
-                                          <p:attrName>style.visibility</p:attrName>
-                                        </p:attrNameLst>
-                                      </p:cBhvr>
-                                      <p:to>
-                                        <p:strVal val="visible"/>
-                                      </p:to>
-                                    </p:set>
-                                    <p:animEffect transition="in" filter="fade">
-                                      <p:cBhvr>
-                                        <p:cTn id="14" dur="1000"/>
-                                        <p:tgtEl>
-                                          <p:spTgt spid="7">
-                                            <p:txEl>
-                                              <p:pRg st="0" end="0"/>
-                                            </p:txEl>
-                                          </p:spTgt>
-                                        </p:tgtEl>
-                                      </p:cBhvr>
-                                    </p:animEffect>
-                                    <p:anim calcmode="lin" valueType="num">
-                                      <p:cBhvr>
-                                        <p:cTn id="15" dur="1000" fill="hold"/>
-                                        <p:tgtEl>
-                                          <p:spTgt spid="7">
-                                            <p:txEl>
-                                              <p:pRg st="0" end="0"/>
-                                            </p:txEl>
-                                          </p:spTgt>
-                                        </p:tgtEl>
-                                        <p:attrNameLst>
-                                          <p:attrName>ppt_x</p:attrName>
-                                        </p:attrNameLst>
-                                      </p:cBhvr>
-                                      <p:tavLst>
-                                        <p:tav tm="0">
-                                          <p:val>
-                                            <p:strVal val="#ppt_x"/>
-                                          </p:val>
-                                        </p:tav>
-                                        <p:tav tm="100000">
-                                          <p:val>
-                                            <p:strVal val="#ppt_x"/>
-                                          </p:val>
-                                        </p:tav>
-                                      </p:tavLst>
-                                    </p:anim>
-                                    <p:anim calcmode="lin" valueType="num">
-                                      <p:cBhvr>
-                                        <p:cTn id="16" dur="1000" fill="hold"/>
-                                        <p:tgtEl>
-                                          <p:spTgt spid="7">
-                                            <p:txEl>
-                                              <p:pRg st="0" end="0"/>
-                                            </p:txEl>
-                                          </p:spTgt>
-                                        </p:tgtEl>
-                                        <p:attrNameLst>
-                                          <p:attrName>ppt_y</p:attrName>
-                                        </p:attrNameLst>
-                                      </p:cBhvr>
-                                      <p:tavLst>
-                                        <p:tav tm="0">
-                                          <p:val>
-                                            <p:strVal val="#ppt_y+.1"/>
-                                          </p:val>
-                                        </p:tav>
-                                        <p:tav tm="100000">
-                                          <p:val>
-                                            <p:strVal val="#ppt_y"/>
-                                          </p:val>
-                                        </p:tav>
-                                      </p:tavLst>
-                                    </p:anim>
-                                  </p:childTnLst>
-                                </p:cTn>
-                              </p:par>
-                            </p:childTnLst>
-                          </p:cTn>
-                        </p:par>
-                      </p:childTnLst>
-                    </p:cTn>
-                  </p:par>
-                </p:childTnLst>
-              </p:cTn>
-              <p:prevCondLst>
-                <p:cond evt="onPrev" delay="0">
-                  <p:tgtEl>
-                    <p:sldTgt/>
-                  </p:tgtEl>
-                </p:cond>
-              </p:prevCondLst>
-              <p:nextCondLst>
-                <p:cond evt="onNext" delay="0">
-                  <p:tgtEl>
-                    <p:sldTgt/>
-                  </p:tgtEl>
-                </p:cond>
-              </p:nextCondLst>
-            </p:seq>
-          </p:childTnLst>
-        </p:cTn>
-      </p:par>
-    </p:tnLst>
-    <p:bldLst>
-      <p:bldP spid="7" grpId="0" build="p"/>
-      <p:bldP spid="9" grpId="0"/>
-    </p:bldLst>
-  </p:timing>
-</p:sld>
-</file>
-
-<file path=ppt/slides/slide6.xml><?xml version="1.0" encoding="utf-8"?>
-<p:sld xmlns:a="http://schemas.openxmlformats.org/drawingml/2006/main" xmlns:r="http://schemas.openxmlformats.org/officeDocument/2006/relationships" xmlns:p="http://schemas.openxmlformats.org/presentationml/2006/main">
-  <p:cSld>
-    <p:spTree>
-      <p:nvGrpSpPr>
-        <p:cNvPr id="1" name=""/>
-        <p:cNvGrpSpPr/>
-        <p:nvPr/>
-      </p:nvGrpSpPr>
-      <p:grpSpPr>
-        <a:xfrm>
-          <a:off x="0" y="0"/>
-          <a:ext cx="0" cy="0"/>
-          <a:chOff x="0" y="0"/>
-          <a:chExt cx="0" cy="0"/>
-        </a:xfrm>
-      </p:grpSpPr>
-      <p:pic>
-        <p:nvPicPr>
-          <p:cNvPr id="5" name="Picture 4">
-            <a:extLst>
-              <a:ext uri="{FF2B5EF4-FFF2-40B4-BE49-F238E27FC236}">
-                <a16:creationId xmlns:a16="http://schemas.microsoft.com/office/drawing/2014/main" id="{BBB0C869-7C5C-4070-BD4D-F3FC2DA8F301}"/>
-              </a:ext>
-            </a:extLst>
-          </p:cNvPr>
-          <p:cNvPicPr>
-            <a:picLocks noChangeAspect="1"/>
-          </p:cNvPicPr>
-          <p:nvPr/>
-        </p:nvPicPr>
-        <p:blipFill rotWithShape="1">
-          <a:blip r:embed="rId2"/>
-          <a:srcRect t="96181"/>
-          <a:stretch/>
-        </p:blipFill>
-        <p:spPr>
-          <a:xfrm>
-            <a:off x="675957" y="6471920"/>
-            <a:ext cx="2143125" cy="193040"/>
-          </a:xfrm>
-          <a:prstGeom prst="rect">
-            <a:avLst/>
-          </a:prstGeom>
-        </p:spPr>
-      </p:pic>
-      <p:sp>
-        <p:nvSpPr>
-          <p:cNvPr id="4" name="Title 3">
-            <a:extLst>
-              <a:ext uri="{FF2B5EF4-FFF2-40B4-BE49-F238E27FC236}">
-                <a16:creationId xmlns:a16="http://schemas.microsoft.com/office/drawing/2014/main" id="{AFE3A2AF-177E-45E6-A191-0F8523DB7FFA}"/>
-              </a:ext>
-            </a:extLst>
-          </p:cNvPr>
-          <p:cNvSpPr>
-            <a:spLocks noGrp="1"/>
-          </p:cNvSpPr>
-          <p:nvPr>
-            <p:ph type="title"/>
-          </p:nvPr>
-        </p:nvSpPr>
-        <p:spPr>
-          <a:xfrm>
-            <a:off x="675957" y="370589"/>
-            <a:ext cx="2981643" cy="830997"/>
-          </a:xfrm>
-        </p:spPr>
-        <p:txBody>
-          <a:bodyPr>
-            <a:normAutofit/>
-          </a:bodyPr>
-          <a:lstStyle/>
-          <a:p>
-            <a:r>
-              <a:rPr lang="en-GB" dirty="0"/>
-              <a:t>RESULTS </a:t>
-            </a:r>
-            <a:endParaRPr lang="en-IN" dirty="0"/>
-          </a:p>
-        </p:txBody>
-      </p:sp>
-      <p:sp>
-        <p:nvSpPr>
-          <p:cNvPr id="7" name="Text Placeholder 30">
-            <a:extLst>
-              <a:ext uri="{FF2B5EF4-FFF2-40B4-BE49-F238E27FC236}">
-                <a16:creationId xmlns:a16="http://schemas.microsoft.com/office/drawing/2014/main" id="{372426BE-BEE7-4A6D-BCD2-059615BBCE25}"/>
-              </a:ext>
-            </a:extLst>
-          </p:cNvPr>
-          <p:cNvSpPr txBox="1">
-            <a:spLocks/>
-          </p:cNvSpPr>
-          <p:nvPr/>
-        </p:nvSpPr>
-        <p:spPr>
-          <a:xfrm>
-            <a:off x="320982" y="1275371"/>
-            <a:ext cx="3343561" cy="666078"/>
-          </a:xfrm>
-          <a:prstGeom prst="rect">
-            <a:avLst/>
-          </a:prstGeom>
-        </p:spPr>
-        <p:txBody>
-          <a:bodyPr vert="horz" lIns="91440" tIns="45720" rIns="91440" bIns="45720" rtlCol="0">
-            <a:normAutofit/>
-          </a:bodyPr>
-          <a:lstStyle>
-            <a:lvl1pPr marL="0" indent="0" algn="ctr" defTabSz="457200" rtl="0" eaLnBrk="1" latinLnBrk="0" hangingPunct="1">
-              <a:spcBef>
-                <a:spcPts val="1000"/>
-              </a:spcBef>
-              <a:spcAft>
-                <a:spcPts val="0"/>
-              </a:spcAft>
-              <a:buClr>
-                <a:schemeClr val="accent1"/>
-              </a:buClr>
-              <a:buSzPct val="80000"/>
-              <a:buFont typeface="Wingdings 3" charset="2"/>
-              <a:buNone/>
-              <a:defRPr lang="en-US" sz="1600" kern="1200" dirty="0" smtClean="0">
-                <a:solidFill>
-                  <a:schemeClr val="tx1"/>
-                </a:solidFill>
-                <a:latin typeface="+mn-lt"/>
-                <a:ea typeface="+mn-ea"/>
-                <a:cs typeface="+mn-cs"/>
-              </a:defRPr>
-            </a:lvl1pPr>
-            <a:lvl2pPr marL="742950" indent="-285750" algn="l" defTabSz="457200" rtl="0" eaLnBrk="1" latinLnBrk="0" hangingPunct="1">
-              <a:spcBef>
-                <a:spcPts val="1000"/>
-              </a:spcBef>
-              <a:spcAft>
-                <a:spcPts val="0"/>
-              </a:spcAft>
-              <a:buClr>
-                <a:schemeClr val="accent1"/>
-              </a:buClr>
-              <a:buSzPct val="80000"/>
-              <a:buFont typeface="Wingdings 3" charset="2"/>
-              <a:buChar char=""/>
-              <a:defRPr sz="1600" kern="1200">
-                <a:solidFill>
-                  <a:schemeClr val="tx1">
-                    <a:lumMod val="75000"/>
-                    <a:lumOff val="25000"/>
-                  </a:schemeClr>
-                </a:solidFill>
-                <a:latin typeface="+mn-lt"/>
-                <a:ea typeface="+mn-ea"/>
-                <a:cs typeface="+mn-cs"/>
-              </a:defRPr>
-            </a:lvl2pPr>
-            <a:lvl3pPr marL="1143000" indent="-228600" algn="l" defTabSz="457200" rtl="0" eaLnBrk="1" latinLnBrk="0" hangingPunct="1">
-              <a:spcBef>
-                <a:spcPts val="1000"/>
-              </a:spcBef>
-              <a:spcAft>
-                <a:spcPts val="0"/>
-              </a:spcAft>
-              <a:buClr>
-                <a:schemeClr val="accent1"/>
-              </a:buClr>
-              <a:buSzPct val="80000"/>
-              <a:buFont typeface="Wingdings 3" charset="2"/>
-              <a:buChar char=""/>
-              <a:defRPr sz="1400" kern="1200">
-                <a:solidFill>
-                  <a:schemeClr val="tx1">
-                    <a:lumMod val="75000"/>
-                    <a:lumOff val="25000"/>
-                  </a:schemeClr>
-                </a:solidFill>
-                <a:latin typeface="+mn-lt"/>
-                <a:ea typeface="+mn-ea"/>
-                <a:cs typeface="+mn-cs"/>
-              </a:defRPr>
-            </a:lvl3pPr>
-            <a:lvl4pPr marL="1600200" indent="-228600" algn="l" defTabSz="457200" rtl="0" eaLnBrk="1" latinLnBrk="0" hangingPunct="1">
-              <a:spcBef>
-                <a:spcPts val="1000"/>
-              </a:spcBef>
-              <a:spcAft>
-                <a:spcPts val="0"/>
-              </a:spcAft>
-              <a:buClr>
-                <a:schemeClr val="accent1"/>
-              </a:buClr>
-              <a:buSzPct val="80000"/>
-              <a:buFont typeface="Wingdings 3" charset="2"/>
-              <a:buChar char=""/>
-              <a:defRPr sz="1200" kern="1200">
-                <a:solidFill>
-                  <a:schemeClr val="tx1">
-                    <a:lumMod val="75000"/>
-                    <a:lumOff val="25000"/>
-                  </a:schemeClr>
-                </a:solidFill>
-                <a:latin typeface="+mn-lt"/>
-                <a:ea typeface="+mn-ea"/>
-                <a:cs typeface="+mn-cs"/>
-              </a:defRPr>
-            </a:lvl4pPr>
-            <a:lvl5pPr marL="2057400" indent="-228600" algn="l" defTabSz="457200" rtl="0" eaLnBrk="1" latinLnBrk="0" hangingPunct="1">
-              <a:spcBef>
-                <a:spcPts val="1000"/>
-              </a:spcBef>
-              <a:spcAft>
-                <a:spcPts val="0"/>
-              </a:spcAft>
-              <a:buClr>
-                <a:schemeClr val="accent1"/>
-              </a:buClr>
-              <a:buSzPct val="80000"/>
-              <a:buFont typeface="Wingdings 3" charset="2"/>
-              <a:buChar char=""/>
-              <a:defRPr sz="1200" kern="1200">
-                <a:solidFill>
-                  <a:schemeClr val="tx1">
-                    <a:lumMod val="75000"/>
-                    <a:lumOff val="25000"/>
-                  </a:schemeClr>
-                </a:solidFill>
-                <a:latin typeface="+mn-lt"/>
-                <a:ea typeface="+mn-ea"/>
-                <a:cs typeface="+mn-cs"/>
-              </a:defRPr>
-            </a:lvl5pPr>
-            <a:lvl6pPr marL="2514600" indent="-228600" algn="l" defTabSz="457200" rtl="0" eaLnBrk="1" latinLnBrk="0" hangingPunct="1">
-              <a:spcBef>
-                <a:spcPts val="1000"/>
-              </a:spcBef>
-              <a:spcAft>
-                <a:spcPts val="0"/>
-              </a:spcAft>
-              <a:buClr>
-                <a:schemeClr val="accent1"/>
-              </a:buClr>
-              <a:buSzPct val="80000"/>
-              <a:buFont typeface="Wingdings 3" charset="2"/>
-              <a:buChar char=""/>
-              <a:defRPr sz="1200" kern="1200">
-                <a:solidFill>
-                  <a:schemeClr val="tx1">
-                    <a:lumMod val="75000"/>
-                    <a:lumOff val="25000"/>
-                  </a:schemeClr>
-                </a:solidFill>
-                <a:latin typeface="+mn-lt"/>
-                <a:ea typeface="+mn-ea"/>
-                <a:cs typeface="+mn-cs"/>
-              </a:defRPr>
-            </a:lvl6pPr>
-            <a:lvl7pPr marL="2971800" indent="-228600" algn="l" defTabSz="457200" rtl="0" eaLnBrk="1" latinLnBrk="0" hangingPunct="1">
-              <a:spcBef>
-                <a:spcPts val="1000"/>
-              </a:spcBef>
-              <a:spcAft>
-                <a:spcPts val="0"/>
-              </a:spcAft>
-              <a:buClr>
-                <a:schemeClr val="accent1"/>
-              </a:buClr>
-              <a:buSzPct val="80000"/>
-              <a:buFont typeface="Wingdings 3" charset="2"/>
-              <a:buChar char=""/>
-              <a:defRPr sz="1200" kern="1200">
-                <a:solidFill>
-                  <a:schemeClr val="tx1">
-                    <a:lumMod val="75000"/>
-                    <a:lumOff val="25000"/>
-                  </a:schemeClr>
-                </a:solidFill>
-                <a:latin typeface="+mn-lt"/>
-                <a:ea typeface="+mn-ea"/>
-                <a:cs typeface="+mn-cs"/>
-              </a:defRPr>
-            </a:lvl7pPr>
-            <a:lvl8pPr marL="3429000" indent="-228600" algn="l" defTabSz="457200" rtl="0" eaLnBrk="1" latinLnBrk="0" hangingPunct="1">
-              <a:spcBef>
-                <a:spcPts val="1000"/>
-              </a:spcBef>
-              <a:spcAft>
-                <a:spcPts val="0"/>
-              </a:spcAft>
-              <a:buClr>
-                <a:schemeClr val="accent1"/>
-              </a:buClr>
-              <a:buSzPct val="80000"/>
-              <a:buFont typeface="Wingdings 3" charset="2"/>
-              <a:buChar char=""/>
-              <a:defRPr sz="1200" kern="1200">
-                <a:solidFill>
-                  <a:schemeClr val="tx1">
-                    <a:lumMod val="75000"/>
-                    <a:lumOff val="25000"/>
-                  </a:schemeClr>
-                </a:solidFill>
-                <a:latin typeface="+mn-lt"/>
-                <a:ea typeface="+mn-ea"/>
-                <a:cs typeface="+mn-cs"/>
-              </a:defRPr>
-            </a:lvl8pPr>
-            <a:lvl9pPr marL="3886200" indent="-228600" algn="l" defTabSz="457200" rtl="0" eaLnBrk="1" latinLnBrk="0" hangingPunct="1">
-              <a:spcBef>
-                <a:spcPts val="1000"/>
-              </a:spcBef>
-              <a:spcAft>
-                <a:spcPts val="0"/>
-              </a:spcAft>
-              <a:buClr>
-                <a:schemeClr val="accent1"/>
-              </a:buClr>
-              <a:buSzPct val="80000"/>
-              <a:buFont typeface="Wingdings 3" charset="2"/>
-              <a:buChar char=""/>
-              <a:defRPr sz="1200" kern="1200">
-                <a:solidFill>
-                  <a:schemeClr val="tx1">
-                    <a:lumMod val="75000"/>
-                    <a:lumOff val="25000"/>
-                  </a:schemeClr>
-                </a:solidFill>
-                <a:latin typeface="+mn-lt"/>
-                <a:ea typeface="+mn-ea"/>
-                <a:cs typeface="+mn-cs"/>
-              </a:defRPr>
-            </a:lvl9pPr>
-          </a:lstStyle>
-          <a:p>
-            <a:endParaRPr lang="en-GB" sz="2000" dirty="0"/>
-          </a:p>
-        </p:txBody>
-      </p:sp>
-      <p:sp>
-        <p:nvSpPr>
-          <p:cNvPr id="8" name="Text Placeholder 30">
-            <a:extLst>
-              <a:ext uri="{FF2B5EF4-FFF2-40B4-BE49-F238E27FC236}">
-                <a16:creationId xmlns:a16="http://schemas.microsoft.com/office/drawing/2014/main" id="{E61E227A-5883-4C77-B25A-46A22FFDF41F}"/>
-              </a:ext>
-            </a:extLst>
-          </p:cNvPr>
-          <p:cNvSpPr txBox="1">
-            <a:spLocks/>
-          </p:cNvSpPr>
-          <p:nvPr/>
-        </p:nvSpPr>
-        <p:spPr>
-          <a:xfrm>
-            <a:off x="4345694" y="1275371"/>
-            <a:ext cx="3343561" cy="666078"/>
-          </a:xfrm>
-          <a:prstGeom prst="rect">
-            <a:avLst/>
-          </a:prstGeom>
-        </p:spPr>
-        <p:txBody>
-          <a:bodyPr vert="horz" lIns="91440" tIns="45720" rIns="91440" bIns="45720" rtlCol="0">
-            <a:normAutofit/>
-          </a:bodyPr>
-          <a:lstStyle>
-            <a:lvl1pPr marL="0" indent="0" algn="ctr" defTabSz="457200" rtl="0" eaLnBrk="1" latinLnBrk="0" hangingPunct="1">
-              <a:spcBef>
-                <a:spcPts val="1000"/>
-              </a:spcBef>
-              <a:spcAft>
-                <a:spcPts val="0"/>
-              </a:spcAft>
-              <a:buClr>
-                <a:schemeClr val="accent1"/>
-              </a:buClr>
-              <a:buSzPct val="80000"/>
-              <a:buFont typeface="Wingdings 3" charset="2"/>
-              <a:buNone/>
-              <a:defRPr lang="en-US" sz="1600" kern="1200" dirty="0" smtClean="0">
-                <a:solidFill>
-                  <a:schemeClr val="tx1"/>
-                </a:solidFill>
-                <a:latin typeface="+mn-lt"/>
-                <a:ea typeface="+mn-ea"/>
-                <a:cs typeface="+mn-cs"/>
-              </a:defRPr>
-            </a:lvl1pPr>
-            <a:lvl2pPr marL="742950" indent="-285750" algn="l" defTabSz="457200" rtl="0" eaLnBrk="1" latinLnBrk="0" hangingPunct="1">
-              <a:spcBef>
-                <a:spcPts val="1000"/>
-              </a:spcBef>
-              <a:spcAft>
-                <a:spcPts val="0"/>
-              </a:spcAft>
-              <a:buClr>
-                <a:schemeClr val="accent1"/>
-              </a:buClr>
-              <a:buSzPct val="80000"/>
-              <a:buFont typeface="Wingdings 3" charset="2"/>
-              <a:buChar char=""/>
-              <a:defRPr sz="1600" kern="1200">
-                <a:solidFill>
-                  <a:schemeClr val="tx1">
-                    <a:lumMod val="75000"/>
-                    <a:lumOff val="25000"/>
-                  </a:schemeClr>
-                </a:solidFill>
-                <a:latin typeface="+mn-lt"/>
-                <a:ea typeface="+mn-ea"/>
-                <a:cs typeface="+mn-cs"/>
-              </a:defRPr>
-            </a:lvl2pPr>
-            <a:lvl3pPr marL="1143000" indent="-228600" algn="l" defTabSz="457200" rtl="0" eaLnBrk="1" latinLnBrk="0" hangingPunct="1">
-              <a:spcBef>
-                <a:spcPts val="1000"/>
-              </a:spcBef>
-              <a:spcAft>
-                <a:spcPts val="0"/>
-              </a:spcAft>
-              <a:buClr>
-                <a:schemeClr val="accent1"/>
-              </a:buClr>
-              <a:buSzPct val="80000"/>
-              <a:buFont typeface="Wingdings 3" charset="2"/>
-              <a:buChar char=""/>
-              <a:defRPr sz="1400" kern="1200">
-                <a:solidFill>
-                  <a:schemeClr val="tx1">
-                    <a:lumMod val="75000"/>
-                    <a:lumOff val="25000"/>
-                  </a:schemeClr>
-                </a:solidFill>
-                <a:latin typeface="+mn-lt"/>
-                <a:ea typeface="+mn-ea"/>
-                <a:cs typeface="+mn-cs"/>
-              </a:defRPr>
-            </a:lvl3pPr>
-            <a:lvl4pPr marL="1600200" indent="-228600" algn="l" defTabSz="457200" rtl="0" eaLnBrk="1" latinLnBrk="0" hangingPunct="1">
-              <a:spcBef>
-                <a:spcPts val="1000"/>
-              </a:spcBef>
-              <a:spcAft>
-                <a:spcPts val="0"/>
-              </a:spcAft>
-              <a:buClr>
-                <a:schemeClr val="accent1"/>
-              </a:buClr>
-              <a:buSzPct val="80000"/>
-              <a:buFont typeface="Wingdings 3" charset="2"/>
-              <a:buChar char=""/>
-              <a:defRPr sz="1200" kern="1200">
-                <a:solidFill>
-                  <a:schemeClr val="tx1">
-                    <a:lumMod val="75000"/>
-                    <a:lumOff val="25000"/>
-                  </a:schemeClr>
-                </a:solidFill>
-                <a:latin typeface="+mn-lt"/>
-                <a:ea typeface="+mn-ea"/>
-                <a:cs typeface="+mn-cs"/>
-              </a:defRPr>
-            </a:lvl4pPr>
-            <a:lvl5pPr marL="2057400" indent="-228600" algn="l" defTabSz="457200" rtl="0" eaLnBrk="1" latinLnBrk="0" hangingPunct="1">
-              <a:spcBef>
-                <a:spcPts val="1000"/>
-              </a:spcBef>
-              <a:spcAft>
-                <a:spcPts val="0"/>
-              </a:spcAft>
-              <a:buClr>
-                <a:schemeClr val="accent1"/>
-              </a:buClr>
-              <a:buSzPct val="80000"/>
-              <a:buFont typeface="Wingdings 3" charset="2"/>
-              <a:buChar char=""/>
-              <a:defRPr sz="1200" kern="1200">
-                <a:solidFill>
-                  <a:schemeClr val="tx1">
-                    <a:lumMod val="75000"/>
-                    <a:lumOff val="25000"/>
-                  </a:schemeClr>
-                </a:solidFill>
-                <a:latin typeface="+mn-lt"/>
-                <a:ea typeface="+mn-ea"/>
-                <a:cs typeface="+mn-cs"/>
-              </a:defRPr>
-            </a:lvl5pPr>
-            <a:lvl6pPr marL="2514600" indent="-228600" algn="l" defTabSz="457200" rtl="0" eaLnBrk="1" latinLnBrk="0" hangingPunct="1">
-              <a:spcBef>
-                <a:spcPts val="1000"/>
-              </a:spcBef>
-              <a:spcAft>
-                <a:spcPts val="0"/>
-              </a:spcAft>
-              <a:buClr>
-                <a:schemeClr val="accent1"/>
-              </a:buClr>
-              <a:buSzPct val="80000"/>
-              <a:buFont typeface="Wingdings 3" charset="2"/>
-              <a:buChar char=""/>
-              <a:defRPr sz="1200" kern="1200">
-                <a:solidFill>
-                  <a:schemeClr val="tx1">
-                    <a:lumMod val="75000"/>
-                    <a:lumOff val="25000"/>
-                  </a:schemeClr>
-                </a:solidFill>
-                <a:latin typeface="+mn-lt"/>
-                <a:ea typeface="+mn-ea"/>
-                <a:cs typeface="+mn-cs"/>
-              </a:defRPr>
-            </a:lvl6pPr>
-            <a:lvl7pPr marL="2971800" indent="-228600" algn="l" defTabSz="457200" rtl="0" eaLnBrk="1" latinLnBrk="0" hangingPunct="1">
-              <a:spcBef>
-                <a:spcPts val="1000"/>
-              </a:spcBef>
-              <a:spcAft>
-                <a:spcPts val="0"/>
-              </a:spcAft>
-              <a:buClr>
-                <a:schemeClr val="accent1"/>
-              </a:buClr>
-              <a:buSzPct val="80000"/>
-              <a:buFont typeface="Wingdings 3" charset="2"/>
-              <a:buChar char=""/>
-              <a:defRPr sz="1200" kern="1200">
-                <a:solidFill>
-                  <a:schemeClr val="tx1">
-                    <a:lumMod val="75000"/>
-                    <a:lumOff val="25000"/>
-                  </a:schemeClr>
-                </a:solidFill>
-                <a:latin typeface="+mn-lt"/>
-                <a:ea typeface="+mn-ea"/>
-                <a:cs typeface="+mn-cs"/>
-              </a:defRPr>
-            </a:lvl7pPr>
-            <a:lvl8pPr marL="3429000" indent="-228600" algn="l" defTabSz="457200" rtl="0" eaLnBrk="1" latinLnBrk="0" hangingPunct="1">
-              <a:spcBef>
-                <a:spcPts val="1000"/>
-              </a:spcBef>
-              <a:spcAft>
-                <a:spcPts val="0"/>
-              </a:spcAft>
-              <a:buClr>
-                <a:schemeClr val="accent1"/>
-              </a:buClr>
-              <a:buSzPct val="80000"/>
-              <a:buFont typeface="Wingdings 3" charset="2"/>
-              <a:buChar char=""/>
-              <a:defRPr sz="1200" kern="1200">
-                <a:solidFill>
-                  <a:schemeClr val="tx1">
-                    <a:lumMod val="75000"/>
-                    <a:lumOff val="25000"/>
-                  </a:schemeClr>
-                </a:solidFill>
-                <a:latin typeface="+mn-lt"/>
-                <a:ea typeface="+mn-ea"/>
-                <a:cs typeface="+mn-cs"/>
-              </a:defRPr>
-            </a:lvl8pPr>
-            <a:lvl9pPr marL="3886200" indent="-228600" algn="l" defTabSz="457200" rtl="0" eaLnBrk="1" latinLnBrk="0" hangingPunct="1">
-              <a:spcBef>
-                <a:spcPts val="1000"/>
-              </a:spcBef>
-              <a:spcAft>
-                <a:spcPts val="0"/>
-              </a:spcAft>
-              <a:buClr>
-                <a:schemeClr val="accent1"/>
-              </a:buClr>
-              <a:buSzPct val="80000"/>
-              <a:buFont typeface="Wingdings 3" charset="2"/>
-              <a:buChar char=""/>
-              <a:defRPr sz="1200" kern="1200">
-                <a:solidFill>
-                  <a:schemeClr val="tx1">
-                    <a:lumMod val="75000"/>
-                    <a:lumOff val="25000"/>
-                  </a:schemeClr>
-                </a:solidFill>
-                <a:latin typeface="+mn-lt"/>
-                <a:ea typeface="+mn-ea"/>
-                <a:cs typeface="+mn-cs"/>
-              </a:defRPr>
-            </a:lvl9pPr>
-          </a:lstStyle>
-          <a:p>
-            <a:endParaRPr lang="en-GB" sz="2000" dirty="0"/>
-          </a:p>
-        </p:txBody>
-      </p:sp>
-      <p:sp>
-        <p:nvSpPr>
-          <p:cNvPr id="9" name="Title 3">
-            <a:extLst>
-              <a:ext uri="{FF2B5EF4-FFF2-40B4-BE49-F238E27FC236}">
-                <a16:creationId xmlns:a16="http://schemas.microsoft.com/office/drawing/2014/main" id="{E25373E9-1A26-4A40-9897-E42DE485D8E3}"/>
-              </a:ext>
-            </a:extLst>
-          </p:cNvPr>
-          <p:cNvSpPr txBox="1">
-            <a:spLocks/>
-          </p:cNvSpPr>
-          <p:nvPr/>
-        </p:nvSpPr>
-        <p:spPr>
-          <a:xfrm>
-            <a:off x="422959" y="5737443"/>
-            <a:ext cx="2981643" cy="830997"/>
-          </a:xfrm>
-          <a:prstGeom prst="rect">
-            <a:avLst/>
-          </a:prstGeom>
-        </p:spPr>
-        <p:txBody>
-          <a:bodyPr vert="horz" lIns="91440" tIns="45720" rIns="91440" bIns="45720" rtlCol="0" anchor="t">
-            <a:normAutofit/>
-          </a:bodyPr>
-          <a:lstStyle>
-            <a:lvl1pPr algn="l" defTabSz="457200" rtl="0" eaLnBrk="1" latinLnBrk="0" hangingPunct="1">
-              <a:spcBef>
-                <a:spcPct val="0"/>
-              </a:spcBef>
-              <a:buNone/>
-              <a:defRPr sz="4800" b="1" kern="1200">
-                <a:solidFill>
-                  <a:schemeClr val="tx1"/>
-                </a:solidFill>
-                <a:latin typeface="+mj-lt"/>
-                <a:ea typeface="+mj-ea"/>
-                <a:cs typeface="+mj-cs"/>
-              </a:defRPr>
-            </a:lvl1pPr>
-            <a:lvl2pPr eaLnBrk="1" hangingPunct="1">
-              <a:defRPr>
-                <a:solidFill>
-                  <a:schemeClr val="tx2"/>
-                </a:solidFill>
-              </a:defRPr>
-            </a:lvl2pPr>
-            <a:lvl3pPr eaLnBrk="1" hangingPunct="1">
-              <a:defRPr>
-                <a:solidFill>
-                  <a:schemeClr val="tx2"/>
-                </a:solidFill>
-              </a:defRPr>
-            </a:lvl3pPr>
-            <a:lvl4pPr eaLnBrk="1" hangingPunct="1">
-              <a:defRPr>
-                <a:solidFill>
-                  <a:schemeClr val="tx2"/>
-                </a:solidFill>
-              </a:defRPr>
-            </a:lvl4pPr>
-            <a:lvl5pPr eaLnBrk="1" hangingPunct="1">
-              <a:defRPr>
-                <a:solidFill>
-                  <a:schemeClr val="tx2"/>
-                </a:solidFill>
-              </a:defRPr>
-            </a:lvl5pPr>
-            <a:lvl6pPr eaLnBrk="1" hangingPunct="1">
-              <a:defRPr>
-                <a:solidFill>
-                  <a:schemeClr val="tx2"/>
-                </a:solidFill>
-              </a:defRPr>
-            </a:lvl6pPr>
-            <a:lvl7pPr eaLnBrk="1" hangingPunct="1">
-              <a:defRPr>
-                <a:solidFill>
-                  <a:schemeClr val="tx2"/>
-                </a:solidFill>
-              </a:defRPr>
-            </a:lvl7pPr>
-            <a:lvl8pPr eaLnBrk="1" hangingPunct="1">
-              <a:defRPr>
-                <a:solidFill>
-                  <a:schemeClr val="tx2"/>
-                </a:solidFill>
-              </a:defRPr>
-            </a:lvl8pPr>
-            <a:lvl9pPr eaLnBrk="1" hangingPunct="1">
-              <a:defRPr>
-                <a:solidFill>
-                  <a:schemeClr val="tx2"/>
-                </a:solidFill>
-              </a:defRPr>
-            </a:lvl9pPr>
-          </a:lstStyle>
-          <a:p>
-            <a:r>
-              <a:rPr lang="en-GB" dirty="0"/>
-              <a:t> </a:t>
-            </a:r>
-            <a:r>
-              <a:rPr lang="en-GB" sz="2000" b="0" u="sng" dirty="0">
-                <a:solidFill>
-                  <a:srgbClr val="0070C0"/>
-                </a:solidFill>
-                <a:hlinkClick r:id="rId3" action="ppaction://hlinkfile">
-                  <a:extLst>
-                    <a:ext uri="{A12FA001-AC4F-418D-AE19-62706E023703}">
-                      <ahyp:hlinkClr xmlns:ahyp="http://schemas.microsoft.com/office/drawing/2018/hyperlinkcolor" xmlns="" val="tx"/>
-                    </a:ext>
-                  </a:extLst>
-                </a:hlinkClick>
-              </a:rPr>
-              <a:t>Demo Link</a:t>
-            </a:r>
-            <a:endParaRPr lang="en-IN" b="0" u="sng" dirty="0">
-              <a:solidFill>
-                <a:srgbClr val="0070C0"/>
-              </a:solidFill>
-            </a:endParaRPr>
-          </a:p>
-        </p:txBody>
-      </p:sp>
-      <p:sp>
-        <p:nvSpPr>
-          <p:cNvPr id="10" name="Text Placeholder 1">
-            <a:extLst>
-              <a:ext uri="{FF2B5EF4-FFF2-40B4-BE49-F238E27FC236}">
-                <a16:creationId xmlns:a16="http://schemas.microsoft.com/office/drawing/2014/main" id="{B19D8AC7-3787-4ADB-9212-0808F015C2DD}"/>
-              </a:ext>
-            </a:extLst>
-          </p:cNvPr>
-          <p:cNvSpPr>
-            <a:spLocks noGrp="1"/>
-          </p:cNvSpPr>
-          <p:nvPr>
-            <p:ph type="body" sz="quarter" idx="12"/>
-          </p:nvPr>
-        </p:nvSpPr>
-        <p:spPr>
-          <a:xfrm>
-            <a:off x="807164" y="1431693"/>
-            <a:ext cx="4275138" cy="477520"/>
-          </a:xfrm>
-        </p:spPr>
-        <p:txBody>
-          <a:bodyPr/>
-          <a:lstStyle/>
-          <a:p>
-            <a:pPr marL="0" indent="0">
-              <a:buNone/>
-            </a:pPr>
-            <a:r>
-              <a:rPr lang="en-US" dirty="0" smtClean="0"/>
-              <a:t>[Add screen shots of your code ]</a:t>
-            </a:r>
-            <a:endParaRPr lang="en-IN" dirty="0"/>
-          </a:p>
-        </p:txBody>
-      </p:sp>
-    </p:spTree>
-    <p:extLst>
-      <p:ext uri="{BB962C8B-B14F-4D97-AF65-F5344CB8AC3E}">
-        <p14:creationId xmlns:p14="http://schemas.microsoft.com/office/powerpoint/2010/main" val="1086225493"/>
-      </p:ext>
-    </p:extLst>
-  </p:cSld>
-  <p:clrMapOvr>
-    <a:masterClrMapping/>
-  </p:clrMapOvr>
-  <p:timing>
-    <p:tnLst>
-      <p:par>
-        <p:cTn id="1" dur="indefinite" restart="never" nodeType="tmRoot">
-          <p:childTnLst>
-            <p:seq concurrent="1" nextAc="seek">
-              <p:cTn id="2" dur="indefinite" nodeType="mainSeq">
-                <p:childTnLst>
-                  <p:par>
-                    <p:cTn id="3" fill="hold">
-                      <p:stCondLst>
-                        <p:cond delay="indefinite"/>
-                      </p:stCondLst>
-                      <p:childTnLst>
-                        <p:par>
-                          <p:cTn id="4" fill="hold">
-                            <p:stCondLst>
-                              <p:cond delay="0"/>
-                            </p:stCondLst>
-                            <p:childTnLst>
-                              <p:par>
-                                <p:cTn id="5" presetID="53" presetClass="entr" presetSubtype="16" fill="hold" grpId="0" nodeType="clickEffect">
-                                  <p:stCondLst>
-                                    <p:cond delay="0"/>
-                                  </p:stCondLst>
-                                  <p:childTnLst>
-                                    <p:set>
-                                      <p:cBhvr>
-                                        <p:cTn id="6" dur="1" fill="hold">
-                                          <p:stCondLst>
-                                            <p:cond delay="0"/>
-                                          </p:stCondLst>
-                                        </p:cTn>
-                                        <p:tgtEl>
-                                          <p:spTgt spid="4"/>
-                                        </p:tgtEl>
-                                        <p:attrNameLst>
-                                          <p:attrName>style.visibility</p:attrName>
-                                        </p:attrNameLst>
-                                      </p:cBhvr>
-                                      <p:to>
-                                        <p:strVal val="visible"/>
-                                      </p:to>
-                                    </p:set>
-                                    <p:anim calcmode="lin" valueType="num">
-                                      <p:cBhvr>
-                                        <p:cTn id="7" dur="500" fill="hold"/>
-                                        <p:tgtEl>
-                                          <p:spTgt spid="4"/>
-                                        </p:tgtEl>
-                                        <p:attrNameLst>
-                                          <p:attrName>ppt_w</p:attrName>
-                                        </p:attrNameLst>
-                                      </p:cBhvr>
-                                      <p:tavLst>
-                                        <p:tav tm="0">
-                                          <p:val>
-                                            <p:fltVal val="0"/>
-                                          </p:val>
-                                        </p:tav>
-                                        <p:tav tm="100000">
-                                          <p:val>
-                                            <p:strVal val="#ppt_w"/>
-                                          </p:val>
-                                        </p:tav>
-                                      </p:tavLst>
-                                    </p:anim>
-                                    <p:anim calcmode="lin" valueType="num">
-                                      <p:cBhvr>
-                                        <p:cTn id="8" dur="500" fill="hold"/>
-                                        <p:tgtEl>
-                                          <p:spTgt spid="4"/>
-                                        </p:tgtEl>
-                                        <p:attrNameLst>
-                                          <p:attrName>ppt_h</p:attrName>
-                                        </p:attrNameLst>
-                                      </p:cBhvr>
-                                      <p:tavLst>
-                                        <p:tav tm="0">
-                                          <p:val>
-                                            <p:fltVal val="0"/>
-                                          </p:val>
-                                        </p:tav>
-                                        <p:tav tm="100000">
-                                          <p:val>
-                                            <p:strVal val="#ppt_h"/>
-                                          </p:val>
-                                        </p:tav>
-                                      </p:tavLst>
-                                    </p:anim>
-                                    <p:animEffect transition="in" filter="fade">
-                                      <p:cBhvr>
-                                        <p:cTn id="9" dur="500"/>
-                                        <p:tgtEl>
-                                          <p:spTgt spid="4"/>
-                                        </p:tgtEl>
-                                      </p:cBhvr>
-                                    </p:animEffect>
-                                  </p:childTnLst>
-                                </p:cTn>
-                              </p:par>
-                            </p:childTnLst>
-                          </p:cTn>
-                        </p:par>
-                      </p:childTnLst>
-                    </p:cTn>
-                  </p:par>
-                  <p:par>
-                    <p:cTn id="10" fill="hold">
-                      <p:stCondLst>
-                        <p:cond delay="indefinite"/>
-                      </p:stCondLst>
-                      <p:childTnLst>
-                        <p:par>
-                          <p:cTn id="11" fill="hold">
-                            <p:stCondLst>
-                              <p:cond delay="0"/>
-                            </p:stCondLst>
-                            <p:childTnLst>
-                              <p:par>
-                                <p:cTn id="12" presetID="42" presetClass="entr" presetSubtype="0" fill="hold" grpId="0" nodeType="clickEffect" nodePh="1">
-                                  <p:stCondLst>
-                                    <p:cond delay="0"/>
-                                  </p:stCondLst>
-                                  <p:endCondLst>
-                                    <p:cond evt="begin" delay="0">
-                                      <p:tn val="12"/>
-                                    </p:cond>
-                                  </p:endCondLst>
-                                  <p:childTnLst>
-                                    <p:set>
-                                      <p:cBhvr>
-                                        <p:cTn id="13" dur="1" fill="hold">
-                                          <p:stCondLst>
-                                            <p:cond delay="0"/>
-                                          </p:stCondLst>
-                                        </p:cTn>
-                                        <p:tgtEl>
-                                          <p:spTgt spid="7"/>
-                                        </p:tgtEl>
-                                        <p:attrNameLst>
-                                          <p:attrName>style.visibility</p:attrName>
-                                        </p:attrNameLst>
-                                      </p:cBhvr>
-                                      <p:to>
-                                        <p:strVal val="visible"/>
-                                      </p:to>
-                                    </p:set>
-                                    <p:animEffect transition="in" filter="fade">
-                                      <p:cBhvr>
-                                        <p:cTn id="14" dur="1000"/>
-                                        <p:tgtEl>
-                                          <p:spTgt spid="7"/>
-                                        </p:tgtEl>
-                                      </p:cBhvr>
-                                    </p:animEffect>
-                                    <p:anim calcmode="lin" valueType="num">
-                                      <p:cBhvr>
-                                        <p:cTn id="15" dur="1000" fill="hold"/>
-                                        <p:tgtEl>
-                                          <p:spTgt spid="7"/>
-                                        </p:tgtEl>
-                                        <p:attrNameLst>
-                                          <p:attrName>ppt_x</p:attrName>
-                                        </p:attrNameLst>
-                                      </p:cBhvr>
-                                      <p:tavLst>
-                                        <p:tav tm="0">
-                                          <p:val>
-                                            <p:strVal val="#ppt_x"/>
-                                          </p:val>
-                                        </p:tav>
-                                        <p:tav tm="100000">
-                                          <p:val>
-                                            <p:strVal val="#ppt_x"/>
-                                          </p:val>
-                                        </p:tav>
-                                      </p:tavLst>
-                                    </p:anim>
-                                    <p:anim calcmode="lin" valueType="num">
-                                      <p:cBhvr>
-                                        <p:cTn id="16" dur="1000" fill="hold"/>
-                                        <p:tgtEl>
-                                          <p:spTgt spid="7"/>
-                                        </p:tgtEl>
-                                        <p:attrNameLst>
-                                          <p:attrName>ppt_y</p:attrName>
-                                        </p:attrNameLst>
-                                      </p:cBhvr>
-                                      <p:tavLst>
-                                        <p:tav tm="0">
-                                          <p:val>
-                                            <p:strVal val="#ppt_y+.1"/>
-                                          </p:val>
-                                        </p:tav>
-                                        <p:tav tm="100000">
-                                          <p:val>
-                                            <p:strVal val="#ppt_y"/>
-                                          </p:val>
-                                        </p:tav>
-                                      </p:tavLst>
-                                    </p:anim>
-                                  </p:childTnLst>
-                                </p:cTn>
-                              </p:par>
-                            </p:childTnLst>
-                          </p:cTn>
-                        </p:par>
-                      </p:childTnLst>
-                    </p:cTn>
-                  </p:par>
-                  <p:par>
-                    <p:cTn id="17" fill="hold">
-                      <p:stCondLst>
-                        <p:cond delay="indefinite"/>
-                      </p:stCondLst>
-                      <p:childTnLst>
-                        <p:par>
-                          <p:cTn id="18" fill="hold">
-                            <p:stCondLst>
-                              <p:cond delay="0"/>
-                            </p:stCondLst>
-                            <p:childTnLst>
-                              <p:par>
-                                <p:cTn id="19" presetID="42" presetClass="entr" presetSubtype="0" fill="hold" grpId="0" nodeType="clickEffect" nodePh="1">
-                                  <p:stCondLst>
-                                    <p:cond delay="0"/>
-                                  </p:stCondLst>
-                                  <p:endCondLst>
-                                    <p:cond evt="begin" delay="0">
-                                      <p:tn val="19"/>
-                                    </p:cond>
-                                  </p:endCondLst>
-                                  <p:childTnLst>
-                                    <p:set>
-                                      <p:cBhvr>
-                                        <p:cTn id="20" dur="1" fill="hold">
-                                          <p:stCondLst>
-                                            <p:cond delay="0"/>
-                                          </p:stCondLst>
-                                        </p:cTn>
-                                        <p:tgtEl>
-                                          <p:spTgt spid="8"/>
-                                        </p:tgtEl>
-                                        <p:attrNameLst>
-                                          <p:attrName>style.visibility</p:attrName>
-                                        </p:attrNameLst>
-                                      </p:cBhvr>
-                                      <p:to>
-                                        <p:strVal val="visible"/>
-                                      </p:to>
-                                    </p:set>
-                                    <p:animEffect transition="in" filter="fade">
-                                      <p:cBhvr>
-                                        <p:cTn id="21" dur="1000"/>
-                                        <p:tgtEl>
-                                          <p:spTgt spid="8"/>
-                                        </p:tgtEl>
-                                      </p:cBhvr>
-                                    </p:animEffect>
-                                    <p:anim calcmode="lin" valueType="num">
-                                      <p:cBhvr>
-                                        <p:cTn id="22" dur="1000" fill="hold"/>
-                                        <p:tgtEl>
-                                          <p:spTgt spid="8"/>
-                                        </p:tgtEl>
-                                        <p:attrNameLst>
-                                          <p:attrName>ppt_x</p:attrName>
-                                        </p:attrNameLst>
-                                      </p:cBhvr>
-                                      <p:tavLst>
-                                        <p:tav tm="0">
-                                          <p:val>
-                                            <p:strVal val="#ppt_x"/>
-                                          </p:val>
-                                        </p:tav>
-                                        <p:tav tm="100000">
-                                          <p:val>
-                                            <p:strVal val="#ppt_x"/>
-                                          </p:val>
-                                        </p:tav>
-                                      </p:tavLst>
-                                    </p:anim>
-                                    <p:anim calcmode="lin" valueType="num">
-                                      <p:cBhvr>
-                                        <p:cTn id="23" dur="1000" fill="hold"/>
-                                        <p:tgtEl>
-                                          <p:spTgt spid="8"/>
-                                        </p:tgtEl>
-                                        <p:attrNameLst>
-                                          <p:attrName>ppt_y</p:attrName>
-                                        </p:attrNameLst>
-                                      </p:cBhvr>
-                                      <p:tavLst>
-                                        <p:tav tm="0">
-                                          <p:val>
-                                            <p:strVal val="#ppt_y+.1"/>
-                                          </p:val>
-                                        </p:tav>
-                                        <p:tav tm="100000">
-                                          <p:val>
-                                            <p:strVal val="#ppt_y"/>
-                                          </p:val>
-                                        </p:tav>
-                                      </p:tavLst>
-                                    </p:anim>
-                                  </p:childTnLst>
-                                </p:cTn>
-                              </p:par>
-                            </p:childTnLst>
-                          </p:cTn>
-                        </p:par>
-                      </p:childTnLst>
-                    </p:cTn>
-                  </p:par>
-                  <p:par>
-                    <p:cTn id="24" fill="hold">
-                      <p:stCondLst>
-                        <p:cond delay="indefinite"/>
-                      </p:stCondLst>
-                      <p:childTnLst>
-                        <p:par>
-                          <p:cTn id="25" fill="hold">
-                            <p:stCondLst>
-                              <p:cond delay="0"/>
-                            </p:stCondLst>
-                            <p:childTnLst>
-                              <p:par>
-                                <p:cTn id="26" presetID="42" presetClass="entr" presetSubtype="0" fill="hold" grpId="0" nodeType="clickEffect">
-                                  <p:stCondLst>
-                                    <p:cond delay="0"/>
-                                  </p:stCondLst>
-                                  <p:childTnLst>
-                                    <p:set>
-                                      <p:cBhvr>
-                                        <p:cTn id="27" dur="1" fill="hold">
-                                          <p:stCondLst>
-                                            <p:cond delay="0"/>
-                                          </p:stCondLst>
-                                        </p:cTn>
-                                        <p:tgtEl>
-                                          <p:spTgt spid="10">
-                                            <p:txEl>
-                                              <p:pRg st="0" end="0"/>
-                                            </p:txEl>
-                                          </p:spTgt>
-                                        </p:tgtEl>
-                                        <p:attrNameLst>
-                                          <p:attrName>style.visibility</p:attrName>
-                                        </p:attrNameLst>
-                                      </p:cBhvr>
-                                      <p:to>
-                                        <p:strVal val="visible"/>
-                                      </p:to>
-                                    </p:set>
-                                    <p:animEffect transition="in" filter="fade">
-                                      <p:cBhvr>
-                                        <p:cTn id="28" dur="1000"/>
-                                        <p:tgtEl>
-                                          <p:spTgt spid="10">
-                                            <p:txEl>
-                                              <p:pRg st="0" end="0"/>
-                                            </p:txEl>
-                                          </p:spTgt>
-                                        </p:tgtEl>
-                                      </p:cBhvr>
-                                    </p:animEffect>
-                                    <p:anim calcmode="lin" valueType="num">
-                                      <p:cBhvr>
-                                        <p:cTn id="29" dur="1000" fill="hold"/>
-                                        <p:tgtEl>
-                                          <p:spTgt spid="10">
-                                            <p:txEl>
-                                              <p:pRg st="0" end="0"/>
-                                            </p:txEl>
-                                          </p:spTgt>
-                                        </p:tgtEl>
-                                        <p:attrNameLst>
-                                          <p:attrName>ppt_x</p:attrName>
-                                        </p:attrNameLst>
-                                      </p:cBhvr>
-                                      <p:tavLst>
-                                        <p:tav tm="0">
-                                          <p:val>
-                                            <p:strVal val="#ppt_x"/>
-                                          </p:val>
-                                        </p:tav>
-                                        <p:tav tm="100000">
-                                          <p:val>
-                                            <p:strVal val="#ppt_x"/>
-                                          </p:val>
-                                        </p:tav>
-                                      </p:tavLst>
-                                    </p:anim>
-                                    <p:anim calcmode="lin" valueType="num">
-                                      <p:cBhvr>
-                                        <p:cTn id="30" dur="1000" fill="hold"/>
-                                        <p:tgtEl>
-                                          <p:spTgt spid="10">
-                                            <p:txEl>
-                                              <p:pRg st="0" end="0"/>
-                                            </p:txEl>
-                                          </p:spTgt>
-                                        </p:tgtEl>
-                                        <p:attrNameLst>
-                                          <p:attrName>ppt_y</p:attrName>
-                                        </p:attrNameLst>
-                                      </p:cBhvr>
-                                      <p:tavLst>
-                                        <p:tav tm="0">
-                                          <p:val>
-                                            <p:strVal val="#ppt_y+.1"/>
-                                          </p:val>
-                                        </p:tav>
-                                        <p:tav tm="100000">
-                                          <p:val>
-                                            <p:strVal val="#ppt_y"/>
-                                          </p:val>
-                                        </p:tav>
-                                      </p:tavLst>
-                                    </p:anim>
-                                  </p:childTnLst>
-                                </p:cTn>
-                              </p:par>
-                            </p:childTnLst>
-                          </p:cTn>
-                        </p:par>
-                      </p:childTnLst>
-                    </p:cTn>
-                  </p:par>
-                </p:childTnLst>
-              </p:cTn>
-              <p:prevCondLst>
-                <p:cond evt="onPrev" delay="0">
-                  <p:tgtEl>
-                    <p:sldTgt/>
-                  </p:tgtEl>
-                </p:cond>
-              </p:prevCondLst>
-              <p:nextCondLst>
-                <p:cond evt="onNext" delay="0">
-                  <p:tgtEl>
-                    <p:sldTgt/>
-                  </p:tgtEl>
-                </p:cond>
-              </p:nextCondLst>
-            </p:seq>
-          </p:childTnLst>
-        </p:cTn>
-      </p:par>
-    </p:tnLst>
-    <p:bldLst>
-      <p:bldP spid="4" grpId="0"/>
-      <p:bldP spid="7" grpId="0"/>
-      <p:bldP spid="8" grpId="0"/>
-      <p:bldP spid="10" grpId="0" build="p"/>
-    </p:bldLst>
-  </p:timing>
-</p:sld>
-</file>
-
-<file path=ppt/slides/slide7.xml><?xml version="1.0" encoding="utf-8"?>
+<file path=ppt/slides/slide10.xml><?xml version="1.0" encoding="utf-8"?>
 <p:sld xmlns:a="http://schemas.openxmlformats.org/drawingml/2006/main" xmlns:r="http://schemas.openxmlformats.org/officeDocument/2006/relationships" xmlns:p="http://schemas.openxmlformats.org/presentationml/2006/main">
   <p:cSld>
     <p:spTree>
@@ -13668,18 +11243,13 @@
           <a:p>
             <a:pPr algn="ctr"/>
             <a:r>
-              <a:rPr lang="en-US" sz="4800" b="1" dirty="0" smtClean="0">
+              <a:rPr lang="en-US" sz="4800" b="1" dirty="0">
                 <a:solidFill>
                   <a:schemeClr val="tx1"/>
                 </a:solidFill>
               </a:rPr>
               <a:t>Thank you</a:t>
             </a:r>
-            <a:endParaRPr lang="en-US" sz="4800" b="1" dirty="0">
-              <a:solidFill>
-                <a:schemeClr val="tx1"/>
-              </a:solidFill>
-            </a:endParaRPr>
           </a:p>
         </p:txBody>
       </p:sp>
@@ -15048,15 +12618,46 @@
         </p:nvSpPr>
         <p:spPr>
           <a:xfrm>
-            <a:off x="2975013" y="3962573"/>
-            <a:ext cx="2139696" cy="344312"/>
+            <a:off x="2975012" y="3962572"/>
+            <a:ext cx="3667328" cy="2162183"/>
           </a:xfrm>
         </p:spPr>
         <p:txBody>
           <a:bodyPr>
-            <a:normAutofit fontScale="92500" lnSpcReduction="20000"/>
+            <a:normAutofit fontScale="85000" lnSpcReduction="10000"/>
           </a:bodyPr>
           <a:lstStyle/>
+          <a:p>
+            <a:r>
+              <a:rPr lang="en-IN" dirty="0"/>
+              <a:t>Keshab Kumar </a:t>
+            </a:r>
+            <a:br>
+              <a:rPr lang="en-IN" dirty="0"/>
+            </a:br>
+            <a:r>
+              <a:rPr lang="en-IN" dirty="0"/>
+              <a:t>Noida Institute Of Engineering and Technology</a:t>
+            </a:r>
+          </a:p>
+          <a:p>
+            <a:r>
+              <a:rPr lang="en-IN" dirty="0">
+                <a:hlinkClick r:id="rId3"/>
+              </a:rPr>
+              <a:t>https://www.kaggle.com/code/keshabkkumar/super-store-analysis</a:t>
+            </a:r>
+            <a:endParaRPr lang="en-IN" dirty="0"/>
+          </a:p>
+          <a:p>
+            <a:r>
+              <a:rPr lang="en-IN" dirty="0">
+                <a:hlinkClick r:id="rId4"/>
+              </a:rPr>
+              <a:t>https://github.com/Keshabkjha/AICTE_VOISE_Internship</a:t>
+            </a:r>
+            <a:endParaRPr lang="en-IN" dirty="0"/>
+          </a:p>
           <a:p>
             <a:endParaRPr lang="en-IN" dirty="0"/>
           </a:p>
@@ -15696,6 +13297,6412 @@
       <p:bldP spid="23" grpId="0"/>
       <p:bldP spid="30" grpId="0"/>
       <p:bldP spid="32" grpId="0"/>
+    </p:bldLst>
+  </p:timing>
+</p:sld>
+</file>
+
+<file path=ppt/slides/slide2.xml><?xml version="1.0" encoding="utf-8"?>
+<p:sld xmlns:a="http://schemas.openxmlformats.org/drawingml/2006/main" xmlns:r="http://schemas.openxmlformats.org/officeDocument/2006/relationships" xmlns:p="http://schemas.openxmlformats.org/presentationml/2006/main">
+  <p:cSld>
+    <p:spTree>
+      <p:nvGrpSpPr>
+        <p:cNvPr id="1" name=""/>
+        <p:cNvGrpSpPr/>
+        <p:nvPr/>
+      </p:nvGrpSpPr>
+      <p:grpSpPr>
+        <a:xfrm>
+          <a:off x="0" y="0"/>
+          <a:ext cx="0" cy="0"/>
+          <a:chOff x="0" y="0"/>
+          <a:chExt cx="0" cy="0"/>
+        </a:xfrm>
+      </p:grpSpPr>
+      <p:sp>
+        <p:nvSpPr>
+          <p:cNvPr id="2" name="Text Placeholder 1">
+            <a:extLst>
+              <a:ext uri="{FF2B5EF4-FFF2-40B4-BE49-F238E27FC236}">
+                <a16:creationId xmlns:a16="http://schemas.microsoft.com/office/drawing/2014/main" id="{E46E4DD1-270B-4C80-AFF0-EB26F132AF36}"/>
+              </a:ext>
+            </a:extLst>
+          </p:cNvPr>
+          <p:cNvSpPr>
+            <a:spLocks noGrp="1"/>
+          </p:cNvSpPr>
+          <p:nvPr>
+            <p:ph type="body" sz="quarter" idx="12"/>
+          </p:nvPr>
+        </p:nvSpPr>
+        <p:spPr>
+          <a:xfrm>
+            <a:off x="1046480" y="1875556"/>
+            <a:ext cx="6431280" cy="3607987"/>
+          </a:xfrm>
+        </p:spPr>
+        <p:txBody>
+          <a:bodyPr>
+            <a:normAutofit fontScale="62500" lnSpcReduction="20000"/>
+          </a:bodyPr>
+          <a:lstStyle/>
+          <a:p>
+            <a:pPr>
+              <a:lnSpc>
+                <a:spcPct val="150000"/>
+              </a:lnSpc>
+            </a:pPr>
+            <a:r>
+              <a:rPr lang="en-US" sz="2800" dirty="0"/>
+              <a:t>Super Store, a U.S.-based retail business, seeks to identify areas of opportunity and weakness within its sales and operations to boost profitability and streamline decision-making. Due to limited analytical expertise, the business owners require an easy-to-understand exploratory data analysis that highlights insights in simple terms and provides actionable recommendations to increase profit, improve marketing strategies, and optimize operational efficiency.</a:t>
+            </a:r>
+            <a:endParaRPr lang="en-IN" sz="2800" dirty="0"/>
+          </a:p>
+        </p:txBody>
+      </p:sp>
+      <p:sp>
+        <p:nvSpPr>
+          <p:cNvPr id="4" name="Title 3">
+            <a:extLst>
+              <a:ext uri="{FF2B5EF4-FFF2-40B4-BE49-F238E27FC236}">
+                <a16:creationId xmlns:a16="http://schemas.microsoft.com/office/drawing/2014/main" id="{777CC02B-F7C6-47A8-8C3E-C57C417D9EA3}"/>
+              </a:ext>
+            </a:extLst>
+          </p:cNvPr>
+          <p:cNvSpPr>
+            <a:spLocks noGrp="1"/>
+          </p:cNvSpPr>
+          <p:nvPr>
+            <p:ph type="title"/>
+          </p:nvPr>
+        </p:nvSpPr>
+        <p:spPr>
+          <a:xfrm>
+            <a:off x="754602" y="550417"/>
+            <a:ext cx="6995604" cy="790111"/>
+          </a:xfrm>
+        </p:spPr>
+        <p:txBody>
+          <a:bodyPr>
+            <a:normAutofit fontScale="90000"/>
+          </a:bodyPr>
+          <a:lstStyle/>
+          <a:p>
+            <a:r>
+              <a:rPr lang="en-US" dirty="0"/>
+              <a:t>PROBLEM  STATEMENT</a:t>
+            </a:r>
+            <a:endParaRPr lang="en-IN" dirty="0"/>
+          </a:p>
+        </p:txBody>
+      </p:sp>
+      <p:pic>
+        <p:nvPicPr>
+          <p:cNvPr id="5" name="Picture 4">
+            <a:extLst>
+              <a:ext uri="{FF2B5EF4-FFF2-40B4-BE49-F238E27FC236}">
+                <a16:creationId xmlns:a16="http://schemas.microsoft.com/office/drawing/2014/main" id="{C8FE02DE-D7B2-433D-BFE4-2F564022AD89}"/>
+              </a:ext>
+            </a:extLst>
+          </p:cNvPr>
+          <p:cNvPicPr>
+            <a:picLocks noChangeAspect="1"/>
+          </p:cNvPicPr>
+          <p:nvPr/>
+        </p:nvPicPr>
+        <p:blipFill>
+          <a:blip r:embed="rId2"/>
+          <a:stretch>
+            <a:fillRect/>
+          </a:stretch>
+        </p:blipFill>
+        <p:spPr>
+          <a:xfrm>
+            <a:off x="7995684" y="2930834"/>
+            <a:ext cx="2760758" cy="3264409"/>
+          </a:xfrm>
+          <a:prstGeom prst="rect">
+            <a:avLst/>
+          </a:prstGeom>
+        </p:spPr>
+      </p:pic>
+      <p:pic>
+        <p:nvPicPr>
+          <p:cNvPr id="6" name="Picture 5">
+            <a:extLst>
+              <a:ext uri="{FF2B5EF4-FFF2-40B4-BE49-F238E27FC236}">
+                <a16:creationId xmlns:a16="http://schemas.microsoft.com/office/drawing/2014/main" id="{736DEFE3-051A-494A-949C-BB2FF86F9ED7}"/>
+              </a:ext>
+            </a:extLst>
+          </p:cNvPr>
+          <p:cNvPicPr>
+            <a:picLocks noChangeAspect="1"/>
+          </p:cNvPicPr>
+          <p:nvPr/>
+        </p:nvPicPr>
+        <p:blipFill rotWithShape="1">
+          <a:blip r:embed="rId3"/>
+          <a:srcRect t="96181"/>
+          <a:stretch/>
+        </p:blipFill>
+        <p:spPr>
+          <a:xfrm>
+            <a:off x="675957" y="6471920"/>
+            <a:ext cx="2143125" cy="193040"/>
+          </a:xfrm>
+          <a:prstGeom prst="rect">
+            <a:avLst/>
+          </a:prstGeom>
+        </p:spPr>
+      </p:pic>
+    </p:spTree>
+    <p:extLst>
+      <p:ext uri="{BB962C8B-B14F-4D97-AF65-F5344CB8AC3E}">
+        <p14:creationId xmlns:p14="http://schemas.microsoft.com/office/powerpoint/2010/main" val="3098548442"/>
+      </p:ext>
+    </p:extLst>
+  </p:cSld>
+  <p:clrMapOvr>
+    <a:masterClrMapping/>
+  </p:clrMapOvr>
+  <p:timing>
+    <p:tnLst>
+      <p:par>
+        <p:cTn id="1" dur="indefinite" restart="never" nodeType="tmRoot">
+          <p:childTnLst>
+            <p:seq concurrent="1" nextAc="seek">
+              <p:cTn id="2" dur="indefinite" nodeType="mainSeq">
+                <p:childTnLst>
+                  <p:par>
+                    <p:cTn id="3" fill="hold">
+                      <p:stCondLst>
+                        <p:cond delay="indefinite"/>
+                      </p:stCondLst>
+                      <p:childTnLst>
+                        <p:par>
+                          <p:cTn id="4" fill="hold">
+                            <p:stCondLst>
+                              <p:cond delay="0"/>
+                            </p:stCondLst>
+                            <p:childTnLst>
+                              <p:par>
+                                <p:cTn id="5" presetID="53" presetClass="entr" presetSubtype="16" fill="hold" grpId="0" nodeType="clickEffect">
+                                  <p:stCondLst>
+                                    <p:cond delay="0"/>
+                                  </p:stCondLst>
+                                  <p:childTnLst>
+                                    <p:set>
+                                      <p:cBhvr>
+                                        <p:cTn id="6" dur="1" fill="hold">
+                                          <p:stCondLst>
+                                            <p:cond delay="0"/>
+                                          </p:stCondLst>
+                                        </p:cTn>
+                                        <p:tgtEl>
+                                          <p:spTgt spid="4"/>
+                                        </p:tgtEl>
+                                        <p:attrNameLst>
+                                          <p:attrName>style.visibility</p:attrName>
+                                        </p:attrNameLst>
+                                      </p:cBhvr>
+                                      <p:to>
+                                        <p:strVal val="visible"/>
+                                      </p:to>
+                                    </p:set>
+                                    <p:anim calcmode="lin" valueType="num">
+                                      <p:cBhvr>
+                                        <p:cTn id="7" dur="500" fill="hold"/>
+                                        <p:tgtEl>
+                                          <p:spTgt spid="4"/>
+                                        </p:tgtEl>
+                                        <p:attrNameLst>
+                                          <p:attrName>ppt_w</p:attrName>
+                                        </p:attrNameLst>
+                                      </p:cBhvr>
+                                      <p:tavLst>
+                                        <p:tav tm="0">
+                                          <p:val>
+                                            <p:fltVal val="0"/>
+                                          </p:val>
+                                        </p:tav>
+                                        <p:tav tm="100000">
+                                          <p:val>
+                                            <p:strVal val="#ppt_w"/>
+                                          </p:val>
+                                        </p:tav>
+                                      </p:tavLst>
+                                    </p:anim>
+                                    <p:anim calcmode="lin" valueType="num">
+                                      <p:cBhvr>
+                                        <p:cTn id="8" dur="500" fill="hold"/>
+                                        <p:tgtEl>
+                                          <p:spTgt spid="4"/>
+                                        </p:tgtEl>
+                                        <p:attrNameLst>
+                                          <p:attrName>ppt_h</p:attrName>
+                                        </p:attrNameLst>
+                                      </p:cBhvr>
+                                      <p:tavLst>
+                                        <p:tav tm="0">
+                                          <p:val>
+                                            <p:fltVal val="0"/>
+                                          </p:val>
+                                        </p:tav>
+                                        <p:tav tm="100000">
+                                          <p:val>
+                                            <p:strVal val="#ppt_h"/>
+                                          </p:val>
+                                        </p:tav>
+                                      </p:tavLst>
+                                    </p:anim>
+                                    <p:animEffect transition="in" filter="fade">
+                                      <p:cBhvr>
+                                        <p:cTn id="9" dur="500"/>
+                                        <p:tgtEl>
+                                          <p:spTgt spid="4"/>
+                                        </p:tgtEl>
+                                      </p:cBhvr>
+                                    </p:animEffect>
+                                  </p:childTnLst>
+                                </p:cTn>
+                              </p:par>
+                            </p:childTnLst>
+                          </p:cTn>
+                        </p:par>
+                      </p:childTnLst>
+                    </p:cTn>
+                  </p:par>
+                  <p:par>
+                    <p:cTn id="10" fill="hold">
+                      <p:stCondLst>
+                        <p:cond delay="indefinite"/>
+                      </p:stCondLst>
+                      <p:childTnLst>
+                        <p:par>
+                          <p:cTn id="11" fill="hold">
+                            <p:stCondLst>
+                              <p:cond delay="0"/>
+                            </p:stCondLst>
+                            <p:childTnLst>
+                              <p:par>
+                                <p:cTn id="12" presetID="42" presetClass="entr" presetSubtype="0" fill="hold" grpId="0" nodeType="clickEffect">
+                                  <p:stCondLst>
+                                    <p:cond delay="0"/>
+                                  </p:stCondLst>
+                                  <p:childTnLst>
+                                    <p:set>
+                                      <p:cBhvr>
+                                        <p:cTn id="13" dur="1" fill="hold">
+                                          <p:stCondLst>
+                                            <p:cond delay="0"/>
+                                          </p:stCondLst>
+                                        </p:cTn>
+                                        <p:tgtEl>
+                                          <p:spTgt spid="2">
+                                            <p:txEl>
+                                              <p:pRg st="0" end="0"/>
+                                            </p:txEl>
+                                          </p:spTgt>
+                                        </p:tgtEl>
+                                        <p:attrNameLst>
+                                          <p:attrName>style.visibility</p:attrName>
+                                        </p:attrNameLst>
+                                      </p:cBhvr>
+                                      <p:to>
+                                        <p:strVal val="visible"/>
+                                      </p:to>
+                                    </p:set>
+                                    <p:animEffect transition="in" filter="fade">
+                                      <p:cBhvr>
+                                        <p:cTn id="14" dur="1000"/>
+                                        <p:tgtEl>
+                                          <p:spTgt spid="2">
+                                            <p:txEl>
+                                              <p:pRg st="0" end="0"/>
+                                            </p:txEl>
+                                          </p:spTgt>
+                                        </p:tgtEl>
+                                      </p:cBhvr>
+                                    </p:animEffect>
+                                    <p:anim calcmode="lin" valueType="num">
+                                      <p:cBhvr>
+                                        <p:cTn id="15" dur="1000" fill="hold"/>
+                                        <p:tgtEl>
+                                          <p:spTgt spid="2">
+                                            <p:txEl>
+                                              <p:pRg st="0" end="0"/>
+                                            </p:txEl>
+                                          </p:spTgt>
+                                        </p:tgtEl>
+                                        <p:attrNameLst>
+                                          <p:attrName>ppt_x</p:attrName>
+                                        </p:attrNameLst>
+                                      </p:cBhvr>
+                                      <p:tavLst>
+                                        <p:tav tm="0">
+                                          <p:val>
+                                            <p:strVal val="#ppt_x"/>
+                                          </p:val>
+                                        </p:tav>
+                                        <p:tav tm="100000">
+                                          <p:val>
+                                            <p:strVal val="#ppt_x"/>
+                                          </p:val>
+                                        </p:tav>
+                                      </p:tavLst>
+                                    </p:anim>
+                                    <p:anim calcmode="lin" valueType="num">
+                                      <p:cBhvr>
+                                        <p:cTn id="16" dur="1000" fill="hold"/>
+                                        <p:tgtEl>
+                                          <p:spTgt spid="2">
+                                            <p:txEl>
+                                              <p:pRg st="0" end="0"/>
+                                            </p:txEl>
+                                          </p:spTgt>
+                                        </p:tgtEl>
+                                        <p:attrNameLst>
+                                          <p:attrName>ppt_y</p:attrName>
+                                        </p:attrNameLst>
+                                      </p:cBhvr>
+                                      <p:tavLst>
+                                        <p:tav tm="0">
+                                          <p:val>
+                                            <p:strVal val="#ppt_y+.1"/>
+                                          </p:val>
+                                        </p:tav>
+                                        <p:tav tm="100000">
+                                          <p:val>
+                                            <p:strVal val="#ppt_y"/>
+                                          </p:val>
+                                        </p:tav>
+                                      </p:tavLst>
+                                    </p:anim>
+                                  </p:childTnLst>
+                                </p:cTn>
+                              </p:par>
+                            </p:childTnLst>
+                          </p:cTn>
+                        </p:par>
+                      </p:childTnLst>
+                    </p:cTn>
+                  </p:par>
+                </p:childTnLst>
+              </p:cTn>
+              <p:prevCondLst>
+                <p:cond evt="onPrev" delay="0">
+                  <p:tgtEl>
+                    <p:sldTgt/>
+                  </p:tgtEl>
+                </p:cond>
+              </p:prevCondLst>
+              <p:nextCondLst>
+                <p:cond evt="onNext" delay="0">
+                  <p:tgtEl>
+                    <p:sldTgt/>
+                  </p:tgtEl>
+                </p:cond>
+              </p:nextCondLst>
+            </p:seq>
+          </p:childTnLst>
+        </p:cTn>
+      </p:par>
+    </p:tnLst>
+    <p:bldLst>
+      <p:bldP spid="2" grpId="0" build="p"/>
+      <p:bldP spid="4" grpId="0"/>
+    </p:bldLst>
+  </p:timing>
+</p:sld>
+</file>
+
+<file path=ppt/slides/slide3.xml><?xml version="1.0" encoding="utf-8"?>
+<p:sld xmlns:a="http://schemas.openxmlformats.org/drawingml/2006/main" xmlns:r="http://schemas.openxmlformats.org/officeDocument/2006/relationships" xmlns:p="http://schemas.openxmlformats.org/presentationml/2006/main">
+  <p:cSld>
+    <p:bg>
+      <p:bgPr>
+        <a:solidFill>
+          <a:schemeClr val="bg1">
+            <a:lumMod val="95000"/>
+          </a:schemeClr>
+        </a:solidFill>
+        <a:effectLst/>
+      </p:bgPr>
+    </p:bg>
+    <p:spTree>
+      <p:nvGrpSpPr>
+        <p:cNvPr id="1" name=""/>
+        <p:cNvGrpSpPr/>
+        <p:nvPr/>
+      </p:nvGrpSpPr>
+      <p:grpSpPr>
+        <a:xfrm>
+          <a:off x="0" y="0"/>
+          <a:ext cx="0" cy="0"/>
+          <a:chOff x="0" y="0"/>
+          <a:chExt cx="0" cy="0"/>
+        </a:xfrm>
+      </p:grpSpPr>
+      <p:sp>
+        <p:nvSpPr>
+          <p:cNvPr id="3" name="Title 2">
+            <a:extLst>
+              <a:ext uri="{FF2B5EF4-FFF2-40B4-BE49-F238E27FC236}">
+                <a16:creationId xmlns:a16="http://schemas.microsoft.com/office/drawing/2014/main" id="{EBF2FBC7-3552-4F01-BB27-8BEEE74F7277}"/>
+              </a:ext>
+            </a:extLst>
+          </p:cNvPr>
+          <p:cNvSpPr>
+            <a:spLocks noGrp="1"/>
+          </p:cNvSpPr>
+          <p:nvPr>
+            <p:ph type="title"/>
+          </p:nvPr>
+        </p:nvSpPr>
+        <p:spPr>
+          <a:xfrm>
+            <a:off x="529308" y="345056"/>
+            <a:ext cx="6276109" cy="830997"/>
+          </a:xfrm>
+        </p:spPr>
+        <p:txBody>
+          <a:bodyPr>
+            <a:normAutofit fontScale="90000"/>
+          </a:bodyPr>
+          <a:lstStyle/>
+          <a:p>
+            <a:r>
+              <a:rPr lang="en-GB" dirty="0"/>
+              <a:t>Project Description</a:t>
+            </a:r>
+            <a:br>
+              <a:rPr lang="en-GB" dirty="0"/>
+            </a:br>
+            <a:br>
+              <a:rPr lang="en-GB" dirty="0"/>
+            </a:br>
+            <a:r>
+              <a:rPr lang="en-US" sz="1700" b="0" dirty="0"/>
+              <a:t>This project performs an exploratory data analysis (EDA) on Super Store's sales data, encompassing sales, profit, and geographic details for each order. The analysis aims to uncover high- and low-performing product categories, sub-categories, customer segments, and geographic areas. It also examines preferred shipping methods and popular product categories to pinpoint areas for improvement and growth. Through clear, straightforward insights and recommendations, this analysis supports Super Store’s owners in making data-driven decisions that align with their business objectives, helping them identify strengths, potential areas for improvement, and untapped opportunities.</a:t>
+            </a:r>
+            <a:br>
+              <a:rPr lang="en-US" sz="1700" b="0" dirty="0"/>
+            </a:br>
+            <a:br>
+              <a:rPr lang="en-US" sz="1700" b="0" dirty="0"/>
+            </a:br>
+            <a:r>
+              <a:rPr lang="en-US" sz="1700" b="0" dirty="0"/>
+              <a:t>The key questions answered in this analysis include:</a:t>
+            </a:r>
+            <a:br>
+              <a:rPr lang="en-US" sz="1700" b="0" dirty="0"/>
+            </a:br>
+            <a:br>
+              <a:rPr lang="en-US" sz="1700" b="0" dirty="0"/>
+            </a:br>
+            <a:r>
+              <a:rPr lang="en-US" sz="1700" b="0" dirty="0"/>
+              <a:t>Which category and sub-category perform best in terms of sales and profit?</a:t>
+            </a:r>
+            <a:br>
+              <a:rPr lang="en-US" sz="1700" b="0" dirty="0"/>
+            </a:br>
+            <a:r>
+              <a:rPr lang="en-US" sz="1700" b="0" dirty="0"/>
+              <a:t>What are the top-selling and most profitable products?</a:t>
+            </a:r>
+            <a:br>
+              <a:rPr lang="en-US" sz="1700" b="0" dirty="0"/>
+            </a:br>
+            <a:r>
+              <a:rPr lang="en-US" sz="1700" b="0" dirty="0"/>
+              <a:t>Which customer segment is the most profitable?</a:t>
+            </a:r>
+            <a:br>
+              <a:rPr lang="en-US" sz="1700" b="0" dirty="0"/>
+            </a:br>
+            <a:r>
+              <a:rPr lang="en-US" sz="1700" b="0" dirty="0"/>
+              <a:t>Which shipping mode is preferred by customers?</a:t>
+            </a:r>
+            <a:br>
+              <a:rPr lang="en-US" sz="1700" b="0" dirty="0"/>
+            </a:br>
+            <a:r>
+              <a:rPr lang="en-US" sz="1700" b="0" dirty="0"/>
+              <a:t>Which region and city show the highest sales and profitability?</a:t>
+            </a:r>
+            <a:br>
+              <a:rPr lang="en-US" sz="1700" b="0" dirty="0"/>
+            </a:br>
+            <a:br>
+              <a:rPr lang="en-GB" sz="1700" dirty="0"/>
+            </a:br>
+            <a:endParaRPr lang="en-IN" sz="1700" dirty="0"/>
+          </a:p>
+        </p:txBody>
+      </p:sp>
+      <p:pic>
+        <p:nvPicPr>
+          <p:cNvPr id="5" name="Picture 4">
+            <a:extLst>
+              <a:ext uri="{FF2B5EF4-FFF2-40B4-BE49-F238E27FC236}">
+                <a16:creationId xmlns:a16="http://schemas.microsoft.com/office/drawing/2014/main" id="{09D8A2BA-6C1D-4A33-85F2-E44A4FF54A1C}"/>
+              </a:ext>
+            </a:extLst>
+          </p:cNvPr>
+          <p:cNvPicPr>
+            <a:picLocks noChangeAspect="1"/>
+          </p:cNvPicPr>
+          <p:nvPr/>
+        </p:nvPicPr>
+        <p:blipFill rotWithShape="1">
+          <a:blip r:embed="rId2"/>
+          <a:srcRect t="96181"/>
+          <a:stretch/>
+        </p:blipFill>
+        <p:spPr>
+          <a:xfrm>
+            <a:off x="675957" y="6471920"/>
+            <a:ext cx="2143125" cy="193040"/>
+          </a:xfrm>
+          <a:prstGeom prst="rect">
+            <a:avLst/>
+          </a:prstGeom>
+        </p:spPr>
+      </p:pic>
+      <p:pic>
+        <p:nvPicPr>
+          <p:cNvPr id="6" name="Picture 5">
+            <a:extLst>
+              <a:ext uri="{FF2B5EF4-FFF2-40B4-BE49-F238E27FC236}">
+                <a16:creationId xmlns:a16="http://schemas.microsoft.com/office/drawing/2014/main" id="{6BED3D6A-DC10-4985-B01B-735F2CBA6E47}"/>
+              </a:ext>
+            </a:extLst>
+          </p:cNvPr>
+          <p:cNvPicPr>
+            <a:picLocks noChangeAspect="1"/>
+          </p:cNvPicPr>
+          <p:nvPr/>
+        </p:nvPicPr>
+        <p:blipFill>
+          <a:blip r:embed="rId3"/>
+          <a:stretch>
+            <a:fillRect/>
+          </a:stretch>
+        </p:blipFill>
+        <p:spPr>
+          <a:xfrm>
+            <a:off x="467359" y="6410461"/>
+            <a:ext cx="3706253" cy="296092"/>
+          </a:xfrm>
+          <a:prstGeom prst="rect">
+            <a:avLst/>
+          </a:prstGeom>
+        </p:spPr>
+      </p:pic>
+    </p:spTree>
+    <p:extLst>
+      <p:ext uri="{BB962C8B-B14F-4D97-AF65-F5344CB8AC3E}">
+        <p14:creationId xmlns:p14="http://schemas.microsoft.com/office/powerpoint/2010/main" val="3696770303"/>
+      </p:ext>
+    </p:extLst>
+  </p:cSld>
+  <p:clrMapOvr>
+    <a:masterClrMapping/>
+  </p:clrMapOvr>
+  <p:timing>
+    <p:tnLst>
+      <p:par>
+        <p:cTn id="1" dur="indefinite" restart="never" nodeType="tmRoot">
+          <p:childTnLst>
+            <p:seq concurrent="1" nextAc="seek">
+              <p:cTn id="2" dur="indefinite" nodeType="mainSeq">
+                <p:childTnLst>
+                  <p:par>
+                    <p:cTn id="3" fill="hold">
+                      <p:stCondLst>
+                        <p:cond delay="indefinite"/>
+                      </p:stCondLst>
+                      <p:childTnLst>
+                        <p:par>
+                          <p:cTn id="4" fill="hold">
+                            <p:stCondLst>
+                              <p:cond delay="0"/>
+                            </p:stCondLst>
+                            <p:childTnLst>
+                              <p:par>
+                                <p:cTn id="5" presetID="53" presetClass="entr" presetSubtype="16" fill="hold" grpId="0" nodeType="clickEffect">
+                                  <p:stCondLst>
+                                    <p:cond delay="0"/>
+                                  </p:stCondLst>
+                                  <p:childTnLst>
+                                    <p:set>
+                                      <p:cBhvr>
+                                        <p:cTn id="6" dur="1" fill="hold">
+                                          <p:stCondLst>
+                                            <p:cond delay="0"/>
+                                          </p:stCondLst>
+                                        </p:cTn>
+                                        <p:tgtEl>
+                                          <p:spTgt spid="3"/>
+                                        </p:tgtEl>
+                                        <p:attrNameLst>
+                                          <p:attrName>style.visibility</p:attrName>
+                                        </p:attrNameLst>
+                                      </p:cBhvr>
+                                      <p:to>
+                                        <p:strVal val="visible"/>
+                                      </p:to>
+                                    </p:set>
+                                    <p:anim calcmode="lin" valueType="num">
+                                      <p:cBhvr>
+                                        <p:cTn id="7" dur="500" fill="hold"/>
+                                        <p:tgtEl>
+                                          <p:spTgt spid="3"/>
+                                        </p:tgtEl>
+                                        <p:attrNameLst>
+                                          <p:attrName>ppt_w</p:attrName>
+                                        </p:attrNameLst>
+                                      </p:cBhvr>
+                                      <p:tavLst>
+                                        <p:tav tm="0">
+                                          <p:val>
+                                            <p:fltVal val="0"/>
+                                          </p:val>
+                                        </p:tav>
+                                        <p:tav tm="100000">
+                                          <p:val>
+                                            <p:strVal val="#ppt_w"/>
+                                          </p:val>
+                                        </p:tav>
+                                      </p:tavLst>
+                                    </p:anim>
+                                    <p:anim calcmode="lin" valueType="num">
+                                      <p:cBhvr>
+                                        <p:cTn id="8" dur="500" fill="hold"/>
+                                        <p:tgtEl>
+                                          <p:spTgt spid="3"/>
+                                        </p:tgtEl>
+                                        <p:attrNameLst>
+                                          <p:attrName>ppt_h</p:attrName>
+                                        </p:attrNameLst>
+                                      </p:cBhvr>
+                                      <p:tavLst>
+                                        <p:tav tm="0">
+                                          <p:val>
+                                            <p:fltVal val="0"/>
+                                          </p:val>
+                                        </p:tav>
+                                        <p:tav tm="100000">
+                                          <p:val>
+                                            <p:strVal val="#ppt_h"/>
+                                          </p:val>
+                                        </p:tav>
+                                      </p:tavLst>
+                                    </p:anim>
+                                    <p:animEffect transition="in" filter="fade">
+                                      <p:cBhvr>
+                                        <p:cTn id="9" dur="500"/>
+                                        <p:tgtEl>
+                                          <p:spTgt spid="3"/>
+                                        </p:tgtEl>
+                                      </p:cBhvr>
+                                    </p:animEffect>
+                                  </p:childTnLst>
+                                </p:cTn>
+                              </p:par>
+                            </p:childTnLst>
+                          </p:cTn>
+                        </p:par>
+                      </p:childTnLst>
+                    </p:cTn>
+                  </p:par>
+                </p:childTnLst>
+              </p:cTn>
+              <p:prevCondLst>
+                <p:cond evt="onPrev" delay="0">
+                  <p:tgtEl>
+                    <p:sldTgt/>
+                  </p:tgtEl>
+                </p:cond>
+              </p:prevCondLst>
+              <p:nextCondLst>
+                <p:cond evt="onNext" delay="0">
+                  <p:tgtEl>
+                    <p:sldTgt/>
+                  </p:tgtEl>
+                </p:cond>
+              </p:nextCondLst>
+            </p:seq>
+          </p:childTnLst>
+        </p:cTn>
+      </p:par>
+    </p:tnLst>
+    <p:bldLst>
+      <p:bldP spid="3" grpId="0"/>
+    </p:bldLst>
+  </p:timing>
+</p:sld>
+</file>
+
+<file path=ppt/slides/slide4.xml><?xml version="1.0" encoding="utf-8"?>
+<p:sld xmlns:a="http://schemas.openxmlformats.org/drawingml/2006/main" xmlns:r="http://schemas.openxmlformats.org/officeDocument/2006/relationships" xmlns:p="http://schemas.openxmlformats.org/presentationml/2006/main">
+  <p:cSld>
+    <p:spTree>
+      <p:nvGrpSpPr>
+        <p:cNvPr id="1" name=""/>
+        <p:cNvGrpSpPr/>
+        <p:nvPr/>
+      </p:nvGrpSpPr>
+      <p:grpSpPr>
+        <a:xfrm>
+          <a:off x="0" y="0"/>
+          <a:ext cx="0" cy="0"/>
+          <a:chOff x="0" y="0"/>
+          <a:chExt cx="0" cy="0"/>
+        </a:xfrm>
+      </p:grpSpPr>
+      <p:sp>
+        <p:nvSpPr>
+          <p:cNvPr id="2" name="Text Placeholder 1">
+            <a:extLst>
+              <a:ext uri="{FF2B5EF4-FFF2-40B4-BE49-F238E27FC236}">
+                <a16:creationId xmlns:a16="http://schemas.microsoft.com/office/drawing/2014/main" id="{664E3B60-2780-459A-8583-F095D5E7463A}"/>
+              </a:ext>
+            </a:extLst>
+          </p:cNvPr>
+          <p:cNvSpPr>
+            <a:spLocks noGrp="1"/>
+          </p:cNvSpPr>
+          <p:nvPr>
+            <p:ph type="body" sz="quarter" idx="12"/>
+          </p:nvPr>
+        </p:nvSpPr>
+        <p:spPr>
+          <a:xfrm>
+            <a:off x="721359" y="1991360"/>
+            <a:ext cx="7904481" cy="3990023"/>
+          </a:xfrm>
+        </p:spPr>
+        <p:txBody>
+          <a:bodyPr>
+            <a:normAutofit lnSpcReduction="10000"/>
+          </a:bodyPr>
+          <a:lstStyle/>
+          <a:p>
+            <a:pPr algn="just">
+              <a:lnSpc>
+                <a:spcPct val="150000"/>
+              </a:lnSpc>
+            </a:pPr>
+            <a:r>
+              <a:rPr lang="en-US" dirty="0"/>
+              <a:t>The end users are the business owners of Super Store, likely one or two individuals invested in growing and managing their family-owned retail business. With limited experience in interpreting charts or statistical outputs, they need an analysis that is simple, practical, and actionable. By using layman’s terms and clear recommendations, this analysis helps them make informed decisions to improve profitability and optimize marketing and operational strategies, without requiring deep technical expertise.</a:t>
+            </a:r>
+            <a:endParaRPr lang="en-IN" sz="3600" dirty="0"/>
+          </a:p>
+        </p:txBody>
+      </p:sp>
+      <p:sp>
+        <p:nvSpPr>
+          <p:cNvPr id="4" name="Title 3">
+            <a:extLst>
+              <a:ext uri="{FF2B5EF4-FFF2-40B4-BE49-F238E27FC236}">
+                <a16:creationId xmlns:a16="http://schemas.microsoft.com/office/drawing/2014/main" id="{1A4A072B-83C6-4607-AE6A-5AD61CC72C44}"/>
+              </a:ext>
+            </a:extLst>
+          </p:cNvPr>
+          <p:cNvSpPr>
+            <a:spLocks noGrp="1"/>
+          </p:cNvSpPr>
+          <p:nvPr>
+            <p:ph type="title"/>
+          </p:nvPr>
+        </p:nvSpPr>
+        <p:spPr>
+          <a:xfrm>
+            <a:off x="620008" y="876617"/>
+            <a:ext cx="10046070" cy="802641"/>
+          </a:xfrm>
+        </p:spPr>
+        <p:txBody>
+          <a:bodyPr>
+            <a:normAutofit/>
+          </a:bodyPr>
+          <a:lstStyle/>
+          <a:p>
+            <a:r>
+              <a:rPr lang="en-US" sz="3200" dirty="0"/>
+              <a:t>WHO ARE THE END USERS?</a:t>
+            </a:r>
+            <a:endParaRPr lang="en-IN" sz="2000" dirty="0"/>
+          </a:p>
+        </p:txBody>
+      </p:sp>
+      <p:pic>
+        <p:nvPicPr>
+          <p:cNvPr id="6" name="Picture 5">
+            <a:extLst>
+              <a:ext uri="{FF2B5EF4-FFF2-40B4-BE49-F238E27FC236}">
+                <a16:creationId xmlns:a16="http://schemas.microsoft.com/office/drawing/2014/main" id="{E8B153BB-61B9-403F-8AE5-F75400450AC0}"/>
+              </a:ext>
+            </a:extLst>
+          </p:cNvPr>
+          <p:cNvPicPr>
+            <a:picLocks noChangeAspect="1"/>
+          </p:cNvPicPr>
+          <p:nvPr/>
+        </p:nvPicPr>
+        <p:blipFill>
+          <a:blip r:embed="rId2"/>
+          <a:stretch>
+            <a:fillRect/>
+          </a:stretch>
+        </p:blipFill>
+        <p:spPr>
+          <a:xfrm>
+            <a:off x="721359" y="6176804"/>
+            <a:ext cx="2181225" cy="485775"/>
+          </a:xfrm>
+          <a:prstGeom prst="rect">
+            <a:avLst/>
+          </a:prstGeom>
+        </p:spPr>
+      </p:pic>
+    </p:spTree>
+    <p:extLst>
+      <p:ext uri="{BB962C8B-B14F-4D97-AF65-F5344CB8AC3E}">
+        <p14:creationId xmlns:p14="http://schemas.microsoft.com/office/powerpoint/2010/main" val="48075006"/>
+      </p:ext>
+    </p:extLst>
+  </p:cSld>
+  <p:clrMapOvr>
+    <a:masterClrMapping/>
+  </p:clrMapOvr>
+  <p:timing>
+    <p:tnLst>
+      <p:par>
+        <p:cTn id="1" dur="indefinite" restart="never" nodeType="tmRoot">
+          <p:childTnLst>
+            <p:seq concurrent="1" nextAc="seek">
+              <p:cTn id="2" dur="indefinite" nodeType="mainSeq">
+                <p:childTnLst>
+                  <p:par>
+                    <p:cTn id="3" fill="hold">
+                      <p:stCondLst>
+                        <p:cond delay="indefinite"/>
+                      </p:stCondLst>
+                      <p:childTnLst>
+                        <p:par>
+                          <p:cTn id="4" fill="hold">
+                            <p:stCondLst>
+                              <p:cond delay="0"/>
+                            </p:stCondLst>
+                            <p:childTnLst>
+                              <p:par>
+                                <p:cTn id="5" presetID="53" presetClass="entr" presetSubtype="16" fill="hold" grpId="0" nodeType="clickEffect">
+                                  <p:stCondLst>
+                                    <p:cond delay="0"/>
+                                  </p:stCondLst>
+                                  <p:childTnLst>
+                                    <p:set>
+                                      <p:cBhvr>
+                                        <p:cTn id="6" dur="1" fill="hold">
+                                          <p:stCondLst>
+                                            <p:cond delay="0"/>
+                                          </p:stCondLst>
+                                        </p:cTn>
+                                        <p:tgtEl>
+                                          <p:spTgt spid="4"/>
+                                        </p:tgtEl>
+                                        <p:attrNameLst>
+                                          <p:attrName>style.visibility</p:attrName>
+                                        </p:attrNameLst>
+                                      </p:cBhvr>
+                                      <p:to>
+                                        <p:strVal val="visible"/>
+                                      </p:to>
+                                    </p:set>
+                                    <p:anim calcmode="lin" valueType="num">
+                                      <p:cBhvr>
+                                        <p:cTn id="7" dur="500" fill="hold"/>
+                                        <p:tgtEl>
+                                          <p:spTgt spid="4"/>
+                                        </p:tgtEl>
+                                        <p:attrNameLst>
+                                          <p:attrName>ppt_w</p:attrName>
+                                        </p:attrNameLst>
+                                      </p:cBhvr>
+                                      <p:tavLst>
+                                        <p:tav tm="0">
+                                          <p:val>
+                                            <p:fltVal val="0"/>
+                                          </p:val>
+                                        </p:tav>
+                                        <p:tav tm="100000">
+                                          <p:val>
+                                            <p:strVal val="#ppt_w"/>
+                                          </p:val>
+                                        </p:tav>
+                                      </p:tavLst>
+                                    </p:anim>
+                                    <p:anim calcmode="lin" valueType="num">
+                                      <p:cBhvr>
+                                        <p:cTn id="8" dur="500" fill="hold"/>
+                                        <p:tgtEl>
+                                          <p:spTgt spid="4"/>
+                                        </p:tgtEl>
+                                        <p:attrNameLst>
+                                          <p:attrName>ppt_h</p:attrName>
+                                        </p:attrNameLst>
+                                      </p:cBhvr>
+                                      <p:tavLst>
+                                        <p:tav tm="0">
+                                          <p:val>
+                                            <p:fltVal val="0"/>
+                                          </p:val>
+                                        </p:tav>
+                                        <p:tav tm="100000">
+                                          <p:val>
+                                            <p:strVal val="#ppt_h"/>
+                                          </p:val>
+                                        </p:tav>
+                                      </p:tavLst>
+                                    </p:anim>
+                                    <p:animEffect transition="in" filter="fade">
+                                      <p:cBhvr>
+                                        <p:cTn id="9" dur="500"/>
+                                        <p:tgtEl>
+                                          <p:spTgt spid="4"/>
+                                        </p:tgtEl>
+                                      </p:cBhvr>
+                                    </p:animEffect>
+                                  </p:childTnLst>
+                                </p:cTn>
+                              </p:par>
+                            </p:childTnLst>
+                          </p:cTn>
+                        </p:par>
+                      </p:childTnLst>
+                    </p:cTn>
+                  </p:par>
+                  <p:par>
+                    <p:cTn id="10" fill="hold">
+                      <p:stCondLst>
+                        <p:cond delay="indefinite"/>
+                      </p:stCondLst>
+                      <p:childTnLst>
+                        <p:par>
+                          <p:cTn id="11" fill="hold">
+                            <p:stCondLst>
+                              <p:cond delay="0"/>
+                            </p:stCondLst>
+                            <p:childTnLst>
+                              <p:par>
+                                <p:cTn id="12" presetID="42" presetClass="entr" presetSubtype="0" fill="hold" grpId="0" nodeType="clickEffect">
+                                  <p:stCondLst>
+                                    <p:cond delay="0"/>
+                                  </p:stCondLst>
+                                  <p:childTnLst>
+                                    <p:set>
+                                      <p:cBhvr>
+                                        <p:cTn id="13" dur="1" fill="hold">
+                                          <p:stCondLst>
+                                            <p:cond delay="0"/>
+                                          </p:stCondLst>
+                                        </p:cTn>
+                                        <p:tgtEl>
+                                          <p:spTgt spid="2">
+                                            <p:txEl>
+                                              <p:pRg st="0" end="0"/>
+                                            </p:txEl>
+                                          </p:spTgt>
+                                        </p:tgtEl>
+                                        <p:attrNameLst>
+                                          <p:attrName>style.visibility</p:attrName>
+                                        </p:attrNameLst>
+                                      </p:cBhvr>
+                                      <p:to>
+                                        <p:strVal val="visible"/>
+                                      </p:to>
+                                    </p:set>
+                                    <p:animEffect transition="in" filter="fade">
+                                      <p:cBhvr>
+                                        <p:cTn id="14" dur="1000"/>
+                                        <p:tgtEl>
+                                          <p:spTgt spid="2">
+                                            <p:txEl>
+                                              <p:pRg st="0" end="0"/>
+                                            </p:txEl>
+                                          </p:spTgt>
+                                        </p:tgtEl>
+                                      </p:cBhvr>
+                                    </p:animEffect>
+                                    <p:anim calcmode="lin" valueType="num">
+                                      <p:cBhvr>
+                                        <p:cTn id="15" dur="1000" fill="hold"/>
+                                        <p:tgtEl>
+                                          <p:spTgt spid="2">
+                                            <p:txEl>
+                                              <p:pRg st="0" end="0"/>
+                                            </p:txEl>
+                                          </p:spTgt>
+                                        </p:tgtEl>
+                                        <p:attrNameLst>
+                                          <p:attrName>ppt_x</p:attrName>
+                                        </p:attrNameLst>
+                                      </p:cBhvr>
+                                      <p:tavLst>
+                                        <p:tav tm="0">
+                                          <p:val>
+                                            <p:strVal val="#ppt_x"/>
+                                          </p:val>
+                                        </p:tav>
+                                        <p:tav tm="100000">
+                                          <p:val>
+                                            <p:strVal val="#ppt_x"/>
+                                          </p:val>
+                                        </p:tav>
+                                      </p:tavLst>
+                                    </p:anim>
+                                    <p:anim calcmode="lin" valueType="num">
+                                      <p:cBhvr>
+                                        <p:cTn id="16" dur="1000" fill="hold"/>
+                                        <p:tgtEl>
+                                          <p:spTgt spid="2">
+                                            <p:txEl>
+                                              <p:pRg st="0" end="0"/>
+                                            </p:txEl>
+                                          </p:spTgt>
+                                        </p:tgtEl>
+                                        <p:attrNameLst>
+                                          <p:attrName>ppt_y</p:attrName>
+                                        </p:attrNameLst>
+                                      </p:cBhvr>
+                                      <p:tavLst>
+                                        <p:tav tm="0">
+                                          <p:val>
+                                            <p:strVal val="#ppt_y+.1"/>
+                                          </p:val>
+                                        </p:tav>
+                                        <p:tav tm="100000">
+                                          <p:val>
+                                            <p:strVal val="#ppt_y"/>
+                                          </p:val>
+                                        </p:tav>
+                                      </p:tavLst>
+                                    </p:anim>
+                                  </p:childTnLst>
+                                </p:cTn>
+                              </p:par>
+                            </p:childTnLst>
+                          </p:cTn>
+                        </p:par>
+                      </p:childTnLst>
+                    </p:cTn>
+                  </p:par>
+                </p:childTnLst>
+              </p:cTn>
+              <p:prevCondLst>
+                <p:cond evt="onPrev" delay="0">
+                  <p:tgtEl>
+                    <p:sldTgt/>
+                  </p:tgtEl>
+                </p:cond>
+              </p:prevCondLst>
+              <p:nextCondLst>
+                <p:cond evt="onNext" delay="0">
+                  <p:tgtEl>
+                    <p:sldTgt/>
+                  </p:tgtEl>
+                </p:cond>
+              </p:nextCondLst>
+            </p:seq>
+          </p:childTnLst>
+        </p:cTn>
+      </p:par>
+    </p:tnLst>
+    <p:bldLst>
+      <p:bldP spid="2" grpId="0" build="p"/>
+      <p:bldP spid="4" grpId="0"/>
+    </p:bldLst>
+  </p:timing>
+</p:sld>
+</file>
+
+<file path=ppt/slides/slide5.xml><?xml version="1.0" encoding="utf-8"?>
+<p:sld xmlns:a="http://schemas.openxmlformats.org/drawingml/2006/main" xmlns:r="http://schemas.openxmlformats.org/officeDocument/2006/relationships" xmlns:p="http://schemas.openxmlformats.org/presentationml/2006/main">
+  <p:cSld>
+    <p:bg>
+      <p:bgPr>
+        <a:solidFill>
+          <a:schemeClr val="bg1">
+            <a:lumMod val="95000"/>
+          </a:schemeClr>
+        </a:solidFill>
+        <a:effectLst/>
+      </p:bgPr>
+    </p:bg>
+    <p:spTree>
+      <p:nvGrpSpPr>
+        <p:cNvPr id="1" name=""/>
+        <p:cNvGrpSpPr/>
+        <p:nvPr/>
+      </p:nvGrpSpPr>
+      <p:grpSpPr>
+        <a:xfrm>
+          <a:off x="0" y="0"/>
+          <a:ext cx="0" cy="0"/>
+          <a:chOff x="0" y="0"/>
+          <a:chExt cx="0" cy="0"/>
+        </a:xfrm>
+      </p:grpSpPr>
+      <p:pic>
+        <p:nvPicPr>
+          <p:cNvPr id="6" name="Picture 5">
+            <a:extLst>
+              <a:ext uri="{FF2B5EF4-FFF2-40B4-BE49-F238E27FC236}">
+                <a16:creationId xmlns:a16="http://schemas.microsoft.com/office/drawing/2014/main" id="{0B7C27C4-3E14-490A-B132-CBBEDA1E905A}"/>
+              </a:ext>
+            </a:extLst>
+          </p:cNvPr>
+          <p:cNvPicPr>
+            <a:picLocks noChangeAspect="1"/>
+          </p:cNvPicPr>
+          <p:nvPr/>
+        </p:nvPicPr>
+        <p:blipFill>
+          <a:blip r:embed="rId3"/>
+          <a:stretch>
+            <a:fillRect/>
+          </a:stretch>
+        </p:blipFill>
+        <p:spPr>
+          <a:xfrm>
+            <a:off x="467359" y="6410461"/>
+            <a:ext cx="3706253" cy="296092"/>
+          </a:xfrm>
+          <a:prstGeom prst="rect">
+            <a:avLst/>
+          </a:prstGeom>
+        </p:spPr>
+      </p:pic>
+      <p:pic>
+        <p:nvPicPr>
+          <p:cNvPr id="2" name="Picture 1">
+            <a:extLst>
+              <a:ext uri="{FF2B5EF4-FFF2-40B4-BE49-F238E27FC236}">
+                <a16:creationId xmlns:a16="http://schemas.microsoft.com/office/drawing/2014/main" id="{F1FC3E39-8C60-4F64-9838-2A683F25B8C4}"/>
+              </a:ext>
+            </a:extLst>
+          </p:cNvPr>
+          <p:cNvPicPr>
+            <a:picLocks noChangeAspect="1"/>
+          </p:cNvPicPr>
+          <p:nvPr/>
+        </p:nvPicPr>
+        <p:blipFill>
+          <a:blip r:embed="rId4"/>
+          <a:stretch>
+            <a:fillRect/>
+          </a:stretch>
+        </p:blipFill>
+        <p:spPr>
+          <a:xfrm flipH="1">
+            <a:off x="50800" y="3820160"/>
+            <a:ext cx="1727200" cy="3010024"/>
+          </a:xfrm>
+          <a:prstGeom prst="rect">
+            <a:avLst/>
+          </a:prstGeom>
+        </p:spPr>
+      </p:pic>
+      <p:sp>
+        <p:nvSpPr>
+          <p:cNvPr id="7" name="Text Placeholder 6">
+            <a:extLst>
+              <a:ext uri="{FF2B5EF4-FFF2-40B4-BE49-F238E27FC236}">
+                <a16:creationId xmlns:a16="http://schemas.microsoft.com/office/drawing/2014/main" id="{B21C28F5-3CA3-4B78-B5C9-550C00BB3174}"/>
+              </a:ext>
+            </a:extLst>
+          </p:cNvPr>
+          <p:cNvSpPr>
+            <a:spLocks noGrp="1"/>
+          </p:cNvSpPr>
+          <p:nvPr>
+            <p:ph type="body" sz="quarter" idx="12"/>
+          </p:nvPr>
+        </p:nvSpPr>
+        <p:spPr>
+          <a:xfrm>
+            <a:off x="390618" y="1432560"/>
+            <a:ext cx="9027702" cy="5243448"/>
+          </a:xfrm>
+        </p:spPr>
+        <p:txBody>
+          <a:bodyPr/>
+          <a:lstStyle/>
+          <a:p>
+            <a:pPr lvl="1">
+              <a:lnSpc>
+                <a:spcPct val="150000"/>
+              </a:lnSpc>
+            </a:pPr>
+            <a:r>
+              <a:rPr lang="en-IN" dirty="0"/>
+              <a:t>Pandas</a:t>
+            </a:r>
+          </a:p>
+          <a:p>
+            <a:pPr lvl="1">
+              <a:lnSpc>
+                <a:spcPct val="150000"/>
+              </a:lnSpc>
+            </a:pPr>
+            <a:r>
+              <a:rPr lang="en-IN" dirty="0" err="1"/>
+              <a:t>Numpy</a:t>
+            </a:r>
+            <a:endParaRPr lang="en-IN" dirty="0"/>
+          </a:p>
+          <a:p>
+            <a:pPr lvl="1">
+              <a:lnSpc>
+                <a:spcPct val="150000"/>
+              </a:lnSpc>
+            </a:pPr>
+            <a:r>
+              <a:rPr lang="en-IN" dirty="0"/>
+              <a:t>Matplotlib</a:t>
+            </a:r>
+          </a:p>
+          <a:p>
+            <a:pPr lvl="1">
+              <a:lnSpc>
+                <a:spcPct val="150000"/>
+              </a:lnSpc>
+            </a:pPr>
+            <a:r>
+              <a:rPr lang="en-IN" dirty="0"/>
+              <a:t>Seaborn </a:t>
+            </a:r>
+          </a:p>
+          <a:p>
+            <a:pPr lvl="1">
+              <a:lnSpc>
+                <a:spcPct val="150000"/>
+              </a:lnSpc>
+            </a:pPr>
+            <a:r>
+              <a:rPr lang="en-IN" dirty="0"/>
+              <a:t>Python</a:t>
+            </a:r>
+          </a:p>
+        </p:txBody>
+      </p:sp>
+      <p:sp>
+        <p:nvSpPr>
+          <p:cNvPr id="9" name="Title 8">
+            <a:extLst>
+              <a:ext uri="{FF2B5EF4-FFF2-40B4-BE49-F238E27FC236}">
+                <a16:creationId xmlns:a16="http://schemas.microsoft.com/office/drawing/2014/main" id="{FEF304F5-32C5-4869-B185-859B567855A8}"/>
+              </a:ext>
+            </a:extLst>
+          </p:cNvPr>
+          <p:cNvSpPr>
+            <a:spLocks noGrp="1"/>
+          </p:cNvSpPr>
+          <p:nvPr>
+            <p:ph type="title"/>
+          </p:nvPr>
+        </p:nvSpPr>
+        <p:spPr>
+          <a:xfrm>
+            <a:off x="660399" y="430567"/>
+            <a:ext cx="5306291" cy="847817"/>
+          </a:xfrm>
+        </p:spPr>
+        <p:txBody>
+          <a:bodyPr>
+            <a:normAutofit/>
+          </a:bodyPr>
+          <a:lstStyle/>
+          <a:p>
+            <a:r>
+              <a:rPr lang="en-US" dirty="0"/>
+              <a:t>Technology Used</a:t>
+            </a:r>
+          </a:p>
+        </p:txBody>
+      </p:sp>
+    </p:spTree>
+    <p:extLst>
+      <p:ext uri="{BB962C8B-B14F-4D97-AF65-F5344CB8AC3E}">
+        <p14:creationId xmlns:p14="http://schemas.microsoft.com/office/powerpoint/2010/main" val="1341901065"/>
+      </p:ext>
+    </p:extLst>
+  </p:cSld>
+  <p:clrMapOvr>
+    <a:masterClrMapping/>
+  </p:clrMapOvr>
+  <p:timing>
+    <p:tnLst>
+      <p:par>
+        <p:cTn id="1" dur="indefinite" restart="never" nodeType="tmRoot">
+          <p:childTnLst>
+            <p:seq concurrent="1" nextAc="seek">
+              <p:cTn id="2" dur="indefinite" nodeType="mainSeq">
+                <p:childTnLst>
+                  <p:par>
+                    <p:cTn id="3" fill="hold">
+                      <p:stCondLst>
+                        <p:cond delay="indefinite"/>
+                      </p:stCondLst>
+                      <p:childTnLst>
+                        <p:par>
+                          <p:cTn id="4" fill="hold">
+                            <p:stCondLst>
+                              <p:cond delay="0"/>
+                            </p:stCondLst>
+                            <p:childTnLst>
+                              <p:par>
+                                <p:cTn id="5" presetID="53" presetClass="entr" presetSubtype="16" fill="hold" grpId="0" nodeType="clickEffect">
+                                  <p:stCondLst>
+                                    <p:cond delay="0"/>
+                                  </p:stCondLst>
+                                  <p:childTnLst>
+                                    <p:set>
+                                      <p:cBhvr>
+                                        <p:cTn id="6" dur="1" fill="hold">
+                                          <p:stCondLst>
+                                            <p:cond delay="0"/>
+                                          </p:stCondLst>
+                                        </p:cTn>
+                                        <p:tgtEl>
+                                          <p:spTgt spid="9"/>
+                                        </p:tgtEl>
+                                        <p:attrNameLst>
+                                          <p:attrName>style.visibility</p:attrName>
+                                        </p:attrNameLst>
+                                      </p:cBhvr>
+                                      <p:to>
+                                        <p:strVal val="visible"/>
+                                      </p:to>
+                                    </p:set>
+                                    <p:anim calcmode="lin" valueType="num">
+                                      <p:cBhvr>
+                                        <p:cTn id="7" dur="500" fill="hold"/>
+                                        <p:tgtEl>
+                                          <p:spTgt spid="9"/>
+                                        </p:tgtEl>
+                                        <p:attrNameLst>
+                                          <p:attrName>ppt_w</p:attrName>
+                                        </p:attrNameLst>
+                                      </p:cBhvr>
+                                      <p:tavLst>
+                                        <p:tav tm="0">
+                                          <p:val>
+                                            <p:fltVal val="0"/>
+                                          </p:val>
+                                        </p:tav>
+                                        <p:tav tm="100000">
+                                          <p:val>
+                                            <p:strVal val="#ppt_w"/>
+                                          </p:val>
+                                        </p:tav>
+                                      </p:tavLst>
+                                    </p:anim>
+                                    <p:anim calcmode="lin" valueType="num">
+                                      <p:cBhvr>
+                                        <p:cTn id="8" dur="500" fill="hold"/>
+                                        <p:tgtEl>
+                                          <p:spTgt spid="9"/>
+                                        </p:tgtEl>
+                                        <p:attrNameLst>
+                                          <p:attrName>ppt_h</p:attrName>
+                                        </p:attrNameLst>
+                                      </p:cBhvr>
+                                      <p:tavLst>
+                                        <p:tav tm="0">
+                                          <p:val>
+                                            <p:fltVal val="0"/>
+                                          </p:val>
+                                        </p:tav>
+                                        <p:tav tm="100000">
+                                          <p:val>
+                                            <p:strVal val="#ppt_h"/>
+                                          </p:val>
+                                        </p:tav>
+                                      </p:tavLst>
+                                    </p:anim>
+                                    <p:animEffect transition="in" filter="fade">
+                                      <p:cBhvr>
+                                        <p:cTn id="9" dur="500"/>
+                                        <p:tgtEl>
+                                          <p:spTgt spid="9"/>
+                                        </p:tgtEl>
+                                      </p:cBhvr>
+                                    </p:animEffect>
+                                  </p:childTnLst>
+                                </p:cTn>
+                              </p:par>
+                            </p:childTnLst>
+                          </p:cTn>
+                        </p:par>
+                      </p:childTnLst>
+                    </p:cTn>
+                  </p:par>
+                  <p:par>
+                    <p:cTn id="10" fill="hold">
+                      <p:stCondLst>
+                        <p:cond delay="indefinite"/>
+                      </p:stCondLst>
+                      <p:childTnLst>
+                        <p:par>
+                          <p:cTn id="11" fill="hold">
+                            <p:stCondLst>
+                              <p:cond delay="0"/>
+                            </p:stCondLst>
+                            <p:childTnLst>
+                              <p:par>
+                                <p:cTn id="12" presetID="42" presetClass="entr" presetSubtype="0" fill="hold" grpId="0" nodeType="clickEffect">
+                                  <p:stCondLst>
+                                    <p:cond delay="0"/>
+                                  </p:stCondLst>
+                                  <p:childTnLst>
+                                    <p:set>
+                                      <p:cBhvr>
+                                        <p:cTn id="13" dur="1" fill="hold">
+                                          <p:stCondLst>
+                                            <p:cond delay="0"/>
+                                          </p:stCondLst>
+                                        </p:cTn>
+                                        <p:tgtEl>
+                                          <p:spTgt spid="7">
+                                            <p:txEl>
+                                              <p:pRg st="0" end="0"/>
+                                            </p:txEl>
+                                          </p:spTgt>
+                                        </p:tgtEl>
+                                        <p:attrNameLst>
+                                          <p:attrName>style.visibility</p:attrName>
+                                        </p:attrNameLst>
+                                      </p:cBhvr>
+                                      <p:to>
+                                        <p:strVal val="visible"/>
+                                      </p:to>
+                                    </p:set>
+                                    <p:animEffect transition="in" filter="fade">
+                                      <p:cBhvr>
+                                        <p:cTn id="14" dur="1000"/>
+                                        <p:tgtEl>
+                                          <p:spTgt spid="7">
+                                            <p:txEl>
+                                              <p:pRg st="0" end="0"/>
+                                            </p:txEl>
+                                          </p:spTgt>
+                                        </p:tgtEl>
+                                      </p:cBhvr>
+                                    </p:animEffect>
+                                    <p:anim calcmode="lin" valueType="num">
+                                      <p:cBhvr>
+                                        <p:cTn id="15" dur="1000" fill="hold"/>
+                                        <p:tgtEl>
+                                          <p:spTgt spid="7">
+                                            <p:txEl>
+                                              <p:pRg st="0" end="0"/>
+                                            </p:txEl>
+                                          </p:spTgt>
+                                        </p:tgtEl>
+                                        <p:attrNameLst>
+                                          <p:attrName>ppt_x</p:attrName>
+                                        </p:attrNameLst>
+                                      </p:cBhvr>
+                                      <p:tavLst>
+                                        <p:tav tm="0">
+                                          <p:val>
+                                            <p:strVal val="#ppt_x"/>
+                                          </p:val>
+                                        </p:tav>
+                                        <p:tav tm="100000">
+                                          <p:val>
+                                            <p:strVal val="#ppt_x"/>
+                                          </p:val>
+                                        </p:tav>
+                                      </p:tavLst>
+                                    </p:anim>
+                                    <p:anim calcmode="lin" valueType="num">
+                                      <p:cBhvr>
+                                        <p:cTn id="16" dur="1000" fill="hold"/>
+                                        <p:tgtEl>
+                                          <p:spTgt spid="7">
+                                            <p:txEl>
+                                              <p:pRg st="0" end="0"/>
+                                            </p:txEl>
+                                          </p:spTgt>
+                                        </p:tgtEl>
+                                        <p:attrNameLst>
+                                          <p:attrName>ppt_y</p:attrName>
+                                        </p:attrNameLst>
+                                      </p:cBhvr>
+                                      <p:tavLst>
+                                        <p:tav tm="0">
+                                          <p:val>
+                                            <p:strVal val="#ppt_y+.1"/>
+                                          </p:val>
+                                        </p:tav>
+                                        <p:tav tm="100000">
+                                          <p:val>
+                                            <p:strVal val="#ppt_y"/>
+                                          </p:val>
+                                        </p:tav>
+                                      </p:tavLst>
+                                    </p:anim>
+                                  </p:childTnLst>
+                                </p:cTn>
+                              </p:par>
+                              <p:par>
+                                <p:cTn id="17" presetID="42" presetClass="entr" presetSubtype="0" fill="hold" grpId="0" nodeType="withEffect">
+                                  <p:stCondLst>
+                                    <p:cond delay="0"/>
+                                  </p:stCondLst>
+                                  <p:childTnLst>
+                                    <p:set>
+                                      <p:cBhvr>
+                                        <p:cTn id="18" dur="1" fill="hold">
+                                          <p:stCondLst>
+                                            <p:cond delay="0"/>
+                                          </p:stCondLst>
+                                        </p:cTn>
+                                        <p:tgtEl>
+                                          <p:spTgt spid="7">
+                                            <p:txEl>
+                                              <p:pRg st="1" end="1"/>
+                                            </p:txEl>
+                                          </p:spTgt>
+                                        </p:tgtEl>
+                                        <p:attrNameLst>
+                                          <p:attrName>style.visibility</p:attrName>
+                                        </p:attrNameLst>
+                                      </p:cBhvr>
+                                      <p:to>
+                                        <p:strVal val="visible"/>
+                                      </p:to>
+                                    </p:set>
+                                    <p:animEffect transition="in" filter="fade">
+                                      <p:cBhvr>
+                                        <p:cTn id="19" dur="1000"/>
+                                        <p:tgtEl>
+                                          <p:spTgt spid="7">
+                                            <p:txEl>
+                                              <p:pRg st="1" end="1"/>
+                                            </p:txEl>
+                                          </p:spTgt>
+                                        </p:tgtEl>
+                                      </p:cBhvr>
+                                    </p:animEffect>
+                                    <p:anim calcmode="lin" valueType="num">
+                                      <p:cBhvr>
+                                        <p:cTn id="20" dur="1000" fill="hold"/>
+                                        <p:tgtEl>
+                                          <p:spTgt spid="7">
+                                            <p:txEl>
+                                              <p:pRg st="1" end="1"/>
+                                            </p:txEl>
+                                          </p:spTgt>
+                                        </p:tgtEl>
+                                        <p:attrNameLst>
+                                          <p:attrName>ppt_x</p:attrName>
+                                        </p:attrNameLst>
+                                      </p:cBhvr>
+                                      <p:tavLst>
+                                        <p:tav tm="0">
+                                          <p:val>
+                                            <p:strVal val="#ppt_x"/>
+                                          </p:val>
+                                        </p:tav>
+                                        <p:tav tm="100000">
+                                          <p:val>
+                                            <p:strVal val="#ppt_x"/>
+                                          </p:val>
+                                        </p:tav>
+                                      </p:tavLst>
+                                    </p:anim>
+                                    <p:anim calcmode="lin" valueType="num">
+                                      <p:cBhvr>
+                                        <p:cTn id="21" dur="1000" fill="hold"/>
+                                        <p:tgtEl>
+                                          <p:spTgt spid="7">
+                                            <p:txEl>
+                                              <p:pRg st="1" end="1"/>
+                                            </p:txEl>
+                                          </p:spTgt>
+                                        </p:tgtEl>
+                                        <p:attrNameLst>
+                                          <p:attrName>ppt_y</p:attrName>
+                                        </p:attrNameLst>
+                                      </p:cBhvr>
+                                      <p:tavLst>
+                                        <p:tav tm="0">
+                                          <p:val>
+                                            <p:strVal val="#ppt_y+.1"/>
+                                          </p:val>
+                                        </p:tav>
+                                        <p:tav tm="100000">
+                                          <p:val>
+                                            <p:strVal val="#ppt_y"/>
+                                          </p:val>
+                                        </p:tav>
+                                      </p:tavLst>
+                                    </p:anim>
+                                  </p:childTnLst>
+                                </p:cTn>
+                              </p:par>
+                              <p:par>
+                                <p:cTn id="22" presetID="42" presetClass="entr" presetSubtype="0" fill="hold" grpId="0" nodeType="withEffect">
+                                  <p:stCondLst>
+                                    <p:cond delay="0"/>
+                                  </p:stCondLst>
+                                  <p:childTnLst>
+                                    <p:set>
+                                      <p:cBhvr>
+                                        <p:cTn id="23" dur="1" fill="hold">
+                                          <p:stCondLst>
+                                            <p:cond delay="0"/>
+                                          </p:stCondLst>
+                                        </p:cTn>
+                                        <p:tgtEl>
+                                          <p:spTgt spid="7">
+                                            <p:txEl>
+                                              <p:pRg st="2" end="2"/>
+                                            </p:txEl>
+                                          </p:spTgt>
+                                        </p:tgtEl>
+                                        <p:attrNameLst>
+                                          <p:attrName>style.visibility</p:attrName>
+                                        </p:attrNameLst>
+                                      </p:cBhvr>
+                                      <p:to>
+                                        <p:strVal val="visible"/>
+                                      </p:to>
+                                    </p:set>
+                                    <p:animEffect transition="in" filter="fade">
+                                      <p:cBhvr>
+                                        <p:cTn id="24" dur="1000"/>
+                                        <p:tgtEl>
+                                          <p:spTgt spid="7">
+                                            <p:txEl>
+                                              <p:pRg st="2" end="2"/>
+                                            </p:txEl>
+                                          </p:spTgt>
+                                        </p:tgtEl>
+                                      </p:cBhvr>
+                                    </p:animEffect>
+                                    <p:anim calcmode="lin" valueType="num">
+                                      <p:cBhvr>
+                                        <p:cTn id="25" dur="1000" fill="hold"/>
+                                        <p:tgtEl>
+                                          <p:spTgt spid="7">
+                                            <p:txEl>
+                                              <p:pRg st="2" end="2"/>
+                                            </p:txEl>
+                                          </p:spTgt>
+                                        </p:tgtEl>
+                                        <p:attrNameLst>
+                                          <p:attrName>ppt_x</p:attrName>
+                                        </p:attrNameLst>
+                                      </p:cBhvr>
+                                      <p:tavLst>
+                                        <p:tav tm="0">
+                                          <p:val>
+                                            <p:strVal val="#ppt_x"/>
+                                          </p:val>
+                                        </p:tav>
+                                        <p:tav tm="100000">
+                                          <p:val>
+                                            <p:strVal val="#ppt_x"/>
+                                          </p:val>
+                                        </p:tav>
+                                      </p:tavLst>
+                                    </p:anim>
+                                    <p:anim calcmode="lin" valueType="num">
+                                      <p:cBhvr>
+                                        <p:cTn id="26" dur="1000" fill="hold"/>
+                                        <p:tgtEl>
+                                          <p:spTgt spid="7">
+                                            <p:txEl>
+                                              <p:pRg st="2" end="2"/>
+                                            </p:txEl>
+                                          </p:spTgt>
+                                        </p:tgtEl>
+                                        <p:attrNameLst>
+                                          <p:attrName>ppt_y</p:attrName>
+                                        </p:attrNameLst>
+                                      </p:cBhvr>
+                                      <p:tavLst>
+                                        <p:tav tm="0">
+                                          <p:val>
+                                            <p:strVal val="#ppt_y+.1"/>
+                                          </p:val>
+                                        </p:tav>
+                                        <p:tav tm="100000">
+                                          <p:val>
+                                            <p:strVal val="#ppt_y"/>
+                                          </p:val>
+                                        </p:tav>
+                                      </p:tavLst>
+                                    </p:anim>
+                                  </p:childTnLst>
+                                </p:cTn>
+                              </p:par>
+                              <p:par>
+                                <p:cTn id="27" presetID="42" presetClass="entr" presetSubtype="0" fill="hold" grpId="0" nodeType="withEffect">
+                                  <p:stCondLst>
+                                    <p:cond delay="0"/>
+                                  </p:stCondLst>
+                                  <p:childTnLst>
+                                    <p:set>
+                                      <p:cBhvr>
+                                        <p:cTn id="28" dur="1" fill="hold">
+                                          <p:stCondLst>
+                                            <p:cond delay="0"/>
+                                          </p:stCondLst>
+                                        </p:cTn>
+                                        <p:tgtEl>
+                                          <p:spTgt spid="7">
+                                            <p:txEl>
+                                              <p:pRg st="3" end="3"/>
+                                            </p:txEl>
+                                          </p:spTgt>
+                                        </p:tgtEl>
+                                        <p:attrNameLst>
+                                          <p:attrName>style.visibility</p:attrName>
+                                        </p:attrNameLst>
+                                      </p:cBhvr>
+                                      <p:to>
+                                        <p:strVal val="visible"/>
+                                      </p:to>
+                                    </p:set>
+                                    <p:animEffect transition="in" filter="fade">
+                                      <p:cBhvr>
+                                        <p:cTn id="29" dur="1000"/>
+                                        <p:tgtEl>
+                                          <p:spTgt spid="7">
+                                            <p:txEl>
+                                              <p:pRg st="3" end="3"/>
+                                            </p:txEl>
+                                          </p:spTgt>
+                                        </p:tgtEl>
+                                      </p:cBhvr>
+                                    </p:animEffect>
+                                    <p:anim calcmode="lin" valueType="num">
+                                      <p:cBhvr>
+                                        <p:cTn id="30" dur="1000" fill="hold"/>
+                                        <p:tgtEl>
+                                          <p:spTgt spid="7">
+                                            <p:txEl>
+                                              <p:pRg st="3" end="3"/>
+                                            </p:txEl>
+                                          </p:spTgt>
+                                        </p:tgtEl>
+                                        <p:attrNameLst>
+                                          <p:attrName>ppt_x</p:attrName>
+                                        </p:attrNameLst>
+                                      </p:cBhvr>
+                                      <p:tavLst>
+                                        <p:tav tm="0">
+                                          <p:val>
+                                            <p:strVal val="#ppt_x"/>
+                                          </p:val>
+                                        </p:tav>
+                                        <p:tav tm="100000">
+                                          <p:val>
+                                            <p:strVal val="#ppt_x"/>
+                                          </p:val>
+                                        </p:tav>
+                                      </p:tavLst>
+                                    </p:anim>
+                                    <p:anim calcmode="lin" valueType="num">
+                                      <p:cBhvr>
+                                        <p:cTn id="31" dur="1000" fill="hold"/>
+                                        <p:tgtEl>
+                                          <p:spTgt spid="7">
+                                            <p:txEl>
+                                              <p:pRg st="3" end="3"/>
+                                            </p:txEl>
+                                          </p:spTgt>
+                                        </p:tgtEl>
+                                        <p:attrNameLst>
+                                          <p:attrName>ppt_y</p:attrName>
+                                        </p:attrNameLst>
+                                      </p:cBhvr>
+                                      <p:tavLst>
+                                        <p:tav tm="0">
+                                          <p:val>
+                                            <p:strVal val="#ppt_y+.1"/>
+                                          </p:val>
+                                        </p:tav>
+                                        <p:tav tm="100000">
+                                          <p:val>
+                                            <p:strVal val="#ppt_y"/>
+                                          </p:val>
+                                        </p:tav>
+                                      </p:tavLst>
+                                    </p:anim>
+                                  </p:childTnLst>
+                                </p:cTn>
+                              </p:par>
+                              <p:par>
+                                <p:cTn id="32" presetID="42" presetClass="entr" presetSubtype="0" fill="hold" grpId="0" nodeType="withEffect">
+                                  <p:stCondLst>
+                                    <p:cond delay="0"/>
+                                  </p:stCondLst>
+                                  <p:childTnLst>
+                                    <p:set>
+                                      <p:cBhvr>
+                                        <p:cTn id="33" dur="1" fill="hold">
+                                          <p:stCondLst>
+                                            <p:cond delay="0"/>
+                                          </p:stCondLst>
+                                        </p:cTn>
+                                        <p:tgtEl>
+                                          <p:spTgt spid="7">
+                                            <p:txEl>
+                                              <p:pRg st="4" end="4"/>
+                                            </p:txEl>
+                                          </p:spTgt>
+                                        </p:tgtEl>
+                                        <p:attrNameLst>
+                                          <p:attrName>style.visibility</p:attrName>
+                                        </p:attrNameLst>
+                                      </p:cBhvr>
+                                      <p:to>
+                                        <p:strVal val="visible"/>
+                                      </p:to>
+                                    </p:set>
+                                    <p:animEffect transition="in" filter="fade">
+                                      <p:cBhvr>
+                                        <p:cTn id="34" dur="1000"/>
+                                        <p:tgtEl>
+                                          <p:spTgt spid="7">
+                                            <p:txEl>
+                                              <p:pRg st="4" end="4"/>
+                                            </p:txEl>
+                                          </p:spTgt>
+                                        </p:tgtEl>
+                                      </p:cBhvr>
+                                    </p:animEffect>
+                                    <p:anim calcmode="lin" valueType="num">
+                                      <p:cBhvr>
+                                        <p:cTn id="35" dur="1000" fill="hold"/>
+                                        <p:tgtEl>
+                                          <p:spTgt spid="7">
+                                            <p:txEl>
+                                              <p:pRg st="4" end="4"/>
+                                            </p:txEl>
+                                          </p:spTgt>
+                                        </p:tgtEl>
+                                        <p:attrNameLst>
+                                          <p:attrName>ppt_x</p:attrName>
+                                        </p:attrNameLst>
+                                      </p:cBhvr>
+                                      <p:tavLst>
+                                        <p:tav tm="0">
+                                          <p:val>
+                                            <p:strVal val="#ppt_x"/>
+                                          </p:val>
+                                        </p:tav>
+                                        <p:tav tm="100000">
+                                          <p:val>
+                                            <p:strVal val="#ppt_x"/>
+                                          </p:val>
+                                        </p:tav>
+                                      </p:tavLst>
+                                    </p:anim>
+                                    <p:anim calcmode="lin" valueType="num">
+                                      <p:cBhvr>
+                                        <p:cTn id="36" dur="1000" fill="hold"/>
+                                        <p:tgtEl>
+                                          <p:spTgt spid="7">
+                                            <p:txEl>
+                                              <p:pRg st="4" end="4"/>
+                                            </p:txEl>
+                                          </p:spTgt>
+                                        </p:tgtEl>
+                                        <p:attrNameLst>
+                                          <p:attrName>ppt_y</p:attrName>
+                                        </p:attrNameLst>
+                                      </p:cBhvr>
+                                      <p:tavLst>
+                                        <p:tav tm="0">
+                                          <p:val>
+                                            <p:strVal val="#ppt_y+.1"/>
+                                          </p:val>
+                                        </p:tav>
+                                        <p:tav tm="100000">
+                                          <p:val>
+                                            <p:strVal val="#ppt_y"/>
+                                          </p:val>
+                                        </p:tav>
+                                      </p:tavLst>
+                                    </p:anim>
+                                  </p:childTnLst>
+                                </p:cTn>
+                              </p:par>
+                            </p:childTnLst>
+                          </p:cTn>
+                        </p:par>
+                      </p:childTnLst>
+                    </p:cTn>
+                  </p:par>
+                </p:childTnLst>
+              </p:cTn>
+              <p:prevCondLst>
+                <p:cond evt="onPrev" delay="0">
+                  <p:tgtEl>
+                    <p:sldTgt/>
+                  </p:tgtEl>
+                </p:cond>
+              </p:prevCondLst>
+              <p:nextCondLst>
+                <p:cond evt="onNext" delay="0">
+                  <p:tgtEl>
+                    <p:sldTgt/>
+                  </p:tgtEl>
+                </p:cond>
+              </p:nextCondLst>
+            </p:seq>
+          </p:childTnLst>
+        </p:cTn>
+      </p:par>
+    </p:tnLst>
+    <p:bldLst>
+      <p:bldP spid="7" grpId="0" build="p"/>
+      <p:bldP spid="9" grpId="0"/>
+    </p:bldLst>
+  </p:timing>
+</p:sld>
+</file>
+
+<file path=ppt/slides/slide6.xml><?xml version="1.0" encoding="utf-8"?>
+<p:sld xmlns:a="http://schemas.openxmlformats.org/drawingml/2006/main" xmlns:r="http://schemas.openxmlformats.org/officeDocument/2006/relationships" xmlns:p="http://schemas.openxmlformats.org/presentationml/2006/main">
+  <p:cSld>
+    <p:spTree>
+      <p:nvGrpSpPr>
+        <p:cNvPr id="1" name=""/>
+        <p:cNvGrpSpPr/>
+        <p:nvPr/>
+      </p:nvGrpSpPr>
+      <p:grpSpPr>
+        <a:xfrm>
+          <a:off x="0" y="0"/>
+          <a:ext cx="0" cy="0"/>
+          <a:chOff x="0" y="0"/>
+          <a:chExt cx="0" cy="0"/>
+        </a:xfrm>
+      </p:grpSpPr>
+      <p:pic>
+        <p:nvPicPr>
+          <p:cNvPr id="5" name="Picture 4">
+            <a:extLst>
+              <a:ext uri="{FF2B5EF4-FFF2-40B4-BE49-F238E27FC236}">
+                <a16:creationId xmlns:a16="http://schemas.microsoft.com/office/drawing/2014/main" id="{BBB0C869-7C5C-4070-BD4D-F3FC2DA8F301}"/>
+              </a:ext>
+            </a:extLst>
+          </p:cNvPr>
+          <p:cNvPicPr>
+            <a:picLocks noChangeAspect="1"/>
+          </p:cNvPicPr>
+          <p:nvPr/>
+        </p:nvPicPr>
+        <p:blipFill rotWithShape="1">
+          <a:blip r:embed="rId2"/>
+          <a:srcRect t="96181"/>
+          <a:stretch/>
+        </p:blipFill>
+        <p:spPr>
+          <a:xfrm>
+            <a:off x="675957" y="6471920"/>
+            <a:ext cx="2143125" cy="193040"/>
+          </a:xfrm>
+          <a:prstGeom prst="rect">
+            <a:avLst/>
+          </a:prstGeom>
+        </p:spPr>
+      </p:pic>
+      <p:sp>
+        <p:nvSpPr>
+          <p:cNvPr id="4" name="Title 3">
+            <a:extLst>
+              <a:ext uri="{FF2B5EF4-FFF2-40B4-BE49-F238E27FC236}">
+                <a16:creationId xmlns:a16="http://schemas.microsoft.com/office/drawing/2014/main" id="{AFE3A2AF-177E-45E6-A191-0F8523DB7FFA}"/>
+              </a:ext>
+            </a:extLst>
+          </p:cNvPr>
+          <p:cNvSpPr>
+            <a:spLocks noGrp="1"/>
+          </p:cNvSpPr>
+          <p:nvPr>
+            <p:ph type="title"/>
+          </p:nvPr>
+        </p:nvSpPr>
+        <p:spPr>
+          <a:xfrm>
+            <a:off x="675957" y="370589"/>
+            <a:ext cx="2981643" cy="830997"/>
+          </a:xfrm>
+        </p:spPr>
+        <p:txBody>
+          <a:bodyPr>
+            <a:normAutofit/>
+          </a:bodyPr>
+          <a:lstStyle/>
+          <a:p>
+            <a:r>
+              <a:rPr lang="en-GB" dirty="0"/>
+              <a:t>RESULTS </a:t>
+            </a:r>
+            <a:endParaRPr lang="en-IN" dirty="0"/>
+          </a:p>
+        </p:txBody>
+      </p:sp>
+      <p:sp>
+        <p:nvSpPr>
+          <p:cNvPr id="7" name="Text Placeholder 30">
+            <a:extLst>
+              <a:ext uri="{FF2B5EF4-FFF2-40B4-BE49-F238E27FC236}">
+                <a16:creationId xmlns:a16="http://schemas.microsoft.com/office/drawing/2014/main" id="{372426BE-BEE7-4A6D-BCD2-059615BBCE25}"/>
+              </a:ext>
+            </a:extLst>
+          </p:cNvPr>
+          <p:cNvSpPr txBox="1">
+            <a:spLocks/>
+          </p:cNvSpPr>
+          <p:nvPr/>
+        </p:nvSpPr>
+        <p:spPr>
+          <a:xfrm>
+            <a:off x="320982" y="1275371"/>
+            <a:ext cx="3343561" cy="666078"/>
+          </a:xfrm>
+          <a:prstGeom prst="rect">
+            <a:avLst/>
+          </a:prstGeom>
+        </p:spPr>
+        <p:txBody>
+          <a:bodyPr vert="horz" lIns="91440" tIns="45720" rIns="91440" bIns="45720" rtlCol="0">
+            <a:normAutofit/>
+          </a:bodyPr>
+          <a:lstStyle>
+            <a:lvl1pPr marL="0" indent="0" algn="ctr" defTabSz="457200" rtl="0" eaLnBrk="1" latinLnBrk="0" hangingPunct="1">
+              <a:spcBef>
+                <a:spcPts val="1000"/>
+              </a:spcBef>
+              <a:spcAft>
+                <a:spcPts val="0"/>
+              </a:spcAft>
+              <a:buClr>
+                <a:schemeClr val="accent1"/>
+              </a:buClr>
+              <a:buSzPct val="80000"/>
+              <a:buFont typeface="Wingdings 3" charset="2"/>
+              <a:buNone/>
+              <a:defRPr lang="en-US" sz="1600" kern="1200" dirty="0" smtClean="0">
+                <a:solidFill>
+                  <a:schemeClr val="tx1"/>
+                </a:solidFill>
+                <a:latin typeface="+mn-lt"/>
+                <a:ea typeface="+mn-ea"/>
+                <a:cs typeface="+mn-cs"/>
+              </a:defRPr>
+            </a:lvl1pPr>
+            <a:lvl2pPr marL="742950" indent="-285750" algn="l" defTabSz="457200" rtl="0" eaLnBrk="1" latinLnBrk="0" hangingPunct="1">
+              <a:spcBef>
+                <a:spcPts val="1000"/>
+              </a:spcBef>
+              <a:spcAft>
+                <a:spcPts val="0"/>
+              </a:spcAft>
+              <a:buClr>
+                <a:schemeClr val="accent1"/>
+              </a:buClr>
+              <a:buSzPct val="80000"/>
+              <a:buFont typeface="Wingdings 3" charset="2"/>
+              <a:buChar char=""/>
+              <a:defRPr sz="1600" kern="1200">
+                <a:solidFill>
+                  <a:schemeClr val="tx1">
+                    <a:lumMod val="75000"/>
+                    <a:lumOff val="25000"/>
+                  </a:schemeClr>
+                </a:solidFill>
+                <a:latin typeface="+mn-lt"/>
+                <a:ea typeface="+mn-ea"/>
+                <a:cs typeface="+mn-cs"/>
+              </a:defRPr>
+            </a:lvl2pPr>
+            <a:lvl3pPr marL="1143000" indent="-228600" algn="l" defTabSz="457200" rtl="0" eaLnBrk="1" latinLnBrk="0" hangingPunct="1">
+              <a:spcBef>
+                <a:spcPts val="1000"/>
+              </a:spcBef>
+              <a:spcAft>
+                <a:spcPts val="0"/>
+              </a:spcAft>
+              <a:buClr>
+                <a:schemeClr val="accent1"/>
+              </a:buClr>
+              <a:buSzPct val="80000"/>
+              <a:buFont typeface="Wingdings 3" charset="2"/>
+              <a:buChar char=""/>
+              <a:defRPr sz="1400" kern="1200">
+                <a:solidFill>
+                  <a:schemeClr val="tx1">
+                    <a:lumMod val="75000"/>
+                    <a:lumOff val="25000"/>
+                  </a:schemeClr>
+                </a:solidFill>
+                <a:latin typeface="+mn-lt"/>
+                <a:ea typeface="+mn-ea"/>
+                <a:cs typeface="+mn-cs"/>
+              </a:defRPr>
+            </a:lvl3pPr>
+            <a:lvl4pPr marL="1600200" indent="-228600" algn="l" defTabSz="457200" rtl="0" eaLnBrk="1" latinLnBrk="0" hangingPunct="1">
+              <a:spcBef>
+                <a:spcPts val="1000"/>
+              </a:spcBef>
+              <a:spcAft>
+                <a:spcPts val="0"/>
+              </a:spcAft>
+              <a:buClr>
+                <a:schemeClr val="accent1"/>
+              </a:buClr>
+              <a:buSzPct val="80000"/>
+              <a:buFont typeface="Wingdings 3" charset="2"/>
+              <a:buChar char=""/>
+              <a:defRPr sz="1200" kern="1200">
+                <a:solidFill>
+                  <a:schemeClr val="tx1">
+                    <a:lumMod val="75000"/>
+                    <a:lumOff val="25000"/>
+                  </a:schemeClr>
+                </a:solidFill>
+                <a:latin typeface="+mn-lt"/>
+                <a:ea typeface="+mn-ea"/>
+                <a:cs typeface="+mn-cs"/>
+              </a:defRPr>
+            </a:lvl4pPr>
+            <a:lvl5pPr marL="2057400" indent="-228600" algn="l" defTabSz="457200" rtl="0" eaLnBrk="1" latinLnBrk="0" hangingPunct="1">
+              <a:spcBef>
+                <a:spcPts val="1000"/>
+              </a:spcBef>
+              <a:spcAft>
+                <a:spcPts val="0"/>
+              </a:spcAft>
+              <a:buClr>
+                <a:schemeClr val="accent1"/>
+              </a:buClr>
+              <a:buSzPct val="80000"/>
+              <a:buFont typeface="Wingdings 3" charset="2"/>
+              <a:buChar char=""/>
+              <a:defRPr sz="1200" kern="1200">
+                <a:solidFill>
+                  <a:schemeClr val="tx1">
+                    <a:lumMod val="75000"/>
+                    <a:lumOff val="25000"/>
+                  </a:schemeClr>
+                </a:solidFill>
+                <a:latin typeface="+mn-lt"/>
+                <a:ea typeface="+mn-ea"/>
+                <a:cs typeface="+mn-cs"/>
+              </a:defRPr>
+            </a:lvl5pPr>
+            <a:lvl6pPr marL="2514600" indent="-228600" algn="l" defTabSz="457200" rtl="0" eaLnBrk="1" latinLnBrk="0" hangingPunct="1">
+              <a:spcBef>
+                <a:spcPts val="1000"/>
+              </a:spcBef>
+              <a:spcAft>
+                <a:spcPts val="0"/>
+              </a:spcAft>
+              <a:buClr>
+                <a:schemeClr val="accent1"/>
+              </a:buClr>
+              <a:buSzPct val="80000"/>
+              <a:buFont typeface="Wingdings 3" charset="2"/>
+              <a:buChar char=""/>
+              <a:defRPr sz="1200" kern="1200">
+                <a:solidFill>
+                  <a:schemeClr val="tx1">
+                    <a:lumMod val="75000"/>
+                    <a:lumOff val="25000"/>
+                  </a:schemeClr>
+                </a:solidFill>
+                <a:latin typeface="+mn-lt"/>
+                <a:ea typeface="+mn-ea"/>
+                <a:cs typeface="+mn-cs"/>
+              </a:defRPr>
+            </a:lvl6pPr>
+            <a:lvl7pPr marL="2971800" indent="-228600" algn="l" defTabSz="457200" rtl="0" eaLnBrk="1" latinLnBrk="0" hangingPunct="1">
+              <a:spcBef>
+                <a:spcPts val="1000"/>
+              </a:spcBef>
+              <a:spcAft>
+                <a:spcPts val="0"/>
+              </a:spcAft>
+              <a:buClr>
+                <a:schemeClr val="accent1"/>
+              </a:buClr>
+              <a:buSzPct val="80000"/>
+              <a:buFont typeface="Wingdings 3" charset="2"/>
+              <a:buChar char=""/>
+              <a:defRPr sz="1200" kern="1200">
+                <a:solidFill>
+                  <a:schemeClr val="tx1">
+                    <a:lumMod val="75000"/>
+                    <a:lumOff val="25000"/>
+                  </a:schemeClr>
+                </a:solidFill>
+                <a:latin typeface="+mn-lt"/>
+                <a:ea typeface="+mn-ea"/>
+                <a:cs typeface="+mn-cs"/>
+              </a:defRPr>
+            </a:lvl7pPr>
+            <a:lvl8pPr marL="3429000" indent="-228600" algn="l" defTabSz="457200" rtl="0" eaLnBrk="1" latinLnBrk="0" hangingPunct="1">
+              <a:spcBef>
+                <a:spcPts val="1000"/>
+              </a:spcBef>
+              <a:spcAft>
+                <a:spcPts val="0"/>
+              </a:spcAft>
+              <a:buClr>
+                <a:schemeClr val="accent1"/>
+              </a:buClr>
+              <a:buSzPct val="80000"/>
+              <a:buFont typeface="Wingdings 3" charset="2"/>
+              <a:buChar char=""/>
+              <a:defRPr sz="1200" kern="1200">
+                <a:solidFill>
+                  <a:schemeClr val="tx1">
+                    <a:lumMod val="75000"/>
+                    <a:lumOff val="25000"/>
+                  </a:schemeClr>
+                </a:solidFill>
+                <a:latin typeface="+mn-lt"/>
+                <a:ea typeface="+mn-ea"/>
+                <a:cs typeface="+mn-cs"/>
+              </a:defRPr>
+            </a:lvl8pPr>
+            <a:lvl9pPr marL="3886200" indent="-228600" algn="l" defTabSz="457200" rtl="0" eaLnBrk="1" latinLnBrk="0" hangingPunct="1">
+              <a:spcBef>
+                <a:spcPts val="1000"/>
+              </a:spcBef>
+              <a:spcAft>
+                <a:spcPts val="0"/>
+              </a:spcAft>
+              <a:buClr>
+                <a:schemeClr val="accent1"/>
+              </a:buClr>
+              <a:buSzPct val="80000"/>
+              <a:buFont typeface="Wingdings 3" charset="2"/>
+              <a:buChar char=""/>
+              <a:defRPr sz="1200" kern="1200">
+                <a:solidFill>
+                  <a:schemeClr val="tx1">
+                    <a:lumMod val="75000"/>
+                    <a:lumOff val="25000"/>
+                  </a:schemeClr>
+                </a:solidFill>
+                <a:latin typeface="+mn-lt"/>
+                <a:ea typeface="+mn-ea"/>
+                <a:cs typeface="+mn-cs"/>
+              </a:defRPr>
+            </a:lvl9pPr>
+          </a:lstStyle>
+          <a:p>
+            <a:endParaRPr lang="en-GB" sz="2000" dirty="0"/>
+          </a:p>
+        </p:txBody>
+      </p:sp>
+      <p:sp>
+        <p:nvSpPr>
+          <p:cNvPr id="8" name="Text Placeholder 30">
+            <a:extLst>
+              <a:ext uri="{FF2B5EF4-FFF2-40B4-BE49-F238E27FC236}">
+                <a16:creationId xmlns:a16="http://schemas.microsoft.com/office/drawing/2014/main" id="{E61E227A-5883-4C77-B25A-46A22FFDF41F}"/>
+              </a:ext>
+            </a:extLst>
+          </p:cNvPr>
+          <p:cNvSpPr txBox="1">
+            <a:spLocks/>
+          </p:cNvSpPr>
+          <p:nvPr/>
+        </p:nvSpPr>
+        <p:spPr>
+          <a:xfrm>
+            <a:off x="4345694" y="1275371"/>
+            <a:ext cx="3343561" cy="666078"/>
+          </a:xfrm>
+          <a:prstGeom prst="rect">
+            <a:avLst/>
+          </a:prstGeom>
+        </p:spPr>
+        <p:txBody>
+          <a:bodyPr vert="horz" lIns="91440" tIns="45720" rIns="91440" bIns="45720" rtlCol="0">
+            <a:normAutofit/>
+          </a:bodyPr>
+          <a:lstStyle>
+            <a:lvl1pPr marL="0" indent="0" algn="ctr" defTabSz="457200" rtl="0" eaLnBrk="1" latinLnBrk="0" hangingPunct="1">
+              <a:spcBef>
+                <a:spcPts val="1000"/>
+              </a:spcBef>
+              <a:spcAft>
+                <a:spcPts val="0"/>
+              </a:spcAft>
+              <a:buClr>
+                <a:schemeClr val="accent1"/>
+              </a:buClr>
+              <a:buSzPct val="80000"/>
+              <a:buFont typeface="Wingdings 3" charset="2"/>
+              <a:buNone/>
+              <a:defRPr lang="en-US" sz="1600" kern="1200" dirty="0" smtClean="0">
+                <a:solidFill>
+                  <a:schemeClr val="tx1"/>
+                </a:solidFill>
+                <a:latin typeface="+mn-lt"/>
+                <a:ea typeface="+mn-ea"/>
+                <a:cs typeface="+mn-cs"/>
+              </a:defRPr>
+            </a:lvl1pPr>
+            <a:lvl2pPr marL="742950" indent="-285750" algn="l" defTabSz="457200" rtl="0" eaLnBrk="1" latinLnBrk="0" hangingPunct="1">
+              <a:spcBef>
+                <a:spcPts val="1000"/>
+              </a:spcBef>
+              <a:spcAft>
+                <a:spcPts val="0"/>
+              </a:spcAft>
+              <a:buClr>
+                <a:schemeClr val="accent1"/>
+              </a:buClr>
+              <a:buSzPct val="80000"/>
+              <a:buFont typeface="Wingdings 3" charset="2"/>
+              <a:buChar char=""/>
+              <a:defRPr sz="1600" kern="1200">
+                <a:solidFill>
+                  <a:schemeClr val="tx1">
+                    <a:lumMod val="75000"/>
+                    <a:lumOff val="25000"/>
+                  </a:schemeClr>
+                </a:solidFill>
+                <a:latin typeface="+mn-lt"/>
+                <a:ea typeface="+mn-ea"/>
+                <a:cs typeface="+mn-cs"/>
+              </a:defRPr>
+            </a:lvl2pPr>
+            <a:lvl3pPr marL="1143000" indent="-228600" algn="l" defTabSz="457200" rtl="0" eaLnBrk="1" latinLnBrk="0" hangingPunct="1">
+              <a:spcBef>
+                <a:spcPts val="1000"/>
+              </a:spcBef>
+              <a:spcAft>
+                <a:spcPts val="0"/>
+              </a:spcAft>
+              <a:buClr>
+                <a:schemeClr val="accent1"/>
+              </a:buClr>
+              <a:buSzPct val="80000"/>
+              <a:buFont typeface="Wingdings 3" charset="2"/>
+              <a:buChar char=""/>
+              <a:defRPr sz="1400" kern="1200">
+                <a:solidFill>
+                  <a:schemeClr val="tx1">
+                    <a:lumMod val="75000"/>
+                    <a:lumOff val="25000"/>
+                  </a:schemeClr>
+                </a:solidFill>
+                <a:latin typeface="+mn-lt"/>
+                <a:ea typeface="+mn-ea"/>
+                <a:cs typeface="+mn-cs"/>
+              </a:defRPr>
+            </a:lvl3pPr>
+            <a:lvl4pPr marL="1600200" indent="-228600" algn="l" defTabSz="457200" rtl="0" eaLnBrk="1" latinLnBrk="0" hangingPunct="1">
+              <a:spcBef>
+                <a:spcPts val="1000"/>
+              </a:spcBef>
+              <a:spcAft>
+                <a:spcPts val="0"/>
+              </a:spcAft>
+              <a:buClr>
+                <a:schemeClr val="accent1"/>
+              </a:buClr>
+              <a:buSzPct val="80000"/>
+              <a:buFont typeface="Wingdings 3" charset="2"/>
+              <a:buChar char=""/>
+              <a:defRPr sz="1200" kern="1200">
+                <a:solidFill>
+                  <a:schemeClr val="tx1">
+                    <a:lumMod val="75000"/>
+                    <a:lumOff val="25000"/>
+                  </a:schemeClr>
+                </a:solidFill>
+                <a:latin typeface="+mn-lt"/>
+                <a:ea typeface="+mn-ea"/>
+                <a:cs typeface="+mn-cs"/>
+              </a:defRPr>
+            </a:lvl4pPr>
+            <a:lvl5pPr marL="2057400" indent="-228600" algn="l" defTabSz="457200" rtl="0" eaLnBrk="1" latinLnBrk="0" hangingPunct="1">
+              <a:spcBef>
+                <a:spcPts val="1000"/>
+              </a:spcBef>
+              <a:spcAft>
+                <a:spcPts val="0"/>
+              </a:spcAft>
+              <a:buClr>
+                <a:schemeClr val="accent1"/>
+              </a:buClr>
+              <a:buSzPct val="80000"/>
+              <a:buFont typeface="Wingdings 3" charset="2"/>
+              <a:buChar char=""/>
+              <a:defRPr sz="1200" kern="1200">
+                <a:solidFill>
+                  <a:schemeClr val="tx1">
+                    <a:lumMod val="75000"/>
+                    <a:lumOff val="25000"/>
+                  </a:schemeClr>
+                </a:solidFill>
+                <a:latin typeface="+mn-lt"/>
+                <a:ea typeface="+mn-ea"/>
+                <a:cs typeface="+mn-cs"/>
+              </a:defRPr>
+            </a:lvl5pPr>
+            <a:lvl6pPr marL="2514600" indent="-228600" algn="l" defTabSz="457200" rtl="0" eaLnBrk="1" latinLnBrk="0" hangingPunct="1">
+              <a:spcBef>
+                <a:spcPts val="1000"/>
+              </a:spcBef>
+              <a:spcAft>
+                <a:spcPts val="0"/>
+              </a:spcAft>
+              <a:buClr>
+                <a:schemeClr val="accent1"/>
+              </a:buClr>
+              <a:buSzPct val="80000"/>
+              <a:buFont typeface="Wingdings 3" charset="2"/>
+              <a:buChar char=""/>
+              <a:defRPr sz="1200" kern="1200">
+                <a:solidFill>
+                  <a:schemeClr val="tx1">
+                    <a:lumMod val="75000"/>
+                    <a:lumOff val="25000"/>
+                  </a:schemeClr>
+                </a:solidFill>
+                <a:latin typeface="+mn-lt"/>
+                <a:ea typeface="+mn-ea"/>
+                <a:cs typeface="+mn-cs"/>
+              </a:defRPr>
+            </a:lvl6pPr>
+            <a:lvl7pPr marL="2971800" indent="-228600" algn="l" defTabSz="457200" rtl="0" eaLnBrk="1" latinLnBrk="0" hangingPunct="1">
+              <a:spcBef>
+                <a:spcPts val="1000"/>
+              </a:spcBef>
+              <a:spcAft>
+                <a:spcPts val="0"/>
+              </a:spcAft>
+              <a:buClr>
+                <a:schemeClr val="accent1"/>
+              </a:buClr>
+              <a:buSzPct val="80000"/>
+              <a:buFont typeface="Wingdings 3" charset="2"/>
+              <a:buChar char=""/>
+              <a:defRPr sz="1200" kern="1200">
+                <a:solidFill>
+                  <a:schemeClr val="tx1">
+                    <a:lumMod val="75000"/>
+                    <a:lumOff val="25000"/>
+                  </a:schemeClr>
+                </a:solidFill>
+                <a:latin typeface="+mn-lt"/>
+                <a:ea typeface="+mn-ea"/>
+                <a:cs typeface="+mn-cs"/>
+              </a:defRPr>
+            </a:lvl7pPr>
+            <a:lvl8pPr marL="3429000" indent="-228600" algn="l" defTabSz="457200" rtl="0" eaLnBrk="1" latinLnBrk="0" hangingPunct="1">
+              <a:spcBef>
+                <a:spcPts val="1000"/>
+              </a:spcBef>
+              <a:spcAft>
+                <a:spcPts val="0"/>
+              </a:spcAft>
+              <a:buClr>
+                <a:schemeClr val="accent1"/>
+              </a:buClr>
+              <a:buSzPct val="80000"/>
+              <a:buFont typeface="Wingdings 3" charset="2"/>
+              <a:buChar char=""/>
+              <a:defRPr sz="1200" kern="1200">
+                <a:solidFill>
+                  <a:schemeClr val="tx1">
+                    <a:lumMod val="75000"/>
+                    <a:lumOff val="25000"/>
+                  </a:schemeClr>
+                </a:solidFill>
+                <a:latin typeface="+mn-lt"/>
+                <a:ea typeface="+mn-ea"/>
+                <a:cs typeface="+mn-cs"/>
+              </a:defRPr>
+            </a:lvl8pPr>
+            <a:lvl9pPr marL="3886200" indent="-228600" algn="l" defTabSz="457200" rtl="0" eaLnBrk="1" latinLnBrk="0" hangingPunct="1">
+              <a:spcBef>
+                <a:spcPts val="1000"/>
+              </a:spcBef>
+              <a:spcAft>
+                <a:spcPts val="0"/>
+              </a:spcAft>
+              <a:buClr>
+                <a:schemeClr val="accent1"/>
+              </a:buClr>
+              <a:buSzPct val="80000"/>
+              <a:buFont typeface="Wingdings 3" charset="2"/>
+              <a:buChar char=""/>
+              <a:defRPr sz="1200" kern="1200">
+                <a:solidFill>
+                  <a:schemeClr val="tx1">
+                    <a:lumMod val="75000"/>
+                    <a:lumOff val="25000"/>
+                  </a:schemeClr>
+                </a:solidFill>
+                <a:latin typeface="+mn-lt"/>
+                <a:ea typeface="+mn-ea"/>
+                <a:cs typeface="+mn-cs"/>
+              </a:defRPr>
+            </a:lvl9pPr>
+          </a:lstStyle>
+          <a:p>
+            <a:endParaRPr lang="en-GB" sz="2000" dirty="0"/>
+          </a:p>
+        </p:txBody>
+      </p:sp>
+      <p:sp>
+        <p:nvSpPr>
+          <p:cNvPr id="9" name="Title 3">
+            <a:extLst>
+              <a:ext uri="{FF2B5EF4-FFF2-40B4-BE49-F238E27FC236}">
+                <a16:creationId xmlns:a16="http://schemas.microsoft.com/office/drawing/2014/main" id="{E25373E9-1A26-4A40-9897-E42DE485D8E3}"/>
+              </a:ext>
+            </a:extLst>
+          </p:cNvPr>
+          <p:cNvSpPr txBox="1">
+            <a:spLocks/>
+          </p:cNvSpPr>
+          <p:nvPr/>
+        </p:nvSpPr>
+        <p:spPr>
+          <a:xfrm>
+            <a:off x="422959" y="5737443"/>
+            <a:ext cx="2981643" cy="830997"/>
+          </a:xfrm>
+          <a:prstGeom prst="rect">
+            <a:avLst/>
+          </a:prstGeom>
+        </p:spPr>
+        <p:txBody>
+          <a:bodyPr vert="horz" lIns="91440" tIns="45720" rIns="91440" bIns="45720" rtlCol="0" anchor="t">
+            <a:normAutofit/>
+          </a:bodyPr>
+          <a:lstStyle>
+            <a:lvl1pPr algn="l" defTabSz="457200" rtl="0" eaLnBrk="1" latinLnBrk="0" hangingPunct="1">
+              <a:spcBef>
+                <a:spcPct val="0"/>
+              </a:spcBef>
+              <a:buNone/>
+              <a:defRPr sz="4800" b="1" kern="1200">
+                <a:solidFill>
+                  <a:schemeClr val="tx1"/>
+                </a:solidFill>
+                <a:latin typeface="+mj-lt"/>
+                <a:ea typeface="+mj-ea"/>
+                <a:cs typeface="+mj-cs"/>
+              </a:defRPr>
+            </a:lvl1pPr>
+            <a:lvl2pPr eaLnBrk="1" hangingPunct="1">
+              <a:defRPr>
+                <a:solidFill>
+                  <a:schemeClr val="tx2"/>
+                </a:solidFill>
+              </a:defRPr>
+            </a:lvl2pPr>
+            <a:lvl3pPr eaLnBrk="1" hangingPunct="1">
+              <a:defRPr>
+                <a:solidFill>
+                  <a:schemeClr val="tx2"/>
+                </a:solidFill>
+              </a:defRPr>
+            </a:lvl3pPr>
+            <a:lvl4pPr eaLnBrk="1" hangingPunct="1">
+              <a:defRPr>
+                <a:solidFill>
+                  <a:schemeClr val="tx2"/>
+                </a:solidFill>
+              </a:defRPr>
+            </a:lvl4pPr>
+            <a:lvl5pPr eaLnBrk="1" hangingPunct="1">
+              <a:defRPr>
+                <a:solidFill>
+                  <a:schemeClr val="tx2"/>
+                </a:solidFill>
+              </a:defRPr>
+            </a:lvl5pPr>
+            <a:lvl6pPr eaLnBrk="1" hangingPunct="1">
+              <a:defRPr>
+                <a:solidFill>
+                  <a:schemeClr val="tx2"/>
+                </a:solidFill>
+              </a:defRPr>
+            </a:lvl6pPr>
+            <a:lvl7pPr eaLnBrk="1" hangingPunct="1">
+              <a:defRPr>
+                <a:solidFill>
+                  <a:schemeClr val="tx2"/>
+                </a:solidFill>
+              </a:defRPr>
+            </a:lvl7pPr>
+            <a:lvl8pPr eaLnBrk="1" hangingPunct="1">
+              <a:defRPr>
+                <a:solidFill>
+                  <a:schemeClr val="tx2"/>
+                </a:solidFill>
+              </a:defRPr>
+            </a:lvl8pPr>
+            <a:lvl9pPr eaLnBrk="1" hangingPunct="1">
+              <a:defRPr>
+                <a:solidFill>
+                  <a:schemeClr val="tx2"/>
+                </a:solidFill>
+              </a:defRPr>
+            </a:lvl9pPr>
+          </a:lstStyle>
+          <a:p>
+            <a:r>
+              <a:rPr lang="en-GB" dirty="0"/>
+              <a:t> </a:t>
+            </a:r>
+            <a:r>
+              <a:rPr lang="en-GB" sz="2000" b="0" u="sng" dirty="0">
+                <a:solidFill>
+                  <a:srgbClr val="0070C0"/>
+                </a:solidFill>
+                <a:hlinkClick r:id="rId3"/>
+              </a:rPr>
+              <a:t>Demo</a:t>
+            </a:r>
+            <a:endParaRPr lang="en-IN" b="0" u="sng" dirty="0">
+              <a:solidFill>
+                <a:srgbClr val="0070C0"/>
+              </a:solidFill>
+            </a:endParaRPr>
+          </a:p>
+        </p:txBody>
+      </p:sp>
+      <p:pic>
+        <p:nvPicPr>
+          <p:cNvPr id="3" name="Picture 2">
+            <a:hlinkClick r:id="rId3"/>
+            <a:extLst>
+              <a:ext uri="{FF2B5EF4-FFF2-40B4-BE49-F238E27FC236}">
+                <a16:creationId xmlns:a16="http://schemas.microsoft.com/office/drawing/2014/main" id="{7BC04FA4-A3BF-A6AB-9391-9DCDA6BF2BC0}"/>
+              </a:ext>
+            </a:extLst>
+          </p:cNvPr>
+          <p:cNvPicPr>
+            <a:picLocks noChangeAspect="1"/>
+          </p:cNvPicPr>
+          <p:nvPr/>
+        </p:nvPicPr>
+        <p:blipFill>
+          <a:blip r:embed="rId4"/>
+          <a:stretch>
+            <a:fillRect/>
+          </a:stretch>
+        </p:blipFill>
+        <p:spPr>
+          <a:xfrm>
+            <a:off x="2118542" y="1201586"/>
+            <a:ext cx="9552997" cy="5173814"/>
+          </a:xfrm>
+          <a:prstGeom prst="rect">
+            <a:avLst/>
+          </a:prstGeom>
+        </p:spPr>
+      </p:pic>
+    </p:spTree>
+    <p:extLst>
+      <p:ext uri="{BB962C8B-B14F-4D97-AF65-F5344CB8AC3E}">
+        <p14:creationId xmlns:p14="http://schemas.microsoft.com/office/powerpoint/2010/main" val="1086225493"/>
+      </p:ext>
+    </p:extLst>
+  </p:cSld>
+  <p:clrMapOvr>
+    <a:masterClrMapping/>
+  </p:clrMapOvr>
+  <p:timing>
+    <p:tnLst>
+      <p:par>
+        <p:cTn id="1" dur="indefinite" restart="never" nodeType="tmRoot">
+          <p:childTnLst>
+            <p:seq concurrent="1" nextAc="seek">
+              <p:cTn id="2" dur="indefinite" nodeType="mainSeq">
+                <p:childTnLst>
+                  <p:par>
+                    <p:cTn id="3" fill="hold">
+                      <p:stCondLst>
+                        <p:cond delay="indefinite"/>
+                      </p:stCondLst>
+                      <p:childTnLst>
+                        <p:par>
+                          <p:cTn id="4" fill="hold">
+                            <p:stCondLst>
+                              <p:cond delay="0"/>
+                            </p:stCondLst>
+                            <p:childTnLst>
+                              <p:par>
+                                <p:cTn id="5" presetID="53" presetClass="entr" presetSubtype="16" fill="hold" grpId="0" nodeType="clickEffect">
+                                  <p:stCondLst>
+                                    <p:cond delay="0"/>
+                                  </p:stCondLst>
+                                  <p:childTnLst>
+                                    <p:set>
+                                      <p:cBhvr>
+                                        <p:cTn id="6" dur="1" fill="hold">
+                                          <p:stCondLst>
+                                            <p:cond delay="0"/>
+                                          </p:stCondLst>
+                                        </p:cTn>
+                                        <p:tgtEl>
+                                          <p:spTgt spid="4"/>
+                                        </p:tgtEl>
+                                        <p:attrNameLst>
+                                          <p:attrName>style.visibility</p:attrName>
+                                        </p:attrNameLst>
+                                      </p:cBhvr>
+                                      <p:to>
+                                        <p:strVal val="visible"/>
+                                      </p:to>
+                                    </p:set>
+                                    <p:anim calcmode="lin" valueType="num">
+                                      <p:cBhvr>
+                                        <p:cTn id="7" dur="500" fill="hold"/>
+                                        <p:tgtEl>
+                                          <p:spTgt spid="4"/>
+                                        </p:tgtEl>
+                                        <p:attrNameLst>
+                                          <p:attrName>ppt_w</p:attrName>
+                                        </p:attrNameLst>
+                                      </p:cBhvr>
+                                      <p:tavLst>
+                                        <p:tav tm="0">
+                                          <p:val>
+                                            <p:fltVal val="0"/>
+                                          </p:val>
+                                        </p:tav>
+                                        <p:tav tm="100000">
+                                          <p:val>
+                                            <p:strVal val="#ppt_w"/>
+                                          </p:val>
+                                        </p:tav>
+                                      </p:tavLst>
+                                    </p:anim>
+                                    <p:anim calcmode="lin" valueType="num">
+                                      <p:cBhvr>
+                                        <p:cTn id="8" dur="500" fill="hold"/>
+                                        <p:tgtEl>
+                                          <p:spTgt spid="4"/>
+                                        </p:tgtEl>
+                                        <p:attrNameLst>
+                                          <p:attrName>ppt_h</p:attrName>
+                                        </p:attrNameLst>
+                                      </p:cBhvr>
+                                      <p:tavLst>
+                                        <p:tav tm="0">
+                                          <p:val>
+                                            <p:fltVal val="0"/>
+                                          </p:val>
+                                        </p:tav>
+                                        <p:tav tm="100000">
+                                          <p:val>
+                                            <p:strVal val="#ppt_h"/>
+                                          </p:val>
+                                        </p:tav>
+                                      </p:tavLst>
+                                    </p:anim>
+                                    <p:animEffect transition="in" filter="fade">
+                                      <p:cBhvr>
+                                        <p:cTn id="9" dur="500"/>
+                                        <p:tgtEl>
+                                          <p:spTgt spid="4"/>
+                                        </p:tgtEl>
+                                      </p:cBhvr>
+                                    </p:animEffect>
+                                  </p:childTnLst>
+                                </p:cTn>
+                              </p:par>
+                            </p:childTnLst>
+                          </p:cTn>
+                        </p:par>
+                      </p:childTnLst>
+                    </p:cTn>
+                  </p:par>
+                  <p:par>
+                    <p:cTn id="10" fill="hold">
+                      <p:stCondLst>
+                        <p:cond delay="indefinite"/>
+                      </p:stCondLst>
+                      <p:childTnLst>
+                        <p:par>
+                          <p:cTn id="11" fill="hold">
+                            <p:stCondLst>
+                              <p:cond delay="0"/>
+                            </p:stCondLst>
+                            <p:childTnLst>
+                              <p:par>
+                                <p:cTn id="12" presetID="42" presetClass="entr" presetSubtype="0" fill="hold" grpId="0" nodeType="clickEffect" nodePh="1">
+                                  <p:stCondLst>
+                                    <p:cond delay="0"/>
+                                  </p:stCondLst>
+                                  <p:endCondLst>
+                                    <p:cond evt="begin" delay="0">
+                                      <p:tn val="12"/>
+                                    </p:cond>
+                                  </p:endCondLst>
+                                  <p:childTnLst>
+                                    <p:set>
+                                      <p:cBhvr>
+                                        <p:cTn id="13" dur="1" fill="hold">
+                                          <p:stCondLst>
+                                            <p:cond delay="0"/>
+                                          </p:stCondLst>
+                                        </p:cTn>
+                                        <p:tgtEl>
+                                          <p:spTgt spid="7"/>
+                                        </p:tgtEl>
+                                        <p:attrNameLst>
+                                          <p:attrName>style.visibility</p:attrName>
+                                        </p:attrNameLst>
+                                      </p:cBhvr>
+                                      <p:to>
+                                        <p:strVal val="visible"/>
+                                      </p:to>
+                                    </p:set>
+                                    <p:animEffect transition="in" filter="fade">
+                                      <p:cBhvr>
+                                        <p:cTn id="14" dur="1000"/>
+                                        <p:tgtEl>
+                                          <p:spTgt spid="7"/>
+                                        </p:tgtEl>
+                                      </p:cBhvr>
+                                    </p:animEffect>
+                                    <p:anim calcmode="lin" valueType="num">
+                                      <p:cBhvr>
+                                        <p:cTn id="15" dur="1000" fill="hold"/>
+                                        <p:tgtEl>
+                                          <p:spTgt spid="7"/>
+                                        </p:tgtEl>
+                                        <p:attrNameLst>
+                                          <p:attrName>ppt_x</p:attrName>
+                                        </p:attrNameLst>
+                                      </p:cBhvr>
+                                      <p:tavLst>
+                                        <p:tav tm="0">
+                                          <p:val>
+                                            <p:strVal val="#ppt_x"/>
+                                          </p:val>
+                                        </p:tav>
+                                        <p:tav tm="100000">
+                                          <p:val>
+                                            <p:strVal val="#ppt_x"/>
+                                          </p:val>
+                                        </p:tav>
+                                      </p:tavLst>
+                                    </p:anim>
+                                    <p:anim calcmode="lin" valueType="num">
+                                      <p:cBhvr>
+                                        <p:cTn id="16" dur="1000" fill="hold"/>
+                                        <p:tgtEl>
+                                          <p:spTgt spid="7"/>
+                                        </p:tgtEl>
+                                        <p:attrNameLst>
+                                          <p:attrName>ppt_y</p:attrName>
+                                        </p:attrNameLst>
+                                      </p:cBhvr>
+                                      <p:tavLst>
+                                        <p:tav tm="0">
+                                          <p:val>
+                                            <p:strVal val="#ppt_y+.1"/>
+                                          </p:val>
+                                        </p:tav>
+                                        <p:tav tm="100000">
+                                          <p:val>
+                                            <p:strVal val="#ppt_y"/>
+                                          </p:val>
+                                        </p:tav>
+                                      </p:tavLst>
+                                    </p:anim>
+                                  </p:childTnLst>
+                                </p:cTn>
+                              </p:par>
+                            </p:childTnLst>
+                          </p:cTn>
+                        </p:par>
+                      </p:childTnLst>
+                    </p:cTn>
+                  </p:par>
+                  <p:par>
+                    <p:cTn id="17" fill="hold">
+                      <p:stCondLst>
+                        <p:cond delay="indefinite"/>
+                      </p:stCondLst>
+                      <p:childTnLst>
+                        <p:par>
+                          <p:cTn id="18" fill="hold">
+                            <p:stCondLst>
+                              <p:cond delay="0"/>
+                            </p:stCondLst>
+                            <p:childTnLst>
+                              <p:par>
+                                <p:cTn id="19" presetID="42" presetClass="entr" presetSubtype="0" fill="hold" grpId="0" nodeType="clickEffect" nodePh="1">
+                                  <p:stCondLst>
+                                    <p:cond delay="0"/>
+                                  </p:stCondLst>
+                                  <p:endCondLst>
+                                    <p:cond evt="begin" delay="0">
+                                      <p:tn val="19"/>
+                                    </p:cond>
+                                  </p:endCondLst>
+                                  <p:childTnLst>
+                                    <p:set>
+                                      <p:cBhvr>
+                                        <p:cTn id="20" dur="1" fill="hold">
+                                          <p:stCondLst>
+                                            <p:cond delay="0"/>
+                                          </p:stCondLst>
+                                        </p:cTn>
+                                        <p:tgtEl>
+                                          <p:spTgt spid="8"/>
+                                        </p:tgtEl>
+                                        <p:attrNameLst>
+                                          <p:attrName>style.visibility</p:attrName>
+                                        </p:attrNameLst>
+                                      </p:cBhvr>
+                                      <p:to>
+                                        <p:strVal val="visible"/>
+                                      </p:to>
+                                    </p:set>
+                                    <p:animEffect transition="in" filter="fade">
+                                      <p:cBhvr>
+                                        <p:cTn id="21" dur="1000"/>
+                                        <p:tgtEl>
+                                          <p:spTgt spid="8"/>
+                                        </p:tgtEl>
+                                      </p:cBhvr>
+                                    </p:animEffect>
+                                    <p:anim calcmode="lin" valueType="num">
+                                      <p:cBhvr>
+                                        <p:cTn id="22" dur="1000" fill="hold"/>
+                                        <p:tgtEl>
+                                          <p:spTgt spid="8"/>
+                                        </p:tgtEl>
+                                        <p:attrNameLst>
+                                          <p:attrName>ppt_x</p:attrName>
+                                        </p:attrNameLst>
+                                      </p:cBhvr>
+                                      <p:tavLst>
+                                        <p:tav tm="0">
+                                          <p:val>
+                                            <p:strVal val="#ppt_x"/>
+                                          </p:val>
+                                        </p:tav>
+                                        <p:tav tm="100000">
+                                          <p:val>
+                                            <p:strVal val="#ppt_x"/>
+                                          </p:val>
+                                        </p:tav>
+                                      </p:tavLst>
+                                    </p:anim>
+                                    <p:anim calcmode="lin" valueType="num">
+                                      <p:cBhvr>
+                                        <p:cTn id="23" dur="1000" fill="hold"/>
+                                        <p:tgtEl>
+                                          <p:spTgt spid="8"/>
+                                        </p:tgtEl>
+                                        <p:attrNameLst>
+                                          <p:attrName>ppt_y</p:attrName>
+                                        </p:attrNameLst>
+                                      </p:cBhvr>
+                                      <p:tavLst>
+                                        <p:tav tm="0">
+                                          <p:val>
+                                            <p:strVal val="#ppt_y+.1"/>
+                                          </p:val>
+                                        </p:tav>
+                                        <p:tav tm="100000">
+                                          <p:val>
+                                            <p:strVal val="#ppt_y"/>
+                                          </p:val>
+                                        </p:tav>
+                                      </p:tavLst>
+                                    </p:anim>
+                                  </p:childTnLst>
+                                </p:cTn>
+                              </p:par>
+                            </p:childTnLst>
+                          </p:cTn>
+                        </p:par>
+                      </p:childTnLst>
+                    </p:cTn>
+                  </p:par>
+                </p:childTnLst>
+              </p:cTn>
+              <p:prevCondLst>
+                <p:cond evt="onPrev" delay="0">
+                  <p:tgtEl>
+                    <p:sldTgt/>
+                  </p:tgtEl>
+                </p:cond>
+              </p:prevCondLst>
+              <p:nextCondLst>
+                <p:cond evt="onNext" delay="0">
+                  <p:tgtEl>
+                    <p:sldTgt/>
+                  </p:tgtEl>
+                </p:cond>
+              </p:nextCondLst>
+            </p:seq>
+          </p:childTnLst>
+        </p:cTn>
+      </p:par>
+    </p:tnLst>
+    <p:bldLst>
+      <p:bldP spid="4" grpId="0"/>
+      <p:bldP spid="7" grpId="0"/>
+      <p:bldP spid="8" grpId="0"/>
+    </p:bldLst>
+  </p:timing>
+</p:sld>
+</file>
+
+<file path=ppt/slides/slide7.xml><?xml version="1.0" encoding="utf-8"?>
+<p:sld xmlns:a="http://schemas.openxmlformats.org/drawingml/2006/main" xmlns:r="http://schemas.openxmlformats.org/officeDocument/2006/relationships" xmlns:p="http://schemas.openxmlformats.org/presentationml/2006/main">
+  <p:cSld>
+    <p:spTree>
+      <p:nvGrpSpPr>
+        <p:cNvPr id="1" name="">
+          <a:extLst>
+            <a:ext uri="{FF2B5EF4-FFF2-40B4-BE49-F238E27FC236}">
+              <a16:creationId xmlns:a16="http://schemas.microsoft.com/office/drawing/2014/main" id="{19B1A001-8B1B-AF74-AFC1-FE366E896C99}"/>
+            </a:ext>
+          </a:extLst>
+        </p:cNvPr>
+        <p:cNvGrpSpPr/>
+        <p:nvPr/>
+      </p:nvGrpSpPr>
+      <p:grpSpPr>
+        <a:xfrm>
+          <a:off x="0" y="0"/>
+          <a:ext cx="0" cy="0"/>
+          <a:chOff x="0" y="0"/>
+          <a:chExt cx="0" cy="0"/>
+        </a:xfrm>
+      </p:grpSpPr>
+      <p:pic>
+        <p:nvPicPr>
+          <p:cNvPr id="5" name="Picture 4">
+            <a:extLst>
+              <a:ext uri="{FF2B5EF4-FFF2-40B4-BE49-F238E27FC236}">
+                <a16:creationId xmlns:a16="http://schemas.microsoft.com/office/drawing/2014/main" id="{DD8A8F9A-BA23-9521-AB30-9A25084C7191}"/>
+              </a:ext>
+            </a:extLst>
+          </p:cNvPr>
+          <p:cNvPicPr>
+            <a:picLocks noChangeAspect="1"/>
+          </p:cNvPicPr>
+          <p:nvPr/>
+        </p:nvPicPr>
+        <p:blipFill rotWithShape="1">
+          <a:blip r:embed="rId2"/>
+          <a:srcRect t="96181"/>
+          <a:stretch/>
+        </p:blipFill>
+        <p:spPr>
+          <a:xfrm>
+            <a:off x="675957" y="6471920"/>
+            <a:ext cx="2143125" cy="193040"/>
+          </a:xfrm>
+          <a:prstGeom prst="rect">
+            <a:avLst/>
+          </a:prstGeom>
+        </p:spPr>
+      </p:pic>
+      <p:sp>
+        <p:nvSpPr>
+          <p:cNvPr id="4" name="Title 3">
+            <a:extLst>
+              <a:ext uri="{FF2B5EF4-FFF2-40B4-BE49-F238E27FC236}">
+                <a16:creationId xmlns:a16="http://schemas.microsoft.com/office/drawing/2014/main" id="{A1DB0DD0-A9C2-CF47-9AF4-0CBEC62F7379}"/>
+              </a:ext>
+            </a:extLst>
+          </p:cNvPr>
+          <p:cNvSpPr>
+            <a:spLocks noGrp="1"/>
+          </p:cNvSpPr>
+          <p:nvPr>
+            <p:ph type="title"/>
+          </p:nvPr>
+        </p:nvSpPr>
+        <p:spPr>
+          <a:xfrm>
+            <a:off x="675957" y="370589"/>
+            <a:ext cx="2981643" cy="830997"/>
+          </a:xfrm>
+        </p:spPr>
+        <p:txBody>
+          <a:bodyPr>
+            <a:normAutofit/>
+          </a:bodyPr>
+          <a:lstStyle/>
+          <a:p>
+            <a:r>
+              <a:rPr lang="en-GB" dirty="0"/>
+              <a:t>RESULTS </a:t>
+            </a:r>
+            <a:endParaRPr lang="en-IN" dirty="0"/>
+          </a:p>
+        </p:txBody>
+      </p:sp>
+      <p:sp>
+        <p:nvSpPr>
+          <p:cNvPr id="7" name="Text Placeholder 30">
+            <a:extLst>
+              <a:ext uri="{FF2B5EF4-FFF2-40B4-BE49-F238E27FC236}">
+                <a16:creationId xmlns:a16="http://schemas.microsoft.com/office/drawing/2014/main" id="{A6F52144-65D3-DE65-95D6-941AC69FF99F}"/>
+              </a:ext>
+            </a:extLst>
+          </p:cNvPr>
+          <p:cNvSpPr txBox="1">
+            <a:spLocks/>
+          </p:cNvSpPr>
+          <p:nvPr/>
+        </p:nvSpPr>
+        <p:spPr>
+          <a:xfrm>
+            <a:off x="320982" y="1275371"/>
+            <a:ext cx="3343561" cy="666078"/>
+          </a:xfrm>
+          <a:prstGeom prst="rect">
+            <a:avLst/>
+          </a:prstGeom>
+        </p:spPr>
+        <p:txBody>
+          <a:bodyPr vert="horz" lIns="91440" tIns="45720" rIns="91440" bIns="45720" rtlCol="0">
+            <a:normAutofit/>
+          </a:bodyPr>
+          <a:lstStyle>
+            <a:lvl1pPr marL="0" indent="0" algn="ctr" defTabSz="457200" rtl="0" eaLnBrk="1" latinLnBrk="0" hangingPunct="1">
+              <a:spcBef>
+                <a:spcPts val="1000"/>
+              </a:spcBef>
+              <a:spcAft>
+                <a:spcPts val="0"/>
+              </a:spcAft>
+              <a:buClr>
+                <a:schemeClr val="accent1"/>
+              </a:buClr>
+              <a:buSzPct val="80000"/>
+              <a:buFont typeface="Wingdings 3" charset="2"/>
+              <a:buNone/>
+              <a:defRPr lang="en-US" sz="1600" kern="1200" dirty="0" smtClean="0">
+                <a:solidFill>
+                  <a:schemeClr val="tx1"/>
+                </a:solidFill>
+                <a:latin typeface="+mn-lt"/>
+                <a:ea typeface="+mn-ea"/>
+                <a:cs typeface="+mn-cs"/>
+              </a:defRPr>
+            </a:lvl1pPr>
+            <a:lvl2pPr marL="742950" indent="-285750" algn="l" defTabSz="457200" rtl="0" eaLnBrk="1" latinLnBrk="0" hangingPunct="1">
+              <a:spcBef>
+                <a:spcPts val="1000"/>
+              </a:spcBef>
+              <a:spcAft>
+                <a:spcPts val="0"/>
+              </a:spcAft>
+              <a:buClr>
+                <a:schemeClr val="accent1"/>
+              </a:buClr>
+              <a:buSzPct val="80000"/>
+              <a:buFont typeface="Wingdings 3" charset="2"/>
+              <a:buChar char=""/>
+              <a:defRPr sz="1600" kern="1200">
+                <a:solidFill>
+                  <a:schemeClr val="tx1">
+                    <a:lumMod val="75000"/>
+                    <a:lumOff val="25000"/>
+                  </a:schemeClr>
+                </a:solidFill>
+                <a:latin typeface="+mn-lt"/>
+                <a:ea typeface="+mn-ea"/>
+                <a:cs typeface="+mn-cs"/>
+              </a:defRPr>
+            </a:lvl2pPr>
+            <a:lvl3pPr marL="1143000" indent="-228600" algn="l" defTabSz="457200" rtl="0" eaLnBrk="1" latinLnBrk="0" hangingPunct="1">
+              <a:spcBef>
+                <a:spcPts val="1000"/>
+              </a:spcBef>
+              <a:spcAft>
+                <a:spcPts val="0"/>
+              </a:spcAft>
+              <a:buClr>
+                <a:schemeClr val="accent1"/>
+              </a:buClr>
+              <a:buSzPct val="80000"/>
+              <a:buFont typeface="Wingdings 3" charset="2"/>
+              <a:buChar char=""/>
+              <a:defRPr sz="1400" kern="1200">
+                <a:solidFill>
+                  <a:schemeClr val="tx1">
+                    <a:lumMod val="75000"/>
+                    <a:lumOff val="25000"/>
+                  </a:schemeClr>
+                </a:solidFill>
+                <a:latin typeface="+mn-lt"/>
+                <a:ea typeface="+mn-ea"/>
+                <a:cs typeface="+mn-cs"/>
+              </a:defRPr>
+            </a:lvl3pPr>
+            <a:lvl4pPr marL="1600200" indent="-228600" algn="l" defTabSz="457200" rtl="0" eaLnBrk="1" latinLnBrk="0" hangingPunct="1">
+              <a:spcBef>
+                <a:spcPts val="1000"/>
+              </a:spcBef>
+              <a:spcAft>
+                <a:spcPts val="0"/>
+              </a:spcAft>
+              <a:buClr>
+                <a:schemeClr val="accent1"/>
+              </a:buClr>
+              <a:buSzPct val="80000"/>
+              <a:buFont typeface="Wingdings 3" charset="2"/>
+              <a:buChar char=""/>
+              <a:defRPr sz="1200" kern="1200">
+                <a:solidFill>
+                  <a:schemeClr val="tx1">
+                    <a:lumMod val="75000"/>
+                    <a:lumOff val="25000"/>
+                  </a:schemeClr>
+                </a:solidFill>
+                <a:latin typeface="+mn-lt"/>
+                <a:ea typeface="+mn-ea"/>
+                <a:cs typeface="+mn-cs"/>
+              </a:defRPr>
+            </a:lvl4pPr>
+            <a:lvl5pPr marL="2057400" indent="-228600" algn="l" defTabSz="457200" rtl="0" eaLnBrk="1" latinLnBrk="0" hangingPunct="1">
+              <a:spcBef>
+                <a:spcPts val="1000"/>
+              </a:spcBef>
+              <a:spcAft>
+                <a:spcPts val="0"/>
+              </a:spcAft>
+              <a:buClr>
+                <a:schemeClr val="accent1"/>
+              </a:buClr>
+              <a:buSzPct val="80000"/>
+              <a:buFont typeface="Wingdings 3" charset="2"/>
+              <a:buChar char=""/>
+              <a:defRPr sz="1200" kern="1200">
+                <a:solidFill>
+                  <a:schemeClr val="tx1">
+                    <a:lumMod val="75000"/>
+                    <a:lumOff val="25000"/>
+                  </a:schemeClr>
+                </a:solidFill>
+                <a:latin typeface="+mn-lt"/>
+                <a:ea typeface="+mn-ea"/>
+                <a:cs typeface="+mn-cs"/>
+              </a:defRPr>
+            </a:lvl5pPr>
+            <a:lvl6pPr marL="2514600" indent="-228600" algn="l" defTabSz="457200" rtl="0" eaLnBrk="1" latinLnBrk="0" hangingPunct="1">
+              <a:spcBef>
+                <a:spcPts val="1000"/>
+              </a:spcBef>
+              <a:spcAft>
+                <a:spcPts val="0"/>
+              </a:spcAft>
+              <a:buClr>
+                <a:schemeClr val="accent1"/>
+              </a:buClr>
+              <a:buSzPct val="80000"/>
+              <a:buFont typeface="Wingdings 3" charset="2"/>
+              <a:buChar char=""/>
+              <a:defRPr sz="1200" kern="1200">
+                <a:solidFill>
+                  <a:schemeClr val="tx1">
+                    <a:lumMod val="75000"/>
+                    <a:lumOff val="25000"/>
+                  </a:schemeClr>
+                </a:solidFill>
+                <a:latin typeface="+mn-lt"/>
+                <a:ea typeface="+mn-ea"/>
+                <a:cs typeface="+mn-cs"/>
+              </a:defRPr>
+            </a:lvl6pPr>
+            <a:lvl7pPr marL="2971800" indent="-228600" algn="l" defTabSz="457200" rtl="0" eaLnBrk="1" latinLnBrk="0" hangingPunct="1">
+              <a:spcBef>
+                <a:spcPts val="1000"/>
+              </a:spcBef>
+              <a:spcAft>
+                <a:spcPts val="0"/>
+              </a:spcAft>
+              <a:buClr>
+                <a:schemeClr val="accent1"/>
+              </a:buClr>
+              <a:buSzPct val="80000"/>
+              <a:buFont typeface="Wingdings 3" charset="2"/>
+              <a:buChar char=""/>
+              <a:defRPr sz="1200" kern="1200">
+                <a:solidFill>
+                  <a:schemeClr val="tx1">
+                    <a:lumMod val="75000"/>
+                    <a:lumOff val="25000"/>
+                  </a:schemeClr>
+                </a:solidFill>
+                <a:latin typeface="+mn-lt"/>
+                <a:ea typeface="+mn-ea"/>
+                <a:cs typeface="+mn-cs"/>
+              </a:defRPr>
+            </a:lvl7pPr>
+            <a:lvl8pPr marL="3429000" indent="-228600" algn="l" defTabSz="457200" rtl="0" eaLnBrk="1" latinLnBrk="0" hangingPunct="1">
+              <a:spcBef>
+                <a:spcPts val="1000"/>
+              </a:spcBef>
+              <a:spcAft>
+                <a:spcPts val="0"/>
+              </a:spcAft>
+              <a:buClr>
+                <a:schemeClr val="accent1"/>
+              </a:buClr>
+              <a:buSzPct val="80000"/>
+              <a:buFont typeface="Wingdings 3" charset="2"/>
+              <a:buChar char=""/>
+              <a:defRPr sz="1200" kern="1200">
+                <a:solidFill>
+                  <a:schemeClr val="tx1">
+                    <a:lumMod val="75000"/>
+                    <a:lumOff val="25000"/>
+                  </a:schemeClr>
+                </a:solidFill>
+                <a:latin typeface="+mn-lt"/>
+                <a:ea typeface="+mn-ea"/>
+                <a:cs typeface="+mn-cs"/>
+              </a:defRPr>
+            </a:lvl8pPr>
+            <a:lvl9pPr marL="3886200" indent="-228600" algn="l" defTabSz="457200" rtl="0" eaLnBrk="1" latinLnBrk="0" hangingPunct="1">
+              <a:spcBef>
+                <a:spcPts val="1000"/>
+              </a:spcBef>
+              <a:spcAft>
+                <a:spcPts val="0"/>
+              </a:spcAft>
+              <a:buClr>
+                <a:schemeClr val="accent1"/>
+              </a:buClr>
+              <a:buSzPct val="80000"/>
+              <a:buFont typeface="Wingdings 3" charset="2"/>
+              <a:buChar char=""/>
+              <a:defRPr sz="1200" kern="1200">
+                <a:solidFill>
+                  <a:schemeClr val="tx1">
+                    <a:lumMod val="75000"/>
+                    <a:lumOff val="25000"/>
+                  </a:schemeClr>
+                </a:solidFill>
+                <a:latin typeface="+mn-lt"/>
+                <a:ea typeface="+mn-ea"/>
+                <a:cs typeface="+mn-cs"/>
+              </a:defRPr>
+            </a:lvl9pPr>
+          </a:lstStyle>
+          <a:p>
+            <a:endParaRPr lang="en-GB" sz="2000" dirty="0"/>
+          </a:p>
+        </p:txBody>
+      </p:sp>
+      <p:sp>
+        <p:nvSpPr>
+          <p:cNvPr id="8" name="Text Placeholder 30">
+            <a:extLst>
+              <a:ext uri="{FF2B5EF4-FFF2-40B4-BE49-F238E27FC236}">
+                <a16:creationId xmlns:a16="http://schemas.microsoft.com/office/drawing/2014/main" id="{EA3D1CA8-BFF5-4C9F-1803-46ACDDA86713}"/>
+              </a:ext>
+            </a:extLst>
+          </p:cNvPr>
+          <p:cNvSpPr txBox="1">
+            <a:spLocks/>
+          </p:cNvSpPr>
+          <p:nvPr/>
+        </p:nvSpPr>
+        <p:spPr>
+          <a:xfrm>
+            <a:off x="4345694" y="1275371"/>
+            <a:ext cx="3343561" cy="666078"/>
+          </a:xfrm>
+          <a:prstGeom prst="rect">
+            <a:avLst/>
+          </a:prstGeom>
+        </p:spPr>
+        <p:txBody>
+          <a:bodyPr vert="horz" lIns="91440" tIns="45720" rIns="91440" bIns="45720" rtlCol="0">
+            <a:normAutofit/>
+          </a:bodyPr>
+          <a:lstStyle>
+            <a:lvl1pPr marL="0" indent="0" algn="ctr" defTabSz="457200" rtl="0" eaLnBrk="1" latinLnBrk="0" hangingPunct="1">
+              <a:spcBef>
+                <a:spcPts val="1000"/>
+              </a:spcBef>
+              <a:spcAft>
+                <a:spcPts val="0"/>
+              </a:spcAft>
+              <a:buClr>
+                <a:schemeClr val="accent1"/>
+              </a:buClr>
+              <a:buSzPct val="80000"/>
+              <a:buFont typeface="Wingdings 3" charset="2"/>
+              <a:buNone/>
+              <a:defRPr lang="en-US" sz="1600" kern="1200" dirty="0" smtClean="0">
+                <a:solidFill>
+                  <a:schemeClr val="tx1"/>
+                </a:solidFill>
+                <a:latin typeface="+mn-lt"/>
+                <a:ea typeface="+mn-ea"/>
+                <a:cs typeface="+mn-cs"/>
+              </a:defRPr>
+            </a:lvl1pPr>
+            <a:lvl2pPr marL="742950" indent="-285750" algn="l" defTabSz="457200" rtl="0" eaLnBrk="1" latinLnBrk="0" hangingPunct="1">
+              <a:spcBef>
+                <a:spcPts val="1000"/>
+              </a:spcBef>
+              <a:spcAft>
+                <a:spcPts val="0"/>
+              </a:spcAft>
+              <a:buClr>
+                <a:schemeClr val="accent1"/>
+              </a:buClr>
+              <a:buSzPct val="80000"/>
+              <a:buFont typeface="Wingdings 3" charset="2"/>
+              <a:buChar char=""/>
+              <a:defRPr sz="1600" kern="1200">
+                <a:solidFill>
+                  <a:schemeClr val="tx1">
+                    <a:lumMod val="75000"/>
+                    <a:lumOff val="25000"/>
+                  </a:schemeClr>
+                </a:solidFill>
+                <a:latin typeface="+mn-lt"/>
+                <a:ea typeface="+mn-ea"/>
+                <a:cs typeface="+mn-cs"/>
+              </a:defRPr>
+            </a:lvl2pPr>
+            <a:lvl3pPr marL="1143000" indent="-228600" algn="l" defTabSz="457200" rtl="0" eaLnBrk="1" latinLnBrk="0" hangingPunct="1">
+              <a:spcBef>
+                <a:spcPts val="1000"/>
+              </a:spcBef>
+              <a:spcAft>
+                <a:spcPts val="0"/>
+              </a:spcAft>
+              <a:buClr>
+                <a:schemeClr val="accent1"/>
+              </a:buClr>
+              <a:buSzPct val="80000"/>
+              <a:buFont typeface="Wingdings 3" charset="2"/>
+              <a:buChar char=""/>
+              <a:defRPr sz="1400" kern="1200">
+                <a:solidFill>
+                  <a:schemeClr val="tx1">
+                    <a:lumMod val="75000"/>
+                    <a:lumOff val="25000"/>
+                  </a:schemeClr>
+                </a:solidFill>
+                <a:latin typeface="+mn-lt"/>
+                <a:ea typeface="+mn-ea"/>
+                <a:cs typeface="+mn-cs"/>
+              </a:defRPr>
+            </a:lvl3pPr>
+            <a:lvl4pPr marL="1600200" indent="-228600" algn="l" defTabSz="457200" rtl="0" eaLnBrk="1" latinLnBrk="0" hangingPunct="1">
+              <a:spcBef>
+                <a:spcPts val="1000"/>
+              </a:spcBef>
+              <a:spcAft>
+                <a:spcPts val="0"/>
+              </a:spcAft>
+              <a:buClr>
+                <a:schemeClr val="accent1"/>
+              </a:buClr>
+              <a:buSzPct val="80000"/>
+              <a:buFont typeface="Wingdings 3" charset="2"/>
+              <a:buChar char=""/>
+              <a:defRPr sz="1200" kern="1200">
+                <a:solidFill>
+                  <a:schemeClr val="tx1">
+                    <a:lumMod val="75000"/>
+                    <a:lumOff val="25000"/>
+                  </a:schemeClr>
+                </a:solidFill>
+                <a:latin typeface="+mn-lt"/>
+                <a:ea typeface="+mn-ea"/>
+                <a:cs typeface="+mn-cs"/>
+              </a:defRPr>
+            </a:lvl4pPr>
+            <a:lvl5pPr marL="2057400" indent="-228600" algn="l" defTabSz="457200" rtl="0" eaLnBrk="1" latinLnBrk="0" hangingPunct="1">
+              <a:spcBef>
+                <a:spcPts val="1000"/>
+              </a:spcBef>
+              <a:spcAft>
+                <a:spcPts val="0"/>
+              </a:spcAft>
+              <a:buClr>
+                <a:schemeClr val="accent1"/>
+              </a:buClr>
+              <a:buSzPct val="80000"/>
+              <a:buFont typeface="Wingdings 3" charset="2"/>
+              <a:buChar char=""/>
+              <a:defRPr sz="1200" kern="1200">
+                <a:solidFill>
+                  <a:schemeClr val="tx1">
+                    <a:lumMod val="75000"/>
+                    <a:lumOff val="25000"/>
+                  </a:schemeClr>
+                </a:solidFill>
+                <a:latin typeface="+mn-lt"/>
+                <a:ea typeface="+mn-ea"/>
+                <a:cs typeface="+mn-cs"/>
+              </a:defRPr>
+            </a:lvl5pPr>
+            <a:lvl6pPr marL="2514600" indent="-228600" algn="l" defTabSz="457200" rtl="0" eaLnBrk="1" latinLnBrk="0" hangingPunct="1">
+              <a:spcBef>
+                <a:spcPts val="1000"/>
+              </a:spcBef>
+              <a:spcAft>
+                <a:spcPts val="0"/>
+              </a:spcAft>
+              <a:buClr>
+                <a:schemeClr val="accent1"/>
+              </a:buClr>
+              <a:buSzPct val="80000"/>
+              <a:buFont typeface="Wingdings 3" charset="2"/>
+              <a:buChar char=""/>
+              <a:defRPr sz="1200" kern="1200">
+                <a:solidFill>
+                  <a:schemeClr val="tx1">
+                    <a:lumMod val="75000"/>
+                    <a:lumOff val="25000"/>
+                  </a:schemeClr>
+                </a:solidFill>
+                <a:latin typeface="+mn-lt"/>
+                <a:ea typeface="+mn-ea"/>
+                <a:cs typeface="+mn-cs"/>
+              </a:defRPr>
+            </a:lvl6pPr>
+            <a:lvl7pPr marL="2971800" indent="-228600" algn="l" defTabSz="457200" rtl="0" eaLnBrk="1" latinLnBrk="0" hangingPunct="1">
+              <a:spcBef>
+                <a:spcPts val="1000"/>
+              </a:spcBef>
+              <a:spcAft>
+                <a:spcPts val="0"/>
+              </a:spcAft>
+              <a:buClr>
+                <a:schemeClr val="accent1"/>
+              </a:buClr>
+              <a:buSzPct val="80000"/>
+              <a:buFont typeface="Wingdings 3" charset="2"/>
+              <a:buChar char=""/>
+              <a:defRPr sz="1200" kern="1200">
+                <a:solidFill>
+                  <a:schemeClr val="tx1">
+                    <a:lumMod val="75000"/>
+                    <a:lumOff val="25000"/>
+                  </a:schemeClr>
+                </a:solidFill>
+                <a:latin typeface="+mn-lt"/>
+                <a:ea typeface="+mn-ea"/>
+                <a:cs typeface="+mn-cs"/>
+              </a:defRPr>
+            </a:lvl7pPr>
+            <a:lvl8pPr marL="3429000" indent="-228600" algn="l" defTabSz="457200" rtl="0" eaLnBrk="1" latinLnBrk="0" hangingPunct="1">
+              <a:spcBef>
+                <a:spcPts val="1000"/>
+              </a:spcBef>
+              <a:spcAft>
+                <a:spcPts val="0"/>
+              </a:spcAft>
+              <a:buClr>
+                <a:schemeClr val="accent1"/>
+              </a:buClr>
+              <a:buSzPct val="80000"/>
+              <a:buFont typeface="Wingdings 3" charset="2"/>
+              <a:buChar char=""/>
+              <a:defRPr sz="1200" kern="1200">
+                <a:solidFill>
+                  <a:schemeClr val="tx1">
+                    <a:lumMod val="75000"/>
+                    <a:lumOff val="25000"/>
+                  </a:schemeClr>
+                </a:solidFill>
+                <a:latin typeface="+mn-lt"/>
+                <a:ea typeface="+mn-ea"/>
+                <a:cs typeface="+mn-cs"/>
+              </a:defRPr>
+            </a:lvl8pPr>
+            <a:lvl9pPr marL="3886200" indent="-228600" algn="l" defTabSz="457200" rtl="0" eaLnBrk="1" latinLnBrk="0" hangingPunct="1">
+              <a:spcBef>
+                <a:spcPts val="1000"/>
+              </a:spcBef>
+              <a:spcAft>
+                <a:spcPts val="0"/>
+              </a:spcAft>
+              <a:buClr>
+                <a:schemeClr val="accent1"/>
+              </a:buClr>
+              <a:buSzPct val="80000"/>
+              <a:buFont typeface="Wingdings 3" charset="2"/>
+              <a:buChar char=""/>
+              <a:defRPr sz="1200" kern="1200">
+                <a:solidFill>
+                  <a:schemeClr val="tx1">
+                    <a:lumMod val="75000"/>
+                    <a:lumOff val="25000"/>
+                  </a:schemeClr>
+                </a:solidFill>
+                <a:latin typeface="+mn-lt"/>
+                <a:ea typeface="+mn-ea"/>
+                <a:cs typeface="+mn-cs"/>
+              </a:defRPr>
+            </a:lvl9pPr>
+          </a:lstStyle>
+          <a:p>
+            <a:endParaRPr lang="en-GB" sz="2000" dirty="0"/>
+          </a:p>
+        </p:txBody>
+      </p:sp>
+      <p:sp>
+        <p:nvSpPr>
+          <p:cNvPr id="9" name="Title 3">
+            <a:extLst>
+              <a:ext uri="{FF2B5EF4-FFF2-40B4-BE49-F238E27FC236}">
+                <a16:creationId xmlns:a16="http://schemas.microsoft.com/office/drawing/2014/main" id="{2A0F279C-2571-5DB5-C898-FDB1F2F97F54}"/>
+              </a:ext>
+            </a:extLst>
+          </p:cNvPr>
+          <p:cNvSpPr txBox="1">
+            <a:spLocks/>
+          </p:cNvSpPr>
+          <p:nvPr/>
+        </p:nvSpPr>
+        <p:spPr>
+          <a:xfrm>
+            <a:off x="422959" y="5737443"/>
+            <a:ext cx="2981643" cy="830997"/>
+          </a:xfrm>
+          <a:prstGeom prst="rect">
+            <a:avLst/>
+          </a:prstGeom>
+        </p:spPr>
+        <p:txBody>
+          <a:bodyPr vert="horz" lIns="91440" tIns="45720" rIns="91440" bIns="45720" rtlCol="0" anchor="t">
+            <a:normAutofit/>
+          </a:bodyPr>
+          <a:lstStyle>
+            <a:lvl1pPr algn="l" defTabSz="457200" rtl="0" eaLnBrk="1" latinLnBrk="0" hangingPunct="1">
+              <a:spcBef>
+                <a:spcPct val="0"/>
+              </a:spcBef>
+              <a:buNone/>
+              <a:defRPr sz="4800" b="1" kern="1200">
+                <a:solidFill>
+                  <a:schemeClr val="tx1"/>
+                </a:solidFill>
+                <a:latin typeface="+mj-lt"/>
+                <a:ea typeface="+mj-ea"/>
+                <a:cs typeface="+mj-cs"/>
+              </a:defRPr>
+            </a:lvl1pPr>
+            <a:lvl2pPr eaLnBrk="1" hangingPunct="1">
+              <a:defRPr>
+                <a:solidFill>
+                  <a:schemeClr val="tx2"/>
+                </a:solidFill>
+              </a:defRPr>
+            </a:lvl2pPr>
+            <a:lvl3pPr eaLnBrk="1" hangingPunct="1">
+              <a:defRPr>
+                <a:solidFill>
+                  <a:schemeClr val="tx2"/>
+                </a:solidFill>
+              </a:defRPr>
+            </a:lvl3pPr>
+            <a:lvl4pPr eaLnBrk="1" hangingPunct="1">
+              <a:defRPr>
+                <a:solidFill>
+                  <a:schemeClr val="tx2"/>
+                </a:solidFill>
+              </a:defRPr>
+            </a:lvl4pPr>
+            <a:lvl5pPr eaLnBrk="1" hangingPunct="1">
+              <a:defRPr>
+                <a:solidFill>
+                  <a:schemeClr val="tx2"/>
+                </a:solidFill>
+              </a:defRPr>
+            </a:lvl5pPr>
+            <a:lvl6pPr eaLnBrk="1" hangingPunct="1">
+              <a:defRPr>
+                <a:solidFill>
+                  <a:schemeClr val="tx2"/>
+                </a:solidFill>
+              </a:defRPr>
+            </a:lvl6pPr>
+            <a:lvl7pPr eaLnBrk="1" hangingPunct="1">
+              <a:defRPr>
+                <a:solidFill>
+                  <a:schemeClr val="tx2"/>
+                </a:solidFill>
+              </a:defRPr>
+            </a:lvl7pPr>
+            <a:lvl8pPr eaLnBrk="1" hangingPunct="1">
+              <a:defRPr>
+                <a:solidFill>
+                  <a:schemeClr val="tx2"/>
+                </a:solidFill>
+              </a:defRPr>
+            </a:lvl8pPr>
+            <a:lvl9pPr eaLnBrk="1" hangingPunct="1">
+              <a:defRPr>
+                <a:solidFill>
+                  <a:schemeClr val="tx2"/>
+                </a:solidFill>
+              </a:defRPr>
+            </a:lvl9pPr>
+          </a:lstStyle>
+          <a:p>
+            <a:r>
+              <a:rPr lang="en-GB" dirty="0"/>
+              <a:t> </a:t>
+            </a:r>
+            <a:r>
+              <a:rPr lang="en-GB" sz="2000" b="0" u="sng" dirty="0">
+                <a:solidFill>
+                  <a:srgbClr val="0070C0"/>
+                </a:solidFill>
+                <a:hlinkClick r:id="rId3"/>
+              </a:rPr>
+              <a:t>Demo</a:t>
+            </a:r>
+            <a:endParaRPr lang="en-IN" b="0" u="sng" dirty="0">
+              <a:solidFill>
+                <a:srgbClr val="0070C0"/>
+              </a:solidFill>
+            </a:endParaRPr>
+          </a:p>
+        </p:txBody>
+      </p:sp>
+      <p:pic>
+        <p:nvPicPr>
+          <p:cNvPr id="12" name="Picture 11" descr="A screenshot of a graph&#10;&#10;Description automatically generated">
+            <a:hlinkClick r:id="rId3"/>
+            <a:extLst>
+              <a:ext uri="{FF2B5EF4-FFF2-40B4-BE49-F238E27FC236}">
+                <a16:creationId xmlns:a16="http://schemas.microsoft.com/office/drawing/2014/main" id="{145A9006-42E1-3975-31A5-DD4EB0725E1C}"/>
+              </a:ext>
+            </a:extLst>
+          </p:cNvPr>
+          <p:cNvPicPr>
+            <a:picLocks noChangeAspect="1"/>
+          </p:cNvPicPr>
+          <p:nvPr/>
+        </p:nvPicPr>
+        <p:blipFill>
+          <a:blip r:embed="rId4" r:link="rId5"/>
+          <a:stretch>
+            <a:fillRect/>
+          </a:stretch>
+        </p:blipFill>
+        <p:spPr>
+          <a:xfrm>
+            <a:off x="1747519" y="1104181"/>
+            <a:ext cx="9389183" cy="5106838"/>
+          </a:xfrm>
+          <a:prstGeom prst="rect">
+            <a:avLst/>
+          </a:prstGeom>
+        </p:spPr>
+      </p:pic>
+    </p:spTree>
+    <p:extLst>
+      <p:ext uri="{BB962C8B-B14F-4D97-AF65-F5344CB8AC3E}">
+        <p14:creationId xmlns:p14="http://schemas.microsoft.com/office/powerpoint/2010/main" val="612126099"/>
+      </p:ext>
+    </p:extLst>
+  </p:cSld>
+  <p:clrMapOvr>
+    <a:masterClrMapping/>
+  </p:clrMapOvr>
+  <p:timing>
+    <p:tnLst>
+      <p:par>
+        <p:cTn id="1" dur="indefinite" restart="never" nodeType="tmRoot">
+          <p:childTnLst>
+            <p:seq concurrent="1" nextAc="seek">
+              <p:cTn id="2" dur="indefinite" nodeType="mainSeq">
+                <p:childTnLst>
+                  <p:par>
+                    <p:cTn id="3" fill="hold">
+                      <p:stCondLst>
+                        <p:cond delay="indefinite"/>
+                      </p:stCondLst>
+                      <p:childTnLst>
+                        <p:par>
+                          <p:cTn id="4" fill="hold">
+                            <p:stCondLst>
+                              <p:cond delay="0"/>
+                            </p:stCondLst>
+                            <p:childTnLst>
+                              <p:par>
+                                <p:cTn id="5" presetID="53" presetClass="entr" presetSubtype="16" fill="hold" grpId="0" nodeType="clickEffect">
+                                  <p:stCondLst>
+                                    <p:cond delay="0"/>
+                                  </p:stCondLst>
+                                  <p:childTnLst>
+                                    <p:set>
+                                      <p:cBhvr>
+                                        <p:cTn id="6" dur="1" fill="hold">
+                                          <p:stCondLst>
+                                            <p:cond delay="0"/>
+                                          </p:stCondLst>
+                                        </p:cTn>
+                                        <p:tgtEl>
+                                          <p:spTgt spid="4"/>
+                                        </p:tgtEl>
+                                        <p:attrNameLst>
+                                          <p:attrName>style.visibility</p:attrName>
+                                        </p:attrNameLst>
+                                      </p:cBhvr>
+                                      <p:to>
+                                        <p:strVal val="visible"/>
+                                      </p:to>
+                                    </p:set>
+                                    <p:anim calcmode="lin" valueType="num">
+                                      <p:cBhvr>
+                                        <p:cTn id="7" dur="500" fill="hold"/>
+                                        <p:tgtEl>
+                                          <p:spTgt spid="4"/>
+                                        </p:tgtEl>
+                                        <p:attrNameLst>
+                                          <p:attrName>ppt_w</p:attrName>
+                                        </p:attrNameLst>
+                                      </p:cBhvr>
+                                      <p:tavLst>
+                                        <p:tav tm="0">
+                                          <p:val>
+                                            <p:fltVal val="0"/>
+                                          </p:val>
+                                        </p:tav>
+                                        <p:tav tm="100000">
+                                          <p:val>
+                                            <p:strVal val="#ppt_w"/>
+                                          </p:val>
+                                        </p:tav>
+                                      </p:tavLst>
+                                    </p:anim>
+                                    <p:anim calcmode="lin" valueType="num">
+                                      <p:cBhvr>
+                                        <p:cTn id="8" dur="500" fill="hold"/>
+                                        <p:tgtEl>
+                                          <p:spTgt spid="4"/>
+                                        </p:tgtEl>
+                                        <p:attrNameLst>
+                                          <p:attrName>ppt_h</p:attrName>
+                                        </p:attrNameLst>
+                                      </p:cBhvr>
+                                      <p:tavLst>
+                                        <p:tav tm="0">
+                                          <p:val>
+                                            <p:fltVal val="0"/>
+                                          </p:val>
+                                        </p:tav>
+                                        <p:tav tm="100000">
+                                          <p:val>
+                                            <p:strVal val="#ppt_h"/>
+                                          </p:val>
+                                        </p:tav>
+                                      </p:tavLst>
+                                    </p:anim>
+                                    <p:animEffect transition="in" filter="fade">
+                                      <p:cBhvr>
+                                        <p:cTn id="9" dur="500"/>
+                                        <p:tgtEl>
+                                          <p:spTgt spid="4"/>
+                                        </p:tgtEl>
+                                      </p:cBhvr>
+                                    </p:animEffect>
+                                  </p:childTnLst>
+                                </p:cTn>
+                              </p:par>
+                            </p:childTnLst>
+                          </p:cTn>
+                        </p:par>
+                      </p:childTnLst>
+                    </p:cTn>
+                  </p:par>
+                  <p:par>
+                    <p:cTn id="10" fill="hold">
+                      <p:stCondLst>
+                        <p:cond delay="indefinite"/>
+                      </p:stCondLst>
+                      <p:childTnLst>
+                        <p:par>
+                          <p:cTn id="11" fill="hold">
+                            <p:stCondLst>
+                              <p:cond delay="0"/>
+                            </p:stCondLst>
+                            <p:childTnLst>
+                              <p:par>
+                                <p:cTn id="12" presetID="42" presetClass="entr" presetSubtype="0" fill="hold" grpId="0" nodeType="clickEffect" nodePh="1">
+                                  <p:stCondLst>
+                                    <p:cond delay="0"/>
+                                  </p:stCondLst>
+                                  <p:endCondLst>
+                                    <p:cond evt="begin" delay="0">
+                                      <p:tn val="12"/>
+                                    </p:cond>
+                                  </p:endCondLst>
+                                  <p:childTnLst>
+                                    <p:set>
+                                      <p:cBhvr>
+                                        <p:cTn id="13" dur="1" fill="hold">
+                                          <p:stCondLst>
+                                            <p:cond delay="0"/>
+                                          </p:stCondLst>
+                                        </p:cTn>
+                                        <p:tgtEl>
+                                          <p:spTgt spid="7"/>
+                                        </p:tgtEl>
+                                        <p:attrNameLst>
+                                          <p:attrName>style.visibility</p:attrName>
+                                        </p:attrNameLst>
+                                      </p:cBhvr>
+                                      <p:to>
+                                        <p:strVal val="visible"/>
+                                      </p:to>
+                                    </p:set>
+                                    <p:animEffect transition="in" filter="fade">
+                                      <p:cBhvr>
+                                        <p:cTn id="14" dur="1000"/>
+                                        <p:tgtEl>
+                                          <p:spTgt spid="7"/>
+                                        </p:tgtEl>
+                                      </p:cBhvr>
+                                    </p:animEffect>
+                                    <p:anim calcmode="lin" valueType="num">
+                                      <p:cBhvr>
+                                        <p:cTn id="15" dur="1000" fill="hold"/>
+                                        <p:tgtEl>
+                                          <p:spTgt spid="7"/>
+                                        </p:tgtEl>
+                                        <p:attrNameLst>
+                                          <p:attrName>ppt_x</p:attrName>
+                                        </p:attrNameLst>
+                                      </p:cBhvr>
+                                      <p:tavLst>
+                                        <p:tav tm="0">
+                                          <p:val>
+                                            <p:strVal val="#ppt_x"/>
+                                          </p:val>
+                                        </p:tav>
+                                        <p:tav tm="100000">
+                                          <p:val>
+                                            <p:strVal val="#ppt_x"/>
+                                          </p:val>
+                                        </p:tav>
+                                      </p:tavLst>
+                                    </p:anim>
+                                    <p:anim calcmode="lin" valueType="num">
+                                      <p:cBhvr>
+                                        <p:cTn id="16" dur="1000" fill="hold"/>
+                                        <p:tgtEl>
+                                          <p:spTgt spid="7"/>
+                                        </p:tgtEl>
+                                        <p:attrNameLst>
+                                          <p:attrName>ppt_y</p:attrName>
+                                        </p:attrNameLst>
+                                      </p:cBhvr>
+                                      <p:tavLst>
+                                        <p:tav tm="0">
+                                          <p:val>
+                                            <p:strVal val="#ppt_y+.1"/>
+                                          </p:val>
+                                        </p:tav>
+                                        <p:tav tm="100000">
+                                          <p:val>
+                                            <p:strVal val="#ppt_y"/>
+                                          </p:val>
+                                        </p:tav>
+                                      </p:tavLst>
+                                    </p:anim>
+                                  </p:childTnLst>
+                                </p:cTn>
+                              </p:par>
+                            </p:childTnLst>
+                          </p:cTn>
+                        </p:par>
+                      </p:childTnLst>
+                    </p:cTn>
+                  </p:par>
+                  <p:par>
+                    <p:cTn id="17" fill="hold">
+                      <p:stCondLst>
+                        <p:cond delay="indefinite"/>
+                      </p:stCondLst>
+                      <p:childTnLst>
+                        <p:par>
+                          <p:cTn id="18" fill="hold">
+                            <p:stCondLst>
+                              <p:cond delay="0"/>
+                            </p:stCondLst>
+                            <p:childTnLst>
+                              <p:par>
+                                <p:cTn id="19" presetID="42" presetClass="entr" presetSubtype="0" fill="hold" grpId="0" nodeType="clickEffect" nodePh="1">
+                                  <p:stCondLst>
+                                    <p:cond delay="0"/>
+                                  </p:stCondLst>
+                                  <p:endCondLst>
+                                    <p:cond evt="begin" delay="0">
+                                      <p:tn val="19"/>
+                                    </p:cond>
+                                  </p:endCondLst>
+                                  <p:childTnLst>
+                                    <p:set>
+                                      <p:cBhvr>
+                                        <p:cTn id="20" dur="1" fill="hold">
+                                          <p:stCondLst>
+                                            <p:cond delay="0"/>
+                                          </p:stCondLst>
+                                        </p:cTn>
+                                        <p:tgtEl>
+                                          <p:spTgt spid="8"/>
+                                        </p:tgtEl>
+                                        <p:attrNameLst>
+                                          <p:attrName>style.visibility</p:attrName>
+                                        </p:attrNameLst>
+                                      </p:cBhvr>
+                                      <p:to>
+                                        <p:strVal val="visible"/>
+                                      </p:to>
+                                    </p:set>
+                                    <p:animEffect transition="in" filter="fade">
+                                      <p:cBhvr>
+                                        <p:cTn id="21" dur="1000"/>
+                                        <p:tgtEl>
+                                          <p:spTgt spid="8"/>
+                                        </p:tgtEl>
+                                      </p:cBhvr>
+                                    </p:animEffect>
+                                    <p:anim calcmode="lin" valueType="num">
+                                      <p:cBhvr>
+                                        <p:cTn id="22" dur="1000" fill="hold"/>
+                                        <p:tgtEl>
+                                          <p:spTgt spid="8"/>
+                                        </p:tgtEl>
+                                        <p:attrNameLst>
+                                          <p:attrName>ppt_x</p:attrName>
+                                        </p:attrNameLst>
+                                      </p:cBhvr>
+                                      <p:tavLst>
+                                        <p:tav tm="0">
+                                          <p:val>
+                                            <p:strVal val="#ppt_x"/>
+                                          </p:val>
+                                        </p:tav>
+                                        <p:tav tm="100000">
+                                          <p:val>
+                                            <p:strVal val="#ppt_x"/>
+                                          </p:val>
+                                        </p:tav>
+                                      </p:tavLst>
+                                    </p:anim>
+                                    <p:anim calcmode="lin" valueType="num">
+                                      <p:cBhvr>
+                                        <p:cTn id="23" dur="1000" fill="hold"/>
+                                        <p:tgtEl>
+                                          <p:spTgt spid="8"/>
+                                        </p:tgtEl>
+                                        <p:attrNameLst>
+                                          <p:attrName>ppt_y</p:attrName>
+                                        </p:attrNameLst>
+                                      </p:cBhvr>
+                                      <p:tavLst>
+                                        <p:tav tm="0">
+                                          <p:val>
+                                            <p:strVal val="#ppt_y+.1"/>
+                                          </p:val>
+                                        </p:tav>
+                                        <p:tav tm="100000">
+                                          <p:val>
+                                            <p:strVal val="#ppt_y"/>
+                                          </p:val>
+                                        </p:tav>
+                                      </p:tavLst>
+                                    </p:anim>
+                                  </p:childTnLst>
+                                </p:cTn>
+                              </p:par>
+                            </p:childTnLst>
+                          </p:cTn>
+                        </p:par>
+                      </p:childTnLst>
+                    </p:cTn>
+                  </p:par>
+                </p:childTnLst>
+              </p:cTn>
+              <p:prevCondLst>
+                <p:cond evt="onPrev" delay="0">
+                  <p:tgtEl>
+                    <p:sldTgt/>
+                  </p:tgtEl>
+                </p:cond>
+              </p:prevCondLst>
+              <p:nextCondLst>
+                <p:cond evt="onNext" delay="0">
+                  <p:tgtEl>
+                    <p:sldTgt/>
+                  </p:tgtEl>
+                </p:cond>
+              </p:nextCondLst>
+            </p:seq>
+          </p:childTnLst>
+        </p:cTn>
+      </p:par>
+    </p:tnLst>
+    <p:bldLst>
+      <p:bldP spid="4" grpId="0"/>
+      <p:bldP spid="7" grpId="0"/>
+      <p:bldP spid="8" grpId="0"/>
+    </p:bldLst>
+  </p:timing>
+</p:sld>
+</file>
+
+<file path=ppt/slides/slide8.xml><?xml version="1.0" encoding="utf-8"?>
+<p:sld xmlns:a="http://schemas.openxmlformats.org/drawingml/2006/main" xmlns:r="http://schemas.openxmlformats.org/officeDocument/2006/relationships" xmlns:p="http://schemas.openxmlformats.org/presentationml/2006/main">
+  <p:cSld>
+    <p:spTree>
+      <p:nvGrpSpPr>
+        <p:cNvPr id="1" name="">
+          <a:extLst>
+            <a:ext uri="{FF2B5EF4-FFF2-40B4-BE49-F238E27FC236}">
+              <a16:creationId xmlns:a16="http://schemas.microsoft.com/office/drawing/2014/main" id="{A7C54AEE-7F1D-C304-AB59-BC0A036C5467}"/>
+            </a:ext>
+          </a:extLst>
+        </p:cNvPr>
+        <p:cNvGrpSpPr/>
+        <p:nvPr/>
+      </p:nvGrpSpPr>
+      <p:grpSpPr>
+        <a:xfrm>
+          <a:off x="0" y="0"/>
+          <a:ext cx="0" cy="0"/>
+          <a:chOff x="0" y="0"/>
+          <a:chExt cx="0" cy="0"/>
+        </a:xfrm>
+      </p:grpSpPr>
+      <p:pic>
+        <p:nvPicPr>
+          <p:cNvPr id="5" name="Picture 4">
+            <a:extLst>
+              <a:ext uri="{FF2B5EF4-FFF2-40B4-BE49-F238E27FC236}">
+                <a16:creationId xmlns:a16="http://schemas.microsoft.com/office/drawing/2014/main" id="{64E4898E-70CF-10A1-E8B2-2B2F6B5E87E1}"/>
+              </a:ext>
+            </a:extLst>
+          </p:cNvPr>
+          <p:cNvPicPr>
+            <a:picLocks noChangeAspect="1"/>
+          </p:cNvPicPr>
+          <p:nvPr/>
+        </p:nvPicPr>
+        <p:blipFill rotWithShape="1">
+          <a:blip r:embed="rId2"/>
+          <a:srcRect t="96181"/>
+          <a:stretch/>
+        </p:blipFill>
+        <p:spPr>
+          <a:xfrm>
+            <a:off x="675957" y="6471920"/>
+            <a:ext cx="2143125" cy="193040"/>
+          </a:xfrm>
+          <a:prstGeom prst="rect">
+            <a:avLst/>
+          </a:prstGeom>
+        </p:spPr>
+      </p:pic>
+      <p:sp>
+        <p:nvSpPr>
+          <p:cNvPr id="4" name="Title 3">
+            <a:extLst>
+              <a:ext uri="{FF2B5EF4-FFF2-40B4-BE49-F238E27FC236}">
+                <a16:creationId xmlns:a16="http://schemas.microsoft.com/office/drawing/2014/main" id="{1FEA5DC7-DFF5-BC57-B950-4CE7E2769E26}"/>
+              </a:ext>
+            </a:extLst>
+          </p:cNvPr>
+          <p:cNvSpPr>
+            <a:spLocks noGrp="1"/>
+          </p:cNvSpPr>
+          <p:nvPr>
+            <p:ph type="title"/>
+          </p:nvPr>
+        </p:nvSpPr>
+        <p:spPr>
+          <a:xfrm>
+            <a:off x="675957" y="370589"/>
+            <a:ext cx="2981643" cy="830997"/>
+          </a:xfrm>
+        </p:spPr>
+        <p:txBody>
+          <a:bodyPr>
+            <a:normAutofit/>
+          </a:bodyPr>
+          <a:lstStyle/>
+          <a:p>
+            <a:r>
+              <a:rPr lang="en-GB" dirty="0"/>
+              <a:t>RESULTS </a:t>
+            </a:r>
+            <a:endParaRPr lang="en-IN" dirty="0"/>
+          </a:p>
+        </p:txBody>
+      </p:sp>
+      <p:sp>
+        <p:nvSpPr>
+          <p:cNvPr id="7" name="Text Placeholder 30">
+            <a:extLst>
+              <a:ext uri="{FF2B5EF4-FFF2-40B4-BE49-F238E27FC236}">
+                <a16:creationId xmlns:a16="http://schemas.microsoft.com/office/drawing/2014/main" id="{34AB4BE3-0193-034E-0680-123A6B44BF4A}"/>
+              </a:ext>
+            </a:extLst>
+          </p:cNvPr>
+          <p:cNvSpPr txBox="1">
+            <a:spLocks/>
+          </p:cNvSpPr>
+          <p:nvPr/>
+        </p:nvSpPr>
+        <p:spPr>
+          <a:xfrm>
+            <a:off x="320982" y="1275371"/>
+            <a:ext cx="3343561" cy="666078"/>
+          </a:xfrm>
+          <a:prstGeom prst="rect">
+            <a:avLst/>
+          </a:prstGeom>
+        </p:spPr>
+        <p:txBody>
+          <a:bodyPr vert="horz" lIns="91440" tIns="45720" rIns="91440" bIns="45720" rtlCol="0">
+            <a:normAutofit/>
+          </a:bodyPr>
+          <a:lstStyle>
+            <a:lvl1pPr marL="0" indent="0" algn="ctr" defTabSz="457200" rtl="0" eaLnBrk="1" latinLnBrk="0" hangingPunct="1">
+              <a:spcBef>
+                <a:spcPts val="1000"/>
+              </a:spcBef>
+              <a:spcAft>
+                <a:spcPts val="0"/>
+              </a:spcAft>
+              <a:buClr>
+                <a:schemeClr val="accent1"/>
+              </a:buClr>
+              <a:buSzPct val="80000"/>
+              <a:buFont typeface="Wingdings 3" charset="2"/>
+              <a:buNone/>
+              <a:defRPr lang="en-US" sz="1600" kern="1200" dirty="0" smtClean="0">
+                <a:solidFill>
+                  <a:schemeClr val="tx1"/>
+                </a:solidFill>
+                <a:latin typeface="+mn-lt"/>
+                <a:ea typeface="+mn-ea"/>
+                <a:cs typeface="+mn-cs"/>
+              </a:defRPr>
+            </a:lvl1pPr>
+            <a:lvl2pPr marL="742950" indent="-285750" algn="l" defTabSz="457200" rtl="0" eaLnBrk="1" latinLnBrk="0" hangingPunct="1">
+              <a:spcBef>
+                <a:spcPts val="1000"/>
+              </a:spcBef>
+              <a:spcAft>
+                <a:spcPts val="0"/>
+              </a:spcAft>
+              <a:buClr>
+                <a:schemeClr val="accent1"/>
+              </a:buClr>
+              <a:buSzPct val="80000"/>
+              <a:buFont typeface="Wingdings 3" charset="2"/>
+              <a:buChar char=""/>
+              <a:defRPr sz="1600" kern="1200">
+                <a:solidFill>
+                  <a:schemeClr val="tx1">
+                    <a:lumMod val="75000"/>
+                    <a:lumOff val="25000"/>
+                  </a:schemeClr>
+                </a:solidFill>
+                <a:latin typeface="+mn-lt"/>
+                <a:ea typeface="+mn-ea"/>
+                <a:cs typeface="+mn-cs"/>
+              </a:defRPr>
+            </a:lvl2pPr>
+            <a:lvl3pPr marL="1143000" indent="-228600" algn="l" defTabSz="457200" rtl="0" eaLnBrk="1" latinLnBrk="0" hangingPunct="1">
+              <a:spcBef>
+                <a:spcPts val="1000"/>
+              </a:spcBef>
+              <a:spcAft>
+                <a:spcPts val="0"/>
+              </a:spcAft>
+              <a:buClr>
+                <a:schemeClr val="accent1"/>
+              </a:buClr>
+              <a:buSzPct val="80000"/>
+              <a:buFont typeface="Wingdings 3" charset="2"/>
+              <a:buChar char=""/>
+              <a:defRPr sz="1400" kern="1200">
+                <a:solidFill>
+                  <a:schemeClr val="tx1">
+                    <a:lumMod val="75000"/>
+                    <a:lumOff val="25000"/>
+                  </a:schemeClr>
+                </a:solidFill>
+                <a:latin typeface="+mn-lt"/>
+                <a:ea typeface="+mn-ea"/>
+                <a:cs typeface="+mn-cs"/>
+              </a:defRPr>
+            </a:lvl3pPr>
+            <a:lvl4pPr marL="1600200" indent="-228600" algn="l" defTabSz="457200" rtl="0" eaLnBrk="1" latinLnBrk="0" hangingPunct="1">
+              <a:spcBef>
+                <a:spcPts val="1000"/>
+              </a:spcBef>
+              <a:spcAft>
+                <a:spcPts val="0"/>
+              </a:spcAft>
+              <a:buClr>
+                <a:schemeClr val="accent1"/>
+              </a:buClr>
+              <a:buSzPct val="80000"/>
+              <a:buFont typeface="Wingdings 3" charset="2"/>
+              <a:buChar char=""/>
+              <a:defRPr sz="1200" kern="1200">
+                <a:solidFill>
+                  <a:schemeClr val="tx1">
+                    <a:lumMod val="75000"/>
+                    <a:lumOff val="25000"/>
+                  </a:schemeClr>
+                </a:solidFill>
+                <a:latin typeface="+mn-lt"/>
+                <a:ea typeface="+mn-ea"/>
+                <a:cs typeface="+mn-cs"/>
+              </a:defRPr>
+            </a:lvl4pPr>
+            <a:lvl5pPr marL="2057400" indent="-228600" algn="l" defTabSz="457200" rtl="0" eaLnBrk="1" latinLnBrk="0" hangingPunct="1">
+              <a:spcBef>
+                <a:spcPts val="1000"/>
+              </a:spcBef>
+              <a:spcAft>
+                <a:spcPts val="0"/>
+              </a:spcAft>
+              <a:buClr>
+                <a:schemeClr val="accent1"/>
+              </a:buClr>
+              <a:buSzPct val="80000"/>
+              <a:buFont typeface="Wingdings 3" charset="2"/>
+              <a:buChar char=""/>
+              <a:defRPr sz="1200" kern="1200">
+                <a:solidFill>
+                  <a:schemeClr val="tx1">
+                    <a:lumMod val="75000"/>
+                    <a:lumOff val="25000"/>
+                  </a:schemeClr>
+                </a:solidFill>
+                <a:latin typeface="+mn-lt"/>
+                <a:ea typeface="+mn-ea"/>
+                <a:cs typeface="+mn-cs"/>
+              </a:defRPr>
+            </a:lvl5pPr>
+            <a:lvl6pPr marL="2514600" indent="-228600" algn="l" defTabSz="457200" rtl="0" eaLnBrk="1" latinLnBrk="0" hangingPunct="1">
+              <a:spcBef>
+                <a:spcPts val="1000"/>
+              </a:spcBef>
+              <a:spcAft>
+                <a:spcPts val="0"/>
+              </a:spcAft>
+              <a:buClr>
+                <a:schemeClr val="accent1"/>
+              </a:buClr>
+              <a:buSzPct val="80000"/>
+              <a:buFont typeface="Wingdings 3" charset="2"/>
+              <a:buChar char=""/>
+              <a:defRPr sz="1200" kern="1200">
+                <a:solidFill>
+                  <a:schemeClr val="tx1">
+                    <a:lumMod val="75000"/>
+                    <a:lumOff val="25000"/>
+                  </a:schemeClr>
+                </a:solidFill>
+                <a:latin typeface="+mn-lt"/>
+                <a:ea typeface="+mn-ea"/>
+                <a:cs typeface="+mn-cs"/>
+              </a:defRPr>
+            </a:lvl6pPr>
+            <a:lvl7pPr marL="2971800" indent="-228600" algn="l" defTabSz="457200" rtl="0" eaLnBrk="1" latinLnBrk="0" hangingPunct="1">
+              <a:spcBef>
+                <a:spcPts val="1000"/>
+              </a:spcBef>
+              <a:spcAft>
+                <a:spcPts val="0"/>
+              </a:spcAft>
+              <a:buClr>
+                <a:schemeClr val="accent1"/>
+              </a:buClr>
+              <a:buSzPct val="80000"/>
+              <a:buFont typeface="Wingdings 3" charset="2"/>
+              <a:buChar char=""/>
+              <a:defRPr sz="1200" kern="1200">
+                <a:solidFill>
+                  <a:schemeClr val="tx1">
+                    <a:lumMod val="75000"/>
+                    <a:lumOff val="25000"/>
+                  </a:schemeClr>
+                </a:solidFill>
+                <a:latin typeface="+mn-lt"/>
+                <a:ea typeface="+mn-ea"/>
+                <a:cs typeface="+mn-cs"/>
+              </a:defRPr>
+            </a:lvl7pPr>
+            <a:lvl8pPr marL="3429000" indent="-228600" algn="l" defTabSz="457200" rtl="0" eaLnBrk="1" latinLnBrk="0" hangingPunct="1">
+              <a:spcBef>
+                <a:spcPts val="1000"/>
+              </a:spcBef>
+              <a:spcAft>
+                <a:spcPts val="0"/>
+              </a:spcAft>
+              <a:buClr>
+                <a:schemeClr val="accent1"/>
+              </a:buClr>
+              <a:buSzPct val="80000"/>
+              <a:buFont typeface="Wingdings 3" charset="2"/>
+              <a:buChar char=""/>
+              <a:defRPr sz="1200" kern="1200">
+                <a:solidFill>
+                  <a:schemeClr val="tx1">
+                    <a:lumMod val="75000"/>
+                    <a:lumOff val="25000"/>
+                  </a:schemeClr>
+                </a:solidFill>
+                <a:latin typeface="+mn-lt"/>
+                <a:ea typeface="+mn-ea"/>
+                <a:cs typeface="+mn-cs"/>
+              </a:defRPr>
+            </a:lvl8pPr>
+            <a:lvl9pPr marL="3886200" indent="-228600" algn="l" defTabSz="457200" rtl="0" eaLnBrk="1" latinLnBrk="0" hangingPunct="1">
+              <a:spcBef>
+                <a:spcPts val="1000"/>
+              </a:spcBef>
+              <a:spcAft>
+                <a:spcPts val="0"/>
+              </a:spcAft>
+              <a:buClr>
+                <a:schemeClr val="accent1"/>
+              </a:buClr>
+              <a:buSzPct val="80000"/>
+              <a:buFont typeface="Wingdings 3" charset="2"/>
+              <a:buChar char=""/>
+              <a:defRPr sz="1200" kern="1200">
+                <a:solidFill>
+                  <a:schemeClr val="tx1">
+                    <a:lumMod val="75000"/>
+                    <a:lumOff val="25000"/>
+                  </a:schemeClr>
+                </a:solidFill>
+                <a:latin typeface="+mn-lt"/>
+                <a:ea typeface="+mn-ea"/>
+                <a:cs typeface="+mn-cs"/>
+              </a:defRPr>
+            </a:lvl9pPr>
+          </a:lstStyle>
+          <a:p>
+            <a:endParaRPr lang="en-GB" sz="2000" dirty="0"/>
+          </a:p>
+        </p:txBody>
+      </p:sp>
+      <p:sp>
+        <p:nvSpPr>
+          <p:cNvPr id="8" name="Text Placeholder 30">
+            <a:extLst>
+              <a:ext uri="{FF2B5EF4-FFF2-40B4-BE49-F238E27FC236}">
+                <a16:creationId xmlns:a16="http://schemas.microsoft.com/office/drawing/2014/main" id="{24574C95-78AF-09CA-93F3-38BAED1AB7D0}"/>
+              </a:ext>
+            </a:extLst>
+          </p:cNvPr>
+          <p:cNvSpPr txBox="1">
+            <a:spLocks/>
+          </p:cNvSpPr>
+          <p:nvPr/>
+        </p:nvSpPr>
+        <p:spPr>
+          <a:xfrm>
+            <a:off x="4345694" y="1275371"/>
+            <a:ext cx="3343561" cy="666078"/>
+          </a:xfrm>
+          <a:prstGeom prst="rect">
+            <a:avLst/>
+          </a:prstGeom>
+        </p:spPr>
+        <p:txBody>
+          <a:bodyPr vert="horz" lIns="91440" tIns="45720" rIns="91440" bIns="45720" rtlCol="0">
+            <a:normAutofit/>
+          </a:bodyPr>
+          <a:lstStyle>
+            <a:lvl1pPr marL="0" indent="0" algn="ctr" defTabSz="457200" rtl="0" eaLnBrk="1" latinLnBrk="0" hangingPunct="1">
+              <a:spcBef>
+                <a:spcPts val="1000"/>
+              </a:spcBef>
+              <a:spcAft>
+                <a:spcPts val="0"/>
+              </a:spcAft>
+              <a:buClr>
+                <a:schemeClr val="accent1"/>
+              </a:buClr>
+              <a:buSzPct val="80000"/>
+              <a:buFont typeface="Wingdings 3" charset="2"/>
+              <a:buNone/>
+              <a:defRPr lang="en-US" sz="1600" kern="1200" dirty="0" smtClean="0">
+                <a:solidFill>
+                  <a:schemeClr val="tx1"/>
+                </a:solidFill>
+                <a:latin typeface="+mn-lt"/>
+                <a:ea typeface="+mn-ea"/>
+                <a:cs typeface="+mn-cs"/>
+              </a:defRPr>
+            </a:lvl1pPr>
+            <a:lvl2pPr marL="742950" indent="-285750" algn="l" defTabSz="457200" rtl="0" eaLnBrk="1" latinLnBrk="0" hangingPunct="1">
+              <a:spcBef>
+                <a:spcPts val="1000"/>
+              </a:spcBef>
+              <a:spcAft>
+                <a:spcPts val="0"/>
+              </a:spcAft>
+              <a:buClr>
+                <a:schemeClr val="accent1"/>
+              </a:buClr>
+              <a:buSzPct val="80000"/>
+              <a:buFont typeface="Wingdings 3" charset="2"/>
+              <a:buChar char=""/>
+              <a:defRPr sz="1600" kern="1200">
+                <a:solidFill>
+                  <a:schemeClr val="tx1">
+                    <a:lumMod val="75000"/>
+                    <a:lumOff val="25000"/>
+                  </a:schemeClr>
+                </a:solidFill>
+                <a:latin typeface="+mn-lt"/>
+                <a:ea typeface="+mn-ea"/>
+                <a:cs typeface="+mn-cs"/>
+              </a:defRPr>
+            </a:lvl2pPr>
+            <a:lvl3pPr marL="1143000" indent="-228600" algn="l" defTabSz="457200" rtl="0" eaLnBrk="1" latinLnBrk="0" hangingPunct="1">
+              <a:spcBef>
+                <a:spcPts val="1000"/>
+              </a:spcBef>
+              <a:spcAft>
+                <a:spcPts val="0"/>
+              </a:spcAft>
+              <a:buClr>
+                <a:schemeClr val="accent1"/>
+              </a:buClr>
+              <a:buSzPct val="80000"/>
+              <a:buFont typeface="Wingdings 3" charset="2"/>
+              <a:buChar char=""/>
+              <a:defRPr sz="1400" kern="1200">
+                <a:solidFill>
+                  <a:schemeClr val="tx1">
+                    <a:lumMod val="75000"/>
+                    <a:lumOff val="25000"/>
+                  </a:schemeClr>
+                </a:solidFill>
+                <a:latin typeface="+mn-lt"/>
+                <a:ea typeface="+mn-ea"/>
+                <a:cs typeface="+mn-cs"/>
+              </a:defRPr>
+            </a:lvl3pPr>
+            <a:lvl4pPr marL="1600200" indent="-228600" algn="l" defTabSz="457200" rtl="0" eaLnBrk="1" latinLnBrk="0" hangingPunct="1">
+              <a:spcBef>
+                <a:spcPts val="1000"/>
+              </a:spcBef>
+              <a:spcAft>
+                <a:spcPts val="0"/>
+              </a:spcAft>
+              <a:buClr>
+                <a:schemeClr val="accent1"/>
+              </a:buClr>
+              <a:buSzPct val="80000"/>
+              <a:buFont typeface="Wingdings 3" charset="2"/>
+              <a:buChar char=""/>
+              <a:defRPr sz="1200" kern="1200">
+                <a:solidFill>
+                  <a:schemeClr val="tx1">
+                    <a:lumMod val="75000"/>
+                    <a:lumOff val="25000"/>
+                  </a:schemeClr>
+                </a:solidFill>
+                <a:latin typeface="+mn-lt"/>
+                <a:ea typeface="+mn-ea"/>
+                <a:cs typeface="+mn-cs"/>
+              </a:defRPr>
+            </a:lvl4pPr>
+            <a:lvl5pPr marL="2057400" indent="-228600" algn="l" defTabSz="457200" rtl="0" eaLnBrk="1" latinLnBrk="0" hangingPunct="1">
+              <a:spcBef>
+                <a:spcPts val="1000"/>
+              </a:spcBef>
+              <a:spcAft>
+                <a:spcPts val="0"/>
+              </a:spcAft>
+              <a:buClr>
+                <a:schemeClr val="accent1"/>
+              </a:buClr>
+              <a:buSzPct val="80000"/>
+              <a:buFont typeface="Wingdings 3" charset="2"/>
+              <a:buChar char=""/>
+              <a:defRPr sz="1200" kern="1200">
+                <a:solidFill>
+                  <a:schemeClr val="tx1">
+                    <a:lumMod val="75000"/>
+                    <a:lumOff val="25000"/>
+                  </a:schemeClr>
+                </a:solidFill>
+                <a:latin typeface="+mn-lt"/>
+                <a:ea typeface="+mn-ea"/>
+                <a:cs typeface="+mn-cs"/>
+              </a:defRPr>
+            </a:lvl5pPr>
+            <a:lvl6pPr marL="2514600" indent="-228600" algn="l" defTabSz="457200" rtl="0" eaLnBrk="1" latinLnBrk="0" hangingPunct="1">
+              <a:spcBef>
+                <a:spcPts val="1000"/>
+              </a:spcBef>
+              <a:spcAft>
+                <a:spcPts val="0"/>
+              </a:spcAft>
+              <a:buClr>
+                <a:schemeClr val="accent1"/>
+              </a:buClr>
+              <a:buSzPct val="80000"/>
+              <a:buFont typeface="Wingdings 3" charset="2"/>
+              <a:buChar char=""/>
+              <a:defRPr sz="1200" kern="1200">
+                <a:solidFill>
+                  <a:schemeClr val="tx1">
+                    <a:lumMod val="75000"/>
+                    <a:lumOff val="25000"/>
+                  </a:schemeClr>
+                </a:solidFill>
+                <a:latin typeface="+mn-lt"/>
+                <a:ea typeface="+mn-ea"/>
+                <a:cs typeface="+mn-cs"/>
+              </a:defRPr>
+            </a:lvl6pPr>
+            <a:lvl7pPr marL="2971800" indent="-228600" algn="l" defTabSz="457200" rtl="0" eaLnBrk="1" latinLnBrk="0" hangingPunct="1">
+              <a:spcBef>
+                <a:spcPts val="1000"/>
+              </a:spcBef>
+              <a:spcAft>
+                <a:spcPts val="0"/>
+              </a:spcAft>
+              <a:buClr>
+                <a:schemeClr val="accent1"/>
+              </a:buClr>
+              <a:buSzPct val="80000"/>
+              <a:buFont typeface="Wingdings 3" charset="2"/>
+              <a:buChar char=""/>
+              <a:defRPr sz="1200" kern="1200">
+                <a:solidFill>
+                  <a:schemeClr val="tx1">
+                    <a:lumMod val="75000"/>
+                    <a:lumOff val="25000"/>
+                  </a:schemeClr>
+                </a:solidFill>
+                <a:latin typeface="+mn-lt"/>
+                <a:ea typeface="+mn-ea"/>
+                <a:cs typeface="+mn-cs"/>
+              </a:defRPr>
+            </a:lvl7pPr>
+            <a:lvl8pPr marL="3429000" indent="-228600" algn="l" defTabSz="457200" rtl="0" eaLnBrk="1" latinLnBrk="0" hangingPunct="1">
+              <a:spcBef>
+                <a:spcPts val="1000"/>
+              </a:spcBef>
+              <a:spcAft>
+                <a:spcPts val="0"/>
+              </a:spcAft>
+              <a:buClr>
+                <a:schemeClr val="accent1"/>
+              </a:buClr>
+              <a:buSzPct val="80000"/>
+              <a:buFont typeface="Wingdings 3" charset="2"/>
+              <a:buChar char=""/>
+              <a:defRPr sz="1200" kern="1200">
+                <a:solidFill>
+                  <a:schemeClr val="tx1">
+                    <a:lumMod val="75000"/>
+                    <a:lumOff val="25000"/>
+                  </a:schemeClr>
+                </a:solidFill>
+                <a:latin typeface="+mn-lt"/>
+                <a:ea typeface="+mn-ea"/>
+                <a:cs typeface="+mn-cs"/>
+              </a:defRPr>
+            </a:lvl8pPr>
+            <a:lvl9pPr marL="3886200" indent="-228600" algn="l" defTabSz="457200" rtl="0" eaLnBrk="1" latinLnBrk="0" hangingPunct="1">
+              <a:spcBef>
+                <a:spcPts val="1000"/>
+              </a:spcBef>
+              <a:spcAft>
+                <a:spcPts val="0"/>
+              </a:spcAft>
+              <a:buClr>
+                <a:schemeClr val="accent1"/>
+              </a:buClr>
+              <a:buSzPct val="80000"/>
+              <a:buFont typeface="Wingdings 3" charset="2"/>
+              <a:buChar char=""/>
+              <a:defRPr sz="1200" kern="1200">
+                <a:solidFill>
+                  <a:schemeClr val="tx1">
+                    <a:lumMod val="75000"/>
+                    <a:lumOff val="25000"/>
+                  </a:schemeClr>
+                </a:solidFill>
+                <a:latin typeface="+mn-lt"/>
+                <a:ea typeface="+mn-ea"/>
+                <a:cs typeface="+mn-cs"/>
+              </a:defRPr>
+            </a:lvl9pPr>
+          </a:lstStyle>
+          <a:p>
+            <a:endParaRPr lang="en-GB" sz="2000" dirty="0"/>
+          </a:p>
+        </p:txBody>
+      </p:sp>
+      <p:sp>
+        <p:nvSpPr>
+          <p:cNvPr id="9" name="Title 3">
+            <a:extLst>
+              <a:ext uri="{FF2B5EF4-FFF2-40B4-BE49-F238E27FC236}">
+                <a16:creationId xmlns:a16="http://schemas.microsoft.com/office/drawing/2014/main" id="{2E95294C-8A9E-9ADA-BAC2-3B71748BDCBA}"/>
+              </a:ext>
+            </a:extLst>
+          </p:cNvPr>
+          <p:cNvSpPr txBox="1">
+            <a:spLocks/>
+          </p:cNvSpPr>
+          <p:nvPr/>
+        </p:nvSpPr>
+        <p:spPr>
+          <a:xfrm>
+            <a:off x="422959" y="5737443"/>
+            <a:ext cx="2981643" cy="830997"/>
+          </a:xfrm>
+          <a:prstGeom prst="rect">
+            <a:avLst/>
+          </a:prstGeom>
+        </p:spPr>
+        <p:txBody>
+          <a:bodyPr vert="horz" lIns="91440" tIns="45720" rIns="91440" bIns="45720" rtlCol="0" anchor="t">
+            <a:normAutofit/>
+          </a:bodyPr>
+          <a:lstStyle>
+            <a:lvl1pPr algn="l" defTabSz="457200" rtl="0" eaLnBrk="1" latinLnBrk="0" hangingPunct="1">
+              <a:spcBef>
+                <a:spcPct val="0"/>
+              </a:spcBef>
+              <a:buNone/>
+              <a:defRPr sz="4800" b="1" kern="1200">
+                <a:solidFill>
+                  <a:schemeClr val="tx1"/>
+                </a:solidFill>
+                <a:latin typeface="+mj-lt"/>
+                <a:ea typeface="+mj-ea"/>
+                <a:cs typeface="+mj-cs"/>
+              </a:defRPr>
+            </a:lvl1pPr>
+            <a:lvl2pPr eaLnBrk="1" hangingPunct="1">
+              <a:defRPr>
+                <a:solidFill>
+                  <a:schemeClr val="tx2"/>
+                </a:solidFill>
+              </a:defRPr>
+            </a:lvl2pPr>
+            <a:lvl3pPr eaLnBrk="1" hangingPunct="1">
+              <a:defRPr>
+                <a:solidFill>
+                  <a:schemeClr val="tx2"/>
+                </a:solidFill>
+              </a:defRPr>
+            </a:lvl3pPr>
+            <a:lvl4pPr eaLnBrk="1" hangingPunct="1">
+              <a:defRPr>
+                <a:solidFill>
+                  <a:schemeClr val="tx2"/>
+                </a:solidFill>
+              </a:defRPr>
+            </a:lvl4pPr>
+            <a:lvl5pPr eaLnBrk="1" hangingPunct="1">
+              <a:defRPr>
+                <a:solidFill>
+                  <a:schemeClr val="tx2"/>
+                </a:solidFill>
+              </a:defRPr>
+            </a:lvl5pPr>
+            <a:lvl6pPr eaLnBrk="1" hangingPunct="1">
+              <a:defRPr>
+                <a:solidFill>
+                  <a:schemeClr val="tx2"/>
+                </a:solidFill>
+              </a:defRPr>
+            </a:lvl6pPr>
+            <a:lvl7pPr eaLnBrk="1" hangingPunct="1">
+              <a:defRPr>
+                <a:solidFill>
+                  <a:schemeClr val="tx2"/>
+                </a:solidFill>
+              </a:defRPr>
+            </a:lvl7pPr>
+            <a:lvl8pPr eaLnBrk="1" hangingPunct="1">
+              <a:defRPr>
+                <a:solidFill>
+                  <a:schemeClr val="tx2"/>
+                </a:solidFill>
+              </a:defRPr>
+            </a:lvl8pPr>
+            <a:lvl9pPr eaLnBrk="1" hangingPunct="1">
+              <a:defRPr>
+                <a:solidFill>
+                  <a:schemeClr val="tx2"/>
+                </a:solidFill>
+              </a:defRPr>
+            </a:lvl9pPr>
+          </a:lstStyle>
+          <a:p>
+            <a:r>
+              <a:rPr lang="en-GB" dirty="0"/>
+              <a:t> </a:t>
+            </a:r>
+            <a:r>
+              <a:rPr lang="en-GB" sz="2000" b="0" u="sng" dirty="0">
+                <a:solidFill>
+                  <a:srgbClr val="0070C0"/>
+                </a:solidFill>
+                <a:hlinkClick r:id="rId3"/>
+              </a:rPr>
+              <a:t>Demo</a:t>
+            </a:r>
+            <a:endParaRPr lang="en-IN" b="0" u="sng" dirty="0">
+              <a:solidFill>
+                <a:srgbClr val="0070C0"/>
+              </a:solidFill>
+            </a:endParaRPr>
+          </a:p>
+        </p:txBody>
+      </p:sp>
+      <p:pic>
+        <p:nvPicPr>
+          <p:cNvPr id="3" name="Picture 2">
+            <a:hlinkClick r:id="rId3"/>
+            <a:extLst>
+              <a:ext uri="{FF2B5EF4-FFF2-40B4-BE49-F238E27FC236}">
+                <a16:creationId xmlns:a16="http://schemas.microsoft.com/office/drawing/2014/main" id="{2165B90B-7936-EEE9-BA05-F766536B3D49}"/>
+              </a:ext>
+            </a:extLst>
+          </p:cNvPr>
+          <p:cNvPicPr>
+            <a:picLocks noChangeAspect="1"/>
+          </p:cNvPicPr>
+          <p:nvPr/>
+        </p:nvPicPr>
+        <p:blipFill>
+          <a:blip r:embed="rId4"/>
+          <a:stretch>
+            <a:fillRect/>
+          </a:stretch>
+        </p:blipFill>
+        <p:spPr>
+          <a:xfrm>
+            <a:off x="1518249" y="1121434"/>
+            <a:ext cx="10447031" cy="5099549"/>
+          </a:xfrm>
+          <a:prstGeom prst="rect">
+            <a:avLst/>
+          </a:prstGeom>
+        </p:spPr>
+      </p:pic>
+    </p:spTree>
+    <p:extLst>
+      <p:ext uri="{BB962C8B-B14F-4D97-AF65-F5344CB8AC3E}">
+        <p14:creationId xmlns:p14="http://schemas.microsoft.com/office/powerpoint/2010/main" val="2299452862"/>
+      </p:ext>
+    </p:extLst>
+  </p:cSld>
+  <p:clrMapOvr>
+    <a:masterClrMapping/>
+  </p:clrMapOvr>
+  <p:timing>
+    <p:tnLst>
+      <p:par>
+        <p:cTn id="1" dur="indefinite" restart="never" nodeType="tmRoot">
+          <p:childTnLst>
+            <p:seq concurrent="1" nextAc="seek">
+              <p:cTn id="2" dur="indefinite" nodeType="mainSeq">
+                <p:childTnLst>
+                  <p:par>
+                    <p:cTn id="3" fill="hold">
+                      <p:stCondLst>
+                        <p:cond delay="indefinite"/>
+                      </p:stCondLst>
+                      <p:childTnLst>
+                        <p:par>
+                          <p:cTn id="4" fill="hold">
+                            <p:stCondLst>
+                              <p:cond delay="0"/>
+                            </p:stCondLst>
+                            <p:childTnLst>
+                              <p:par>
+                                <p:cTn id="5" presetID="53" presetClass="entr" presetSubtype="16" fill="hold" grpId="0" nodeType="clickEffect">
+                                  <p:stCondLst>
+                                    <p:cond delay="0"/>
+                                  </p:stCondLst>
+                                  <p:childTnLst>
+                                    <p:set>
+                                      <p:cBhvr>
+                                        <p:cTn id="6" dur="1" fill="hold">
+                                          <p:stCondLst>
+                                            <p:cond delay="0"/>
+                                          </p:stCondLst>
+                                        </p:cTn>
+                                        <p:tgtEl>
+                                          <p:spTgt spid="4"/>
+                                        </p:tgtEl>
+                                        <p:attrNameLst>
+                                          <p:attrName>style.visibility</p:attrName>
+                                        </p:attrNameLst>
+                                      </p:cBhvr>
+                                      <p:to>
+                                        <p:strVal val="visible"/>
+                                      </p:to>
+                                    </p:set>
+                                    <p:anim calcmode="lin" valueType="num">
+                                      <p:cBhvr>
+                                        <p:cTn id="7" dur="500" fill="hold"/>
+                                        <p:tgtEl>
+                                          <p:spTgt spid="4"/>
+                                        </p:tgtEl>
+                                        <p:attrNameLst>
+                                          <p:attrName>ppt_w</p:attrName>
+                                        </p:attrNameLst>
+                                      </p:cBhvr>
+                                      <p:tavLst>
+                                        <p:tav tm="0">
+                                          <p:val>
+                                            <p:fltVal val="0"/>
+                                          </p:val>
+                                        </p:tav>
+                                        <p:tav tm="100000">
+                                          <p:val>
+                                            <p:strVal val="#ppt_w"/>
+                                          </p:val>
+                                        </p:tav>
+                                      </p:tavLst>
+                                    </p:anim>
+                                    <p:anim calcmode="lin" valueType="num">
+                                      <p:cBhvr>
+                                        <p:cTn id="8" dur="500" fill="hold"/>
+                                        <p:tgtEl>
+                                          <p:spTgt spid="4"/>
+                                        </p:tgtEl>
+                                        <p:attrNameLst>
+                                          <p:attrName>ppt_h</p:attrName>
+                                        </p:attrNameLst>
+                                      </p:cBhvr>
+                                      <p:tavLst>
+                                        <p:tav tm="0">
+                                          <p:val>
+                                            <p:fltVal val="0"/>
+                                          </p:val>
+                                        </p:tav>
+                                        <p:tav tm="100000">
+                                          <p:val>
+                                            <p:strVal val="#ppt_h"/>
+                                          </p:val>
+                                        </p:tav>
+                                      </p:tavLst>
+                                    </p:anim>
+                                    <p:animEffect transition="in" filter="fade">
+                                      <p:cBhvr>
+                                        <p:cTn id="9" dur="500"/>
+                                        <p:tgtEl>
+                                          <p:spTgt spid="4"/>
+                                        </p:tgtEl>
+                                      </p:cBhvr>
+                                    </p:animEffect>
+                                  </p:childTnLst>
+                                </p:cTn>
+                              </p:par>
+                            </p:childTnLst>
+                          </p:cTn>
+                        </p:par>
+                      </p:childTnLst>
+                    </p:cTn>
+                  </p:par>
+                  <p:par>
+                    <p:cTn id="10" fill="hold">
+                      <p:stCondLst>
+                        <p:cond delay="indefinite"/>
+                      </p:stCondLst>
+                      <p:childTnLst>
+                        <p:par>
+                          <p:cTn id="11" fill="hold">
+                            <p:stCondLst>
+                              <p:cond delay="0"/>
+                            </p:stCondLst>
+                            <p:childTnLst>
+                              <p:par>
+                                <p:cTn id="12" presetID="42" presetClass="entr" presetSubtype="0" fill="hold" grpId="0" nodeType="clickEffect" nodePh="1">
+                                  <p:stCondLst>
+                                    <p:cond delay="0"/>
+                                  </p:stCondLst>
+                                  <p:endCondLst>
+                                    <p:cond evt="begin" delay="0">
+                                      <p:tn val="12"/>
+                                    </p:cond>
+                                  </p:endCondLst>
+                                  <p:childTnLst>
+                                    <p:set>
+                                      <p:cBhvr>
+                                        <p:cTn id="13" dur="1" fill="hold">
+                                          <p:stCondLst>
+                                            <p:cond delay="0"/>
+                                          </p:stCondLst>
+                                        </p:cTn>
+                                        <p:tgtEl>
+                                          <p:spTgt spid="7"/>
+                                        </p:tgtEl>
+                                        <p:attrNameLst>
+                                          <p:attrName>style.visibility</p:attrName>
+                                        </p:attrNameLst>
+                                      </p:cBhvr>
+                                      <p:to>
+                                        <p:strVal val="visible"/>
+                                      </p:to>
+                                    </p:set>
+                                    <p:animEffect transition="in" filter="fade">
+                                      <p:cBhvr>
+                                        <p:cTn id="14" dur="1000"/>
+                                        <p:tgtEl>
+                                          <p:spTgt spid="7"/>
+                                        </p:tgtEl>
+                                      </p:cBhvr>
+                                    </p:animEffect>
+                                    <p:anim calcmode="lin" valueType="num">
+                                      <p:cBhvr>
+                                        <p:cTn id="15" dur="1000" fill="hold"/>
+                                        <p:tgtEl>
+                                          <p:spTgt spid="7"/>
+                                        </p:tgtEl>
+                                        <p:attrNameLst>
+                                          <p:attrName>ppt_x</p:attrName>
+                                        </p:attrNameLst>
+                                      </p:cBhvr>
+                                      <p:tavLst>
+                                        <p:tav tm="0">
+                                          <p:val>
+                                            <p:strVal val="#ppt_x"/>
+                                          </p:val>
+                                        </p:tav>
+                                        <p:tav tm="100000">
+                                          <p:val>
+                                            <p:strVal val="#ppt_x"/>
+                                          </p:val>
+                                        </p:tav>
+                                      </p:tavLst>
+                                    </p:anim>
+                                    <p:anim calcmode="lin" valueType="num">
+                                      <p:cBhvr>
+                                        <p:cTn id="16" dur="1000" fill="hold"/>
+                                        <p:tgtEl>
+                                          <p:spTgt spid="7"/>
+                                        </p:tgtEl>
+                                        <p:attrNameLst>
+                                          <p:attrName>ppt_y</p:attrName>
+                                        </p:attrNameLst>
+                                      </p:cBhvr>
+                                      <p:tavLst>
+                                        <p:tav tm="0">
+                                          <p:val>
+                                            <p:strVal val="#ppt_y+.1"/>
+                                          </p:val>
+                                        </p:tav>
+                                        <p:tav tm="100000">
+                                          <p:val>
+                                            <p:strVal val="#ppt_y"/>
+                                          </p:val>
+                                        </p:tav>
+                                      </p:tavLst>
+                                    </p:anim>
+                                  </p:childTnLst>
+                                </p:cTn>
+                              </p:par>
+                            </p:childTnLst>
+                          </p:cTn>
+                        </p:par>
+                      </p:childTnLst>
+                    </p:cTn>
+                  </p:par>
+                  <p:par>
+                    <p:cTn id="17" fill="hold">
+                      <p:stCondLst>
+                        <p:cond delay="indefinite"/>
+                      </p:stCondLst>
+                      <p:childTnLst>
+                        <p:par>
+                          <p:cTn id="18" fill="hold">
+                            <p:stCondLst>
+                              <p:cond delay="0"/>
+                            </p:stCondLst>
+                            <p:childTnLst>
+                              <p:par>
+                                <p:cTn id="19" presetID="42" presetClass="entr" presetSubtype="0" fill="hold" grpId="0" nodeType="clickEffect" nodePh="1">
+                                  <p:stCondLst>
+                                    <p:cond delay="0"/>
+                                  </p:stCondLst>
+                                  <p:endCondLst>
+                                    <p:cond evt="begin" delay="0">
+                                      <p:tn val="19"/>
+                                    </p:cond>
+                                  </p:endCondLst>
+                                  <p:childTnLst>
+                                    <p:set>
+                                      <p:cBhvr>
+                                        <p:cTn id="20" dur="1" fill="hold">
+                                          <p:stCondLst>
+                                            <p:cond delay="0"/>
+                                          </p:stCondLst>
+                                        </p:cTn>
+                                        <p:tgtEl>
+                                          <p:spTgt spid="8"/>
+                                        </p:tgtEl>
+                                        <p:attrNameLst>
+                                          <p:attrName>style.visibility</p:attrName>
+                                        </p:attrNameLst>
+                                      </p:cBhvr>
+                                      <p:to>
+                                        <p:strVal val="visible"/>
+                                      </p:to>
+                                    </p:set>
+                                    <p:animEffect transition="in" filter="fade">
+                                      <p:cBhvr>
+                                        <p:cTn id="21" dur="1000"/>
+                                        <p:tgtEl>
+                                          <p:spTgt spid="8"/>
+                                        </p:tgtEl>
+                                      </p:cBhvr>
+                                    </p:animEffect>
+                                    <p:anim calcmode="lin" valueType="num">
+                                      <p:cBhvr>
+                                        <p:cTn id="22" dur="1000" fill="hold"/>
+                                        <p:tgtEl>
+                                          <p:spTgt spid="8"/>
+                                        </p:tgtEl>
+                                        <p:attrNameLst>
+                                          <p:attrName>ppt_x</p:attrName>
+                                        </p:attrNameLst>
+                                      </p:cBhvr>
+                                      <p:tavLst>
+                                        <p:tav tm="0">
+                                          <p:val>
+                                            <p:strVal val="#ppt_x"/>
+                                          </p:val>
+                                        </p:tav>
+                                        <p:tav tm="100000">
+                                          <p:val>
+                                            <p:strVal val="#ppt_x"/>
+                                          </p:val>
+                                        </p:tav>
+                                      </p:tavLst>
+                                    </p:anim>
+                                    <p:anim calcmode="lin" valueType="num">
+                                      <p:cBhvr>
+                                        <p:cTn id="23" dur="1000" fill="hold"/>
+                                        <p:tgtEl>
+                                          <p:spTgt spid="8"/>
+                                        </p:tgtEl>
+                                        <p:attrNameLst>
+                                          <p:attrName>ppt_y</p:attrName>
+                                        </p:attrNameLst>
+                                      </p:cBhvr>
+                                      <p:tavLst>
+                                        <p:tav tm="0">
+                                          <p:val>
+                                            <p:strVal val="#ppt_y+.1"/>
+                                          </p:val>
+                                        </p:tav>
+                                        <p:tav tm="100000">
+                                          <p:val>
+                                            <p:strVal val="#ppt_y"/>
+                                          </p:val>
+                                        </p:tav>
+                                      </p:tavLst>
+                                    </p:anim>
+                                  </p:childTnLst>
+                                </p:cTn>
+                              </p:par>
+                            </p:childTnLst>
+                          </p:cTn>
+                        </p:par>
+                      </p:childTnLst>
+                    </p:cTn>
+                  </p:par>
+                </p:childTnLst>
+              </p:cTn>
+              <p:prevCondLst>
+                <p:cond evt="onPrev" delay="0">
+                  <p:tgtEl>
+                    <p:sldTgt/>
+                  </p:tgtEl>
+                </p:cond>
+              </p:prevCondLst>
+              <p:nextCondLst>
+                <p:cond evt="onNext" delay="0">
+                  <p:tgtEl>
+                    <p:sldTgt/>
+                  </p:tgtEl>
+                </p:cond>
+              </p:nextCondLst>
+            </p:seq>
+          </p:childTnLst>
+        </p:cTn>
+      </p:par>
+    </p:tnLst>
+    <p:bldLst>
+      <p:bldP spid="4" grpId="0"/>
+      <p:bldP spid="7" grpId="0"/>
+      <p:bldP spid="8" grpId="0"/>
+    </p:bldLst>
+  </p:timing>
+</p:sld>
+</file>
+
+<file path=ppt/slides/slide9.xml><?xml version="1.0" encoding="utf-8"?>
+<p:sld xmlns:a="http://schemas.openxmlformats.org/drawingml/2006/main" xmlns:r="http://schemas.openxmlformats.org/officeDocument/2006/relationships" xmlns:p="http://schemas.openxmlformats.org/presentationml/2006/main">
+  <p:cSld>
+    <p:spTree>
+      <p:nvGrpSpPr>
+        <p:cNvPr id="1" name="">
+          <a:extLst>
+            <a:ext uri="{FF2B5EF4-FFF2-40B4-BE49-F238E27FC236}">
+              <a16:creationId xmlns:a16="http://schemas.microsoft.com/office/drawing/2014/main" id="{9427A806-89D6-3C9E-F9E3-9D8D01DC4A32}"/>
+            </a:ext>
+          </a:extLst>
+        </p:cNvPr>
+        <p:cNvGrpSpPr/>
+        <p:nvPr/>
+      </p:nvGrpSpPr>
+      <p:grpSpPr>
+        <a:xfrm>
+          <a:off x="0" y="0"/>
+          <a:ext cx="0" cy="0"/>
+          <a:chOff x="0" y="0"/>
+          <a:chExt cx="0" cy="0"/>
+        </a:xfrm>
+      </p:grpSpPr>
+      <p:pic>
+        <p:nvPicPr>
+          <p:cNvPr id="5" name="Picture 4">
+            <a:extLst>
+              <a:ext uri="{FF2B5EF4-FFF2-40B4-BE49-F238E27FC236}">
+                <a16:creationId xmlns:a16="http://schemas.microsoft.com/office/drawing/2014/main" id="{D8B4FDF0-D7A2-4225-9D02-D26602533809}"/>
+              </a:ext>
+            </a:extLst>
+          </p:cNvPr>
+          <p:cNvPicPr>
+            <a:picLocks noChangeAspect="1"/>
+          </p:cNvPicPr>
+          <p:nvPr/>
+        </p:nvPicPr>
+        <p:blipFill rotWithShape="1">
+          <a:blip r:embed="rId2"/>
+          <a:srcRect t="96181"/>
+          <a:stretch/>
+        </p:blipFill>
+        <p:spPr>
+          <a:xfrm>
+            <a:off x="675957" y="6471920"/>
+            <a:ext cx="2143125" cy="193040"/>
+          </a:xfrm>
+          <a:prstGeom prst="rect">
+            <a:avLst/>
+          </a:prstGeom>
+        </p:spPr>
+      </p:pic>
+      <p:sp>
+        <p:nvSpPr>
+          <p:cNvPr id="4" name="Title 3">
+            <a:extLst>
+              <a:ext uri="{FF2B5EF4-FFF2-40B4-BE49-F238E27FC236}">
+                <a16:creationId xmlns:a16="http://schemas.microsoft.com/office/drawing/2014/main" id="{DDE59934-358B-035B-DF50-72695138FD31}"/>
+              </a:ext>
+            </a:extLst>
+          </p:cNvPr>
+          <p:cNvSpPr>
+            <a:spLocks noGrp="1"/>
+          </p:cNvSpPr>
+          <p:nvPr>
+            <p:ph type="title"/>
+          </p:nvPr>
+        </p:nvSpPr>
+        <p:spPr>
+          <a:xfrm>
+            <a:off x="675957" y="370589"/>
+            <a:ext cx="2981643" cy="830997"/>
+          </a:xfrm>
+        </p:spPr>
+        <p:txBody>
+          <a:bodyPr>
+            <a:normAutofit/>
+          </a:bodyPr>
+          <a:lstStyle/>
+          <a:p>
+            <a:r>
+              <a:rPr lang="en-GB" dirty="0"/>
+              <a:t>RESULTS </a:t>
+            </a:r>
+            <a:endParaRPr lang="en-IN" dirty="0"/>
+          </a:p>
+        </p:txBody>
+      </p:sp>
+      <p:sp>
+        <p:nvSpPr>
+          <p:cNvPr id="7" name="Text Placeholder 30">
+            <a:extLst>
+              <a:ext uri="{FF2B5EF4-FFF2-40B4-BE49-F238E27FC236}">
+                <a16:creationId xmlns:a16="http://schemas.microsoft.com/office/drawing/2014/main" id="{117F8E24-D477-B345-4879-DCD90D182F71}"/>
+              </a:ext>
+            </a:extLst>
+          </p:cNvPr>
+          <p:cNvSpPr txBox="1">
+            <a:spLocks/>
+          </p:cNvSpPr>
+          <p:nvPr/>
+        </p:nvSpPr>
+        <p:spPr>
+          <a:xfrm>
+            <a:off x="320982" y="1275371"/>
+            <a:ext cx="3343561" cy="666078"/>
+          </a:xfrm>
+          <a:prstGeom prst="rect">
+            <a:avLst/>
+          </a:prstGeom>
+        </p:spPr>
+        <p:txBody>
+          <a:bodyPr vert="horz" lIns="91440" tIns="45720" rIns="91440" bIns="45720" rtlCol="0">
+            <a:normAutofit/>
+          </a:bodyPr>
+          <a:lstStyle>
+            <a:lvl1pPr marL="0" indent="0" algn="ctr" defTabSz="457200" rtl="0" eaLnBrk="1" latinLnBrk="0" hangingPunct="1">
+              <a:spcBef>
+                <a:spcPts val="1000"/>
+              </a:spcBef>
+              <a:spcAft>
+                <a:spcPts val="0"/>
+              </a:spcAft>
+              <a:buClr>
+                <a:schemeClr val="accent1"/>
+              </a:buClr>
+              <a:buSzPct val="80000"/>
+              <a:buFont typeface="Wingdings 3" charset="2"/>
+              <a:buNone/>
+              <a:defRPr lang="en-US" sz="1600" kern="1200" dirty="0" smtClean="0">
+                <a:solidFill>
+                  <a:schemeClr val="tx1"/>
+                </a:solidFill>
+                <a:latin typeface="+mn-lt"/>
+                <a:ea typeface="+mn-ea"/>
+                <a:cs typeface="+mn-cs"/>
+              </a:defRPr>
+            </a:lvl1pPr>
+            <a:lvl2pPr marL="742950" indent="-285750" algn="l" defTabSz="457200" rtl="0" eaLnBrk="1" latinLnBrk="0" hangingPunct="1">
+              <a:spcBef>
+                <a:spcPts val="1000"/>
+              </a:spcBef>
+              <a:spcAft>
+                <a:spcPts val="0"/>
+              </a:spcAft>
+              <a:buClr>
+                <a:schemeClr val="accent1"/>
+              </a:buClr>
+              <a:buSzPct val="80000"/>
+              <a:buFont typeface="Wingdings 3" charset="2"/>
+              <a:buChar char=""/>
+              <a:defRPr sz="1600" kern="1200">
+                <a:solidFill>
+                  <a:schemeClr val="tx1">
+                    <a:lumMod val="75000"/>
+                    <a:lumOff val="25000"/>
+                  </a:schemeClr>
+                </a:solidFill>
+                <a:latin typeface="+mn-lt"/>
+                <a:ea typeface="+mn-ea"/>
+                <a:cs typeface="+mn-cs"/>
+              </a:defRPr>
+            </a:lvl2pPr>
+            <a:lvl3pPr marL="1143000" indent="-228600" algn="l" defTabSz="457200" rtl="0" eaLnBrk="1" latinLnBrk="0" hangingPunct="1">
+              <a:spcBef>
+                <a:spcPts val="1000"/>
+              </a:spcBef>
+              <a:spcAft>
+                <a:spcPts val="0"/>
+              </a:spcAft>
+              <a:buClr>
+                <a:schemeClr val="accent1"/>
+              </a:buClr>
+              <a:buSzPct val="80000"/>
+              <a:buFont typeface="Wingdings 3" charset="2"/>
+              <a:buChar char=""/>
+              <a:defRPr sz="1400" kern="1200">
+                <a:solidFill>
+                  <a:schemeClr val="tx1">
+                    <a:lumMod val="75000"/>
+                    <a:lumOff val="25000"/>
+                  </a:schemeClr>
+                </a:solidFill>
+                <a:latin typeface="+mn-lt"/>
+                <a:ea typeface="+mn-ea"/>
+                <a:cs typeface="+mn-cs"/>
+              </a:defRPr>
+            </a:lvl3pPr>
+            <a:lvl4pPr marL="1600200" indent="-228600" algn="l" defTabSz="457200" rtl="0" eaLnBrk="1" latinLnBrk="0" hangingPunct="1">
+              <a:spcBef>
+                <a:spcPts val="1000"/>
+              </a:spcBef>
+              <a:spcAft>
+                <a:spcPts val="0"/>
+              </a:spcAft>
+              <a:buClr>
+                <a:schemeClr val="accent1"/>
+              </a:buClr>
+              <a:buSzPct val="80000"/>
+              <a:buFont typeface="Wingdings 3" charset="2"/>
+              <a:buChar char=""/>
+              <a:defRPr sz="1200" kern="1200">
+                <a:solidFill>
+                  <a:schemeClr val="tx1">
+                    <a:lumMod val="75000"/>
+                    <a:lumOff val="25000"/>
+                  </a:schemeClr>
+                </a:solidFill>
+                <a:latin typeface="+mn-lt"/>
+                <a:ea typeface="+mn-ea"/>
+                <a:cs typeface="+mn-cs"/>
+              </a:defRPr>
+            </a:lvl4pPr>
+            <a:lvl5pPr marL="2057400" indent="-228600" algn="l" defTabSz="457200" rtl="0" eaLnBrk="1" latinLnBrk="0" hangingPunct="1">
+              <a:spcBef>
+                <a:spcPts val="1000"/>
+              </a:spcBef>
+              <a:spcAft>
+                <a:spcPts val="0"/>
+              </a:spcAft>
+              <a:buClr>
+                <a:schemeClr val="accent1"/>
+              </a:buClr>
+              <a:buSzPct val="80000"/>
+              <a:buFont typeface="Wingdings 3" charset="2"/>
+              <a:buChar char=""/>
+              <a:defRPr sz="1200" kern="1200">
+                <a:solidFill>
+                  <a:schemeClr val="tx1">
+                    <a:lumMod val="75000"/>
+                    <a:lumOff val="25000"/>
+                  </a:schemeClr>
+                </a:solidFill>
+                <a:latin typeface="+mn-lt"/>
+                <a:ea typeface="+mn-ea"/>
+                <a:cs typeface="+mn-cs"/>
+              </a:defRPr>
+            </a:lvl5pPr>
+            <a:lvl6pPr marL="2514600" indent="-228600" algn="l" defTabSz="457200" rtl="0" eaLnBrk="1" latinLnBrk="0" hangingPunct="1">
+              <a:spcBef>
+                <a:spcPts val="1000"/>
+              </a:spcBef>
+              <a:spcAft>
+                <a:spcPts val="0"/>
+              </a:spcAft>
+              <a:buClr>
+                <a:schemeClr val="accent1"/>
+              </a:buClr>
+              <a:buSzPct val="80000"/>
+              <a:buFont typeface="Wingdings 3" charset="2"/>
+              <a:buChar char=""/>
+              <a:defRPr sz="1200" kern="1200">
+                <a:solidFill>
+                  <a:schemeClr val="tx1">
+                    <a:lumMod val="75000"/>
+                    <a:lumOff val="25000"/>
+                  </a:schemeClr>
+                </a:solidFill>
+                <a:latin typeface="+mn-lt"/>
+                <a:ea typeface="+mn-ea"/>
+                <a:cs typeface="+mn-cs"/>
+              </a:defRPr>
+            </a:lvl6pPr>
+            <a:lvl7pPr marL="2971800" indent="-228600" algn="l" defTabSz="457200" rtl="0" eaLnBrk="1" latinLnBrk="0" hangingPunct="1">
+              <a:spcBef>
+                <a:spcPts val="1000"/>
+              </a:spcBef>
+              <a:spcAft>
+                <a:spcPts val="0"/>
+              </a:spcAft>
+              <a:buClr>
+                <a:schemeClr val="accent1"/>
+              </a:buClr>
+              <a:buSzPct val="80000"/>
+              <a:buFont typeface="Wingdings 3" charset="2"/>
+              <a:buChar char=""/>
+              <a:defRPr sz="1200" kern="1200">
+                <a:solidFill>
+                  <a:schemeClr val="tx1">
+                    <a:lumMod val="75000"/>
+                    <a:lumOff val="25000"/>
+                  </a:schemeClr>
+                </a:solidFill>
+                <a:latin typeface="+mn-lt"/>
+                <a:ea typeface="+mn-ea"/>
+                <a:cs typeface="+mn-cs"/>
+              </a:defRPr>
+            </a:lvl7pPr>
+            <a:lvl8pPr marL="3429000" indent="-228600" algn="l" defTabSz="457200" rtl="0" eaLnBrk="1" latinLnBrk="0" hangingPunct="1">
+              <a:spcBef>
+                <a:spcPts val="1000"/>
+              </a:spcBef>
+              <a:spcAft>
+                <a:spcPts val="0"/>
+              </a:spcAft>
+              <a:buClr>
+                <a:schemeClr val="accent1"/>
+              </a:buClr>
+              <a:buSzPct val="80000"/>
+              <a:buFont typeface="Wingdings 3" charset="2"/>
+              <a:buChar char=""/>
+              <a:defRPr sz="1200" kern="1200">
+                <a:solidFill>
+                  <a:schemeClr val="tx1">
+                    <a:lumMod val="75000"/>
+                    <a:lumOff val="25000"/>
+                  </a:schemeClr>
+                </a:solidFill>
+                <a:latin typeface="+mn-lt"/>
+                <a:ea typeface="+mn-ea"/>
+                <a:cs typeface="+mn-cs"/>
+              </a:defRPr>
+            </a:lvl8pPr>
+            <a:lvl9pPr marL="3886200" indent="-228600" algn="l" defTabSz="457200" rtl="0" eaLnBrk="1" latinLnBrk="0" hangingPunct="1">
+              <a:spcBef>
+                <a:spcPts val="1000"/>
+              </a:spcBef>
+              <a:spcAft>
+                <a:spcPts val="0"/>
+              </a:spcAft>
+              <a:buClr>
+                <a:schemeClr val="accent1"/>
+              </a:buClr>
+              <a:buSzPct val="80000"/>
+              <a:buFont typeface="Wingdings 3" charset="2"/>
+              <a:buChar char=""/>
+              <a:defRPr sz="1200" kern="1200">
+                <a:solidFill>
+                  <a:schemeClr val="tx1">
+                    <a:lumMod val="75000"/>
+                    <a:lumOff val="25000"/>
+                  </a:schemeClr>
+                </a:solidFill>
+                <a:latin typeface="+mn-lt"/>
+                <a:ea typeface="+mn-ea"/>
+                <a:cs typeface="+mn-cs"/>
+              </a:defRPr>
+            </a:lvl9pPr>
+          </a:lstStyle>
+          <a:p>
+            <a:endParaRPr lang="en-GB" sz="2000" dirty="0"/>
+          </a:p>
+        </p:txBody>
+      </p:sp>
+      <p:sp>
+        <p:nvSpPr>
+          <p:cNvPr id="8" name="Text Placeholder 30">
+            <a:extLst>
+              <a:ext uri="{FF2B5EF4-FFF2-40B4-BE49-F238E27FC236}">
+                <a16:creationId xmlns:a16="http://schemas.microsoft.com/office/drawing/2014/main" id="{96BA40F8-981B-AE11-5C4E-5C0B8DC4C38E}"/>
+              </a:ext>
+            </a:extLst>
+          </p:cNvPr>
+          <p:cNvSpPr txBox="1">
+            <a:spLocks/>
+          </p:cNvSpPr>
+          <p:nvPr/>
+        </p:nvSpPr>
+        <p:spPr>
+          <a:xfrm>
+            <a:off x="4345694" y="1275371"/>
+            <a:ext cx="3343561" cy="666078"/>
+          </a:xfrm>
+          <a:prstGeom prst="rect">
+            <a:avLst/>
+          </a:prstGeom>
+        </p:spPr>
+        <p:txBody>
+          <a:bodyPr vert="horz" lIns="91440" tIns="45720" rIns="91440" bIns="45720" rtlCol="0">
+            <a:normAutofit/>
+          </a:bodyPr>
+          <a:lstStyle>
+            <a:lvl1pPr marL="0" indent="0" algn="ctr" defTabSz="457200" rtl="0" eaLnBrk="1" latinLnBrk="0" hangingPunct="1">
+              <a:spcBef>
+                <a:spcPts val="1000"/>
+              </a:spcBef>
+              <a:spcAft>
+                <a:spcPts val="0"/>
+              </a:spcAft>
+              <a:buClr>
+                <a:schemeClr val="accent1"/>
+              </a:buClr>
+              <a:buSzPct val="80000"/>
+              <a:buFont typeface="Wingdings 3" charset="2"/>
+              <a:buNone/>
+              <a:defRPr lang="en-US" sz="1600" kern="1200" dirty="0" smtClean="0">
+                <a:solidFill>
+                  <a:schemeClr val="tx1"/>
+                </a:solidFill>
+                <a:latin typeface="+mn-lt"/>
+                <a:ea typeface="+mn-ea"/>
+                <a:cs typeface="+mn-cs"/>
+              </a:defRPr>
+            </a:lvl1pPr>
+            <a:lvl2pPr marL="742950" indent="-285750" algn="l" defTabSz="457200" rtl="0" eaLnBrk="1" latinLnBrk="0" hangingPunct="1">
+              <a:spcBef>
+                <a:spcPts val="1000"/>
+              </a:spcBef>
+              <a:spcAft>
+                <a:spcPts val="0"/>
+              </a:spcAft>
+              <a:buClr>
+                <a:schemeClr val="accent1"/>
+              </a:buClr>
+              <a:buSzPct val="80000"/>
+              <a:buFont typeface="Wingdings 3" charset="2"/>
+              <a:buChar char=""/>
+              <a:defRPr sz="1600" kern="1200">
+                <a:solidFill>
+                  <a:schemeClr val="tx1">
+                    <a:lumMod val="75000"/>
+                    <a:lumOff val="25000"/>
+                  </a:schemeClr>
+                </a:solidFill>
+                <a:latin typeface="+mn-lt"/>
+                <a:ea typeface="+mn-ea"/>
+                <a:cs typeface="+mn-cs"/>
+              </a:defRPr>
+            </a:lvl2pPr>
+            <a:lvl3pPr marL="1143000" indent="-228600" algn="l" defTabSz="457200" rtl="0" eaLnBrk="1" latinLnBrk="0" hangingPunct="1">
+              <a:spcBef>
+                <a:spcPts val="1000"/>
+              </a:spcBef>
+              <a:spcAft>
+                <a:spcPts val="0"/>
+              </a:spcAft>
+              <a:buClr>
+                <a:schemeClr val="accent1"/>
+              </a:buClr>
+              <a:buSzPct val="80000"/>
+              <a:buFont typeface="Wingdings 3" charset="2"/>
+              <a:buChar char=""/>
+              <a:defRPr sz="1400" kern="1200">
+                <a:solidFill>
+                  <a:schemeClr val="tx1">
+                    <a:lumMod val="75000"/>
+                    <a:lumOff val="25000"/>
+                  </a:schemeClr>
+                </a:solidFill>
+                <a:latin typeface="+mn-lt"/>
+                <a:ea typeface="+mn-ea"/>
+                <a:cs typeface="+mn-cs"/>
+              </a:defRPr>
+            </a:lvl3pPr>
+            <a:lvl4pPr marL="1600200" indent="-228600" algn="l" defTabSz="457200" rtl="0" eaLnBrk="1" latinLnBrk="0" hangingPunct="1">
+              <a:spcBef>
+                <a:spcPts val="1000"/>
+              </a:spcBef>
+              <a:spcAft>
+                <a:spcPts val="0"/>
+              </a:spcAft>
+              <a:buClr>
+                <a:schemeClr val="accent1"/>
+              </a:buClr>
+              <a:buSzPct val="80000"/>
+              <a:buFont typeface="Wingdings 3" charset="2"/>
+              <a:buChar char=""/>
+              <a:defRPr sz="1200" kern="1200">
+                <a:solidFill>
+                  <a:schemeClr val="tx1">
+                    <a:lumMod val="75000"/>
+                    <a:lumOff val="25000"/>
+                  </a:schemeClr>
+                </a:solidFill>
+                <a:latin typeface="+mn-lt"/>
+                <a:ea typeface="+mn-ea"/>
+                <a:cs typeface="+mn-cs"/>
+              </a:defRPr>
+            </a:lvl4pPr>
+            <a:lvl5pPr marL="2057400" indent="-228600" algn="l" defTabSz="457200" rtl="0" eaLnBrk="1" latinLnBrk="0" hangingPunct="1">
+              <a:spcBef>
+                <a:spcPts val="1000"/>
+              </a:spcBef>
+              <a:spcAft>
+                <a:spcPts val="0"/>
+              </a:spcAft>
+              <a:buClr>
+                <a:schemeClr val="accent1"/>
+              </a:buClr>
+              <a:buSzPct val="80000"/>
+              <a:buFont typeface="Wingdings 3" charset="2"/>
+              <a:buChar char=""/>
+              <a:defRPr sz="1200" kern="1200">
+                <a:solidFill>
+                  <a:schemeClr val="tx1">
+                    <a:lumMod val="75000"/>
+                    <a:lumOff val="25000"/>
+                  </a:schemeClr>
+                </a:solidFill>
+                <a:latin typeface="+mn-lt"/>
+                <a:ea typeface="+mn-ea"/>
+                <a:cs typeface="+mn-cs"/>
+              </a:defRPr>
+            </a:lvl5pPr>
+            <a:lvl6pPr marL="2514600" indent="-228600" algn="l" defTabSz="457200" rtl="0" eaLnBrk="1" latinLnBrk="0" hangingPunct="1">
+              <a:spcBef>
+                <a:spcPts val="1000"/>
+              </a:spcBef>
+              <a:spcAft>
+                <a:spcPts val="0"/>
+              </a:spcAft>
+              <a:buClr>
+                <a:schemeClr val="accent1"/>
+              </a:buClr>
+              <a:buSzPct val="80000"/>
+              <a:buFont typeface="Wingdings 3" charset="2"/>
+              <a:buChar char=""/>
+              <a:defRPr sz="1200" kern="1200">
+                <a:solidFill>
+                  <a:schemeClr val="tx1">
+                    <a:lumMod val="75000"/>
+                    <a:lumOff val="25000"/>
+                  </a:schemeClr>
+                </a:solidFill>
+                <a:latin typeface="+mn-lt"/>
+                <a:ea typeface="+mn-ea"/>
+                <a:cs typeface="+mn-cs"/>
+              </a:defRPr>
+            </a:lvl6pPr>
+            <a:lvl7pPr marL="2971800" indent="-228600" algn="l" defTabSz="457200" rtl="0" eaLnBrk="1" latinLnBrk="0" hangingPunct="1">
+              <a:spcBef>
+                <a:spcPts val="1000"/>
+              </a:spcBef>
+              <a:spcAft>
+                <a:spcPts val="0"/>
+              </a:spcAft>
+              <a:buClr>
+                <a:schemeClr val="accent1"/>
+              </a:buClr>
+              <a:buSzPct val="80000"/>
+              <a:buFont typeface="Wingdings 3" charset="2"/>
+              <a:buChar char=""/>
+              <a:defRPr sz="1200" kern="1200">
+                <a:solidFill>
+                  <a:schemeClr val="tx1">
+                    <a:lumMod val="75000"/>
+                    <a:lumOff val="25000"/>
+                  </a:schemeClr>
+                </a:solidFill>
+                <a:latin typeface="+mn-lt"/>
+                <a:ea typeface="+mn-ea"/>
+                <a:cs typeface="+mn-cs"/>
+              </a:defRPr>
+            </a:lvl7pPr>
+            <a:lvl8pPr marL="3429000" indent="-228600" algn="l" defTabSz="457200" rtl="0" eaLnBrk="1" latinLnBrk="0" hangingPunct="1">
+              <a:spcBef>
+                <a:spcPts val="1000"/>
+              </a:spcBef>
+              <a:spcAft>
+                <a:spcPts val="0"/>
+              </a:spcAft>
+              <a:buClr>
+                <a:schemeClr val="accent1"/>
+              </a:buClr>
+              <a:buSzPct val="80000"/>
+              <a:buFont typeface="Wingdings 3" charset="2"/>
+              <a:buChar char=""/>
+              <a:defRPr sz="1200" kern="1200">
+                <a:solidFill>
+                  <a:schemeClr val="tx1">
+                    <a:lumMod val="75000"/>
+                    <a:lumOff val="25000"/>
+                  </a:schemeClr>
+                </a:solidFill>
+                <a:latin typeface="+mn-lt"/>
+                <a:ea typeface="+mn-ea"/>
+                <a:cs typeface="+mn-cs"/>
+              </a:defRPr>
+            </a:lvl8pPr>
+            <a:lvl9pPr marL="3886200" indent="-228600" algn="l" defTabSz="457200" rtl="0" eaLnBrk="1" latinLnBrk="0" hangingPunct="1">
+              <a:spcBef>
+                <a:spcPts val="1000"/>
+              </a:spcBef>
+              <a:spcAft>
+                <a:spcPts val="0"/>
+              </a:spcAft>
+              <a:buClr>
+                <a:schemeClr val="accent1"/>
+              </a:buClr>
+              <a:buSzPct val="80000"/>
+              <a:buFont typeface="Wingdings 3" charset="2"/>
+              <a:buChar char=""/>
+              <a:defRPr sz="1200" kern="1200">
+                <a:solidFill>
+                  <a:schemeClr val="tx1">
+                    <a:lumMod val="75000"/>
+                    <a:lumOff val="25000"/>
+                  </a:schemeClr>
+                </a:solidFill>
+                <a:latin typeface="+mn-lt"/>
+                <a:ea typeface="+mn-ea"/>
+                <a:cs typeface="+mn-cs"/>
+              </a:defRPr>
+            </a:lvl9pPr>
+          </a:lstStyle>
+          <a:p>
+            <a:endParaRPr lang="en-GB" sz="2000" dirty="0"/>
+          </a:p>
+        </p:txBody>
+      </p:sp>
+      <p:sp>
+        <p:nvSpPr>
+          <p:cNvPr id="9" name="Title 3">
+            <a:extLst>
+              <a:ext uri="{FF2B5EF4-FFF2-40B4-BE49-F238E27FC236}">
+                <a16:creationId xmlns:a16="http://schemas.microsoft.com/office/drawing/2014/main" id="{A2EBD013-B5D6-5713-848C-FA8306E98E15}"/>
+              </a:ext>
+            </a:extLst>
+          </p:cNvPr>
+          <p:cNvSpPr txBox="1">
+            <a:spLocks/>
+          </p:cNvSpPr>
+          <p:nvPr/>
+        </p:nvSpPr>
+        <p:spPr>
+          <a:xfrm>
+            <a:off x="422959" y="5737443"/>
+            <a:ext cx="2981643" cy="830997"/>
+          </a:xfrm>
+          <a:prstGeom prst="rect">
+            <a:avLst/>
+          </a:prstGeom>
+        </p:spPr>
+        <p:txBody>
+          <a:bodyPr vert="horz" lIns="91440" tIns="45720" rIns="91440" bIns="45720" rtlCol="0" anchor="t">
+            <a:normAutofit/>
+          </a:bodyPr>
+          <a:lstStyle>
+            <a:lvl1pPr algn="l" defTabSz="457200" rtl="0" eaLnBrk="1" latinLnBrk="0" hangingPunct="1">
+              <a:spcBef>
+                <a:spcPct val="0"/>
+              </a:spcBef>
+              <a:buNone/>
+              <a:defRPr sz="4800" b="1" kern="1200">
+                <a:solidFill>
+                  <a:schemeClr val="tx1"/>
+                </a:solidFill>
+                <a:latin typeface="+mj-lt"/>
+                <a:ea typeface="+mj-ea"/>
+                <a:cs typeface="+mj-cs"/>
+              </a:defRPr>
+            </a:lvl1pPr>
+            <a:lvl2pPr eaLnBrk="1" hangingPunct="1">
+              <a:defRPr>
+                <a:solidFill>
+                  <a:schemeClr val="tx2"/>
+                </a:solidFill>
+              </a:defRPr>
+            </a:lvl2pPr>
+            <a:lvl3pPr eaLnBrk="1" hangingPunct="1">
+              <a:defRPr>
+                <a:solidFill>
+                  <a:schemeClr val="tx2"/>
+                </a:solidFill>
+              </a:defRPr>
+            </a:lvl3pPr>
+            <a:lvl4pPr eaLnBrk="1" hangingPunct="1">
+              <a:defRPr>
+                <a:solidFill>
+                  <a:schemeClr val="tx2"/>
+                </a:solidFill>
+              </a:defRPr>
+            </a:lvl4pPr>
+            <a:lvl5pPr eaLnBrk="1" hangingPunct="1">
+              <a:defRPr>
+                <a:solidFill>
+                  <a:schemeClr val="tx2"/>
+                </a:solidFill>
+              </a:defRPr>
+            </a:lvl5pPr>
+            <a:lvl6pPr eaLnBrk="1" hangingPunct="1">
+              <a:defRPr>
+                <a:solidFill>
+                  <a:schemeClr val="tx2"/>
+                </a:solidFill>
+              </a:defRPr>
+            </a:lvl6pPr>
+            <a:lvl7pPr eaLnBrk="1" hangingPunct="1">
+              <a:defRPr>
+                <a:solidFill>
+                  <a:schemeClr val="tx2"/>
+                </a:solidFill>
+              </a:defRPr>
+            </a:lvl7pPr>
+            <a:lvl8pPr eaLnBrk="1" hangingPunct="1">
+              <a:defRPr>
+                <a:solidFill>
+                  <a:schemeClr val="tx2"/>
+                </a:solidFill>
+              </a:defRPr>
+            </a:lvl8pPr>
+            <a:lvl9pPr eaLnBrk="1" hangingPunct="1">
+              <a:defRPr>
+                <a:solidFill>
+                  <a:schemeClr val="tx2"/>
+                </a:solidFill>
+              </a:defRPr>
+            </a:lvl9pPr>
+          </a:lstStyle>
+          <a:p>
+            <a:r>
+              <a:rPr lang="en-GB" dirty="0"/>
+              <a:t> </a:t>
+            </a:r>
+            <a:r>
+              <a:rPr lang="en-GB" sz="2000" b="0" u="sng" dirty="0">
+                <a:solidFill>
+                  <a:srgbClr val="0070C0"/>
+                </a:solidFill>
+                <a:hlinkClick r:id="rId3"/>
+              </a:rPr>
+              <a:t>Demo</a:t>
+            </a:r>
+            <a:endParaRPr lang="en-IN" b="0" u="sng" dirty="0">
+              <a:solidFill>
+                <a:srgbClr val="0070C0"/>
+              </a:solidFill>
+            </a:endParaRPr>
+          </a:p>
+        </p:txBody>
+      </p:sp>
+      <p:pic>
+        <p:nvPicPr>
+          <p:cNvPr id="3" name="Picture 2">
+            <a:hlinkClick r:id="rId3"/>
+            <a:extLst>
+              <a:ext uri="{FF2B5EF4-FFF2-40B4-BE49-F238E27FC236}">
+                <a16:creationId xmlns:a16="http://schemas.microsoft.com/office/drawing/2014/main" id="{C21DEE47-FA66-72D5-6568-A8254C94CCBE}"/>
+              </a:ext>
+            </a:extLst>
+          </p:cNvPr>
+          <p:cNvPicPr>
+            <a:picLocks noChangeAspect="1"/>
+          </p:cNvPicPr>
+          <p:nvPr/>
+        </p:nvPicPr>
+        <p:blipFill>
+          <a:blip r:embed="rId4"/>
+          <a:stretch>
+            <a:fillRect/>
+          </a:stretch>
+        </p:blipFill>
+        <p:spPr>
+          <a:xfrm>
+            <a:off x="1566222" y="1099907"/>
+            <a:ext cx="9059555" cy="5118769"/>
+          </a:xfrm>
+          <a:prstGeom prst="rect">
+            <a:avLst/>
+          </a:prstGeom>
+        </p:spPr>
+      </p:pic>
+    </p:spTree>
+    <p:extLst>
+      <p:ext uri="{BB962C8B-B14F-4D97-AF65-F5344CB8AC3E}">
+        <p14:creationId xmlns:p14="http://schemas.microsoft.com/office/powerpoint/2010/main" val="844277971"/>
+      </p:ext>
+    </p:extLst>
+  </p:cSld>
+  <p:clrMapOvr>
+    <a:masterClrMapping/>
+  </p:clrMapOvr>
+  <p:timing>
+    <p:tnLst>
+      <p:par>
+        <p:cTn id="1" dur="indefinite" restart="never" nodeType="tmRoot">
+          <p:childTnLst>
+            <p:seq concurrent="1" nextAc="seek">
+              <p:cTn id="2" dur="indefinite" nodeType="mainSeq">
+                <p:childTnLst>
+                  <p:par>
+                    <p:cTn id="3" fill="hold">
+                      <p:stCondLst>
+                        <p:cond delay="indefinite"/>
+                      </p:stCondLst>
+                      <p:childTnLst>
+                        <p:par>
+                          <p:cTn id="4" fill="hold">
+                            <p:stCondLst>
+                              <p:cond delay="0"/>
+                            </p:stCondLst>
+                            <p:childTnLst>
+                              <p:par>
+                                <p:cTn id="5" presetID="53" presetClass="entr" presetSubtype="16" fill="hold" grpId="0" nodeType="clickEffect">
+                                  <p:stCondLst>
+                                    <p:cond delay="0"/>
+                                  </p:stCondLst>
+                                  <p:childTnLst>
+                                    <p:set>
+                                      <p:cBhvr>
+                                        <p:cTn id="6" dur="1" fill="hold">
+                                          <p:stCondLst>
+                                            <p:cond delay="0"/>
+                                          </p:stCondLst>
+                                        </p:cTn>
+                                        <p:tgtEl>
+                                          <p:spTgt spid="4"/>
+                                        </p:tgtEl>
+                                        <p:attrNameLst>
+                                          <p:attrName>style.visibility</p:attrName>
+                                        </p:attrNameLst>
+                                      </p:cBhvr>
+                                      <p:to>
+                                        <p:strVal val="visible"/>
+                                      </p:to>
+                                    </p:set>
+                                    <p:anim calcmode="lin" valueType="num">
+                                      <p:cBhvr>
+                                        <p:cTn id="7" dur="500" fill="hold"/>
+                                        <p:tgtEl>
+                                          <p:spTgt spid="4"/>
+                                        </p:tgtEl>
+                                        <p:attrNameLst>
+                                          <p:attrName>ppt_w</p:attrName>
+                                        </p:attrNameLst>
+                                      </p:cBhvr>
+                                      <p:tavLst>
+                                        <p:tav tm="0">
+                                          <p:val>
+                                            <p:fltVal val="0"/>
+                                          </p:val>
+                                        </p:tav>
+                                        <p:tav tm="100000">
+                                          <p:val>
+                                            <p:strVal val="#ppt_w"/>
+                                          </p:val>
+                                        </p:tav>
+                                      </p:tavLst>
+                                    </p:anim>
+                                    <p:anim calcmode="lin" valueType="num">
+                                      <p:cBhvr>
+                                        <p:cTn id="8" dur="500" fill="hold"/>
+                                        <p:tgtEl>
+                                          <p:spTgt spid="4"/>
+                                        </p:tgtEl>
+                                        <p:attrNameLst>
+                                          <p:attrName>ppt_h</p:attrName>
+                                        </p:attrNameLst>
+                                      </p:cBhvr>
+                                      <p:tavLst>
+                                        <p:tav tm="0">
+                                          <p:val>
+                                            <p:fltVal val="0"/>
+                                          </p:val>
+                                        </p:tav>
+                                        <p:tav tm="100000">
+                                          <p:val>
+                                            <p:strVal val="#ppt_h"/>
+                                          </p:val>
+                                        </p:tav>
+                                      </p:tavLst>
+                                    </p:anim>
+                                    <p:animEffect transition="in" filter="fade">
+                                      <p:cBhvr>
+                                        <p:cTn id="9" dur="500"/>
+                                        <p:tgtEl>
+                                          <p:spTgt spid="4"/>
+                                        </p:tgtEl>
+                                      </p:cBhvr>
+                                    </p:animEffect>
+                                  </p:childTnLst>
+                                </p:cTn>
+                              </p:par>
+                            </p:childTnLst>
+                          </p:cTn>
+                        </p:par>
+                      </p:childTnLst>
+                    </p:cTn>
+                  </p:par>
+                  <p:par>
+                    <p:cTn id="10" fill="hold">
+                      <p:stCondLst>
+                        <p:cond delay="indefinite"/>
+                      </p:stCondLst>
+                      <p:childTnLst>
+                        <p:par>
+                          <p:cTn id="11" fill="hold">
+                            <p:stCondLst>
+                              <p:cond delay="0"/>
+                            </p:stCondLst>
+                            <p:childTnLst>
+                              <p:par>
+                                <p:cTn id="12" presetID="42" presetClass="entr" presetSubtype="0" fill="hold" grpId="0" nodeType="clickEffect" nodePh="1">
+                                  <p:stCondLst>
+                                    <p:cond delay="0"/>
+                                  </p:stCondLst>
+                                  <p:endCondLst>
+                                    <p:cond evt="begin" delay="0">
+                                      <p:tn val="12"/>
+                                    </p:cond>
+                                  </p:endCondLst>
+                                  <p:childTnLst>
+                                    <p:set>
+                                      <p:cBhvr>
+                                        <p:cTn id="13" dur="1" fill="hold">
+                                          <p:stCondLst>
+                                            <p:cond delay="0"/>
+                                          </p:stCondLst>
+                                        </p:cTn>
+                                        <p:tgtEl>
+                                          <p:spTgt spid="7"/>
+                                        </p:tgtEl>
+                                        <p:attrNameLst>
+                                          <p:attrName>style.visibility</p:attrName>
+                                        </p:attrNameLst>
+                                      </p:cBhvr>
+                                      <p:to>
+                                        <p:strVal val="visible"/>
+                                      </p:to>
+                                    </p:set>
+                                    <p:animEffect transition="in" filter="fade">
+                                      <p:cBhvr>
+                                        <p:cTn id="14" dur="1000"/>
+                                        <p:tgtEl>
+                                          <p:spTgt spid="7"/>
+                                        </p:tgtEl>
+                                      </p:cBhvr>
+                                    </p:animEffect>
+                                    <p:anim calcmode="lin" valueType="num">
+                                      <p:cBhvr>
+                                        <p:cTn id="15" dur="1000" fill="hold"/>
+                                        <p:tgtEl>
+                                          <p:spTgt spid="7"/>
+                                        </p:tgtEl>
+                                        <p:attrNameLst>
+                                          <p:attrName>ppt_x</p:attrName>
+                                        </p:attrNameLst>
+                                      </p:cBhvr>
+                                      <p:tavLst>
+                                        <p:tav tm="0">
+                                          <p:val>
+                                            <p:strVal val="#ppt_x"/>
+                                          </p:val>
+                                        </p:tav>
+                                        <p:tav tm="100000">
+                                          <p:val>
+                                            <p:strVal val="#ppt_x"/>
+                                          </p:val>
+                                        </p:tav>
+                                      </p:tavLst>
+                                    </p:anim>
+                                    <p:anim calcmode="lin" valueType="num">
+                                      <p:cBhvr>
+                                        <p:cTn id="16" dur="1000" fill="hold"/>
+                                        <p:tgtEl>
+                                          <p:spTgt spid="7"/>
+                                        </p:tgtEl>
+                                        <p:attrNameLst>
+                                          <p:attrName>ppt_y</p:attrName>
+                                        </p:attrNameLst>
+                                      </p:cBhvr>
+                                      <p:tavLst>
+                                        <p:tav tm="0">
+                                          <p:val>
+                                            <p:strVal val="#ppt_y+.1"/>
+                                          </p:val>
+                                        </p:tav>
+                                        <p:tav tm="100000">
+                                          <p:val>
+                                            <p:strVal val="#ppt_y"/>
+                                          </p:val>
+                                        </p:tav>
+                                      </p:tavLst>
+                                    </p:anim>
+                                  </p:childTnLst>
+                                </p:cTn>
+                              </p:par>
+                            </p:childTnLst>
+                          </p:cTn>
+                        </p:par>
+                      </p:childTnLst>
+                    </p:cTn>
+                  </p:par>
+                  <p:par>
+                    <p:cTn id="17" fill="hold">
+                      <p:stCondLst>
+                        <p:cond delay="indefinite"/>
+                      </p:stCondLst>
+                      <p:childTnLst>
+                        <p:par>
+                          <p:cTn id="18" fill="hold">
+                            <p:stCondLst>
+                              <p:cond delay="0"/>
+                            </p:stCondLst>
+                            <p:childTnLst>
+                              <p:par>
+                                <p:cTn id="19" presetID="42" presetClass="entr" presetSubtype="0" fill="hold" grpId="0" nodeType="clickEffect" nodePh="1">
+                                  <p:stCondLst>
+                                    <p:cond delay="0"/>
+                                  </p:stCondLst>
+                                  <p:endCondLst>
+                                    <p:cond evt="begin" delay="0">
+                                      <p:tn val="19"/>
+                                    </p:cond>
+                                  </p:endCondLst>
+                                  <p:childTnLst>
+                                    <p:set>
+                                      <p:cBhvr>
+                                        <p:cTn id="20" dur="1" fill="hold">
+                                          <p:stCondLst>
+                                            <p:cond delay="0"/>
+                                          </p:stCondLst>
+                                        </p:cTn>
+                                        <p:tgtEl>
+                                          <p:spTgt spid="8"/>
+                                        </p:tgtEl>
+                                        <p:attrNameLst>
+                                          <p:attrName>style.visibility</p:attrName>
+                                        </p:attrNameLst>
+                                      </p:cBhvr>
+                                      <p:to>
+                                        <p:strVal val="visible"/>
+                                      </p:to>
+                                    </p:set>
+                                    <p:animEffect transition="in" filter="fade">
+                                      <p:cBhvr>
+                                        <p:cTn id="21" dur="1000"/>
+                                        <p:tgtEl>
+                                          <p:spTgt spid="8"/>
+                                        </p:tgtEl>
+                                      </p:cBhvr>
+                                    </p:animEffect>
+                                    <p:anim calcmode="lin" valueType="num">
+                                      <p:cBhvr>
+                                        <p:cTn id="22" dur="1000" fill="hold"/>
+                                        <p:tgtEl>
+                                          <p:spTgt spid="8"/>
+                                        </p:tgtEl>
+                                        <p:attrNameLst>
+                                          <p:attrName>ppt_x</p:attrName>
+                                        </p:attrNameLst>
+                                      </p:cBhvr>
+                                      <p:tavLst>
+                                        <p:tav tm="0">
+                                          <p:val>
+                                            <p:strVal val="#ppt_x"/>
+                                          </p:val>
+                                        </p:tav>
+                                        <p:tav tm="100000">
+                                          <p:val>
+                                            <p:strVal val="#ppt_x"/>
+                                          </p:val>
+                                        </p:tav>
+                                      </p:tavLst>
+                                    </p:anim>
+                                    <p:anim calcmode="lin" valueType="num">
+                                      <p:cBhvr>
+                                        <p:cTn id="23" dur="1000" fill="hold"/>
+                                        <p:tgtEl>
+                                          <p:spTgt spid="8"/>
+                                        </p:tgtEl>
+                                        <p:attrNameLst>
+                                          <p:attrName>ppt_y</p:attrName>
+                                        </p:attrNameLst>
+                                      </p:cBhvr>
+                                      <p:tavLst>
+                                        <p:tav tm="0">
+                                          <p:val>
+                                            <p:strVal val="#ppt_y+.1"/>
+                                          </p:val>
+                                        </p:tav>
+                                        <p:tav tm="100000">
+                                          <p:val>
+                                            <p:strVal val="#ppt_y"/>
+                                          </p:val>
+                                        </p:tav>
+                                      </p:tavLst>
+                                    </p:anim>
+                                  </p:childTnLst>
+                                </p:cTn>
+                              </p:par>
+                            </p:childTnLst>
+                          </p:cTn>
+                        </p:par>
+                      </p:childTnLst>
+                    </p:cTn>
+                  </p:par>
+                </p:childTnLst>
+              </p:cTn>
+              <p:prevCondLst>
+                <p:cond evt="onPrev" delay="0">
+                  <p:tgtEl>
+                    <p:sldTgt/>
+                  </p:tgtEl>
+                </p:cond>
+              </p:prevCondLst>
+              <p:nextCondLst>
+                <p:cond evt="onNext" delay="0">
+                  <p:tgtEl>
+                    <p:sldTgt/>
+                  </p:tgtEl>
+                </p:cond>
+              </p:nextCondLst>
+            </p:seq>
+          </p:childTnLst>
+        </p:cTn>
+      </p:par>
+    </p:tnLst>
+    <p:bldLst>
+      <p:bldP spid="4" grpId="0"/>
+      <p:bldP spid="7" grpId="0"/>
+      <p:bldP spid="8" grpId="0"/>
     </p:bldLst>
   </p:timing>
 </p:sld>
@@ -16549,6 +20556,15 @@
 </file>
 
 <file path=customXml/item1.xml><?xml version="1.0" encoding="utf-8"?>
+<?mso-contentType ?>
+<FormTemplates xmlns="http://schemas.microsoft.com/sharepoint/v3/contenttype/forms">
+  <Display>DocumentLibraryForm</Display>
+  <Edit>DocumentLibraryForm</Edit>
+  <New>DocumentLibraryForm</New>
+</FormTemplates>
+</file>
+
+<file path=customXml/item2.xml><?xml version="1.0" encoding="utf-8"?>
 <ct:contentTypeSchema xmlns:ct="http://schemas.microsoft.com/office/2006/metadata/contentType" xmlns:ma="http://schemas.microsoft.com/office/2006/metadata/properties/metaAttributes" ct:_="" ma:_="" ma:contentTypeName="Document" ma:contentTypeID="0x01010079F111ED35F8CC479449609E8A0923A6" ma:contentTypeVersion="12" ma:contentTypeDescription="Create a new document." ma:contentTypeScope="" ma:versionID="426e97fa315356fffbdcd9876fe988c2">
   <xsd:schema xmlns:xsd="http://www.w3.org/2001/XMLSchema" xmlns:xs="http://www.w3.org/2001/XMLSchema" xmlns:p="http://schemas.microsoft.com/office/2006/metadata/properties" xmlns:ns2="71af3243-3dd4-4a8d-8c0d-dd76da1f02a5" xmlns:ns3="16c05727-aa75-4e4a-9b5f-8a80a1165891" targetNamespace="http://schemas.microsoft.com/office/2006/metadata/properties" ma:root="true" ma:fieldsID="14b8f0def80e6d70ce3def20c90759ae" ns2:_="" ns3:_="">
     <xsd:import namespace="71af3243-3dd4-4a8d-8c0d-dd76da1f02a5"/>
@@ -16769,15 +20785,6 @@
 </ct:contentTypeSchema>
 </file>
 
-<file path=customXml/item2.xml><?xml version="1.0" encoding="utf-8"?>
-<?mso-contentType ?>
-<FormTemplates xmlns="http://schemas.microsoft.com/sharepoint/v3/contenttype/forms">
-  <Display>DocumentLibraryForm</Display>
-  <Edit>DocumentLibraryForm</Edit>
-  <New>DocumentLibraryForm</New>
-</FormTemplates>
-</file>
-
 <file path=customXml/item3.xml><?xml version="1.0" encoding="utf-8"?>
 <p:properties xmlns:p="http://schemas.microsoft.com/office/2006/metadata/properties" xmlns:xsi="http://www.w3.org/2001/XMLSchema-instance" xmlns:pc="http://schemas.microsoft.com/office/infopath/2007/PartnerControls">
   <documentManagement>
@@ -16788,6 +20795,14 @@
 </file>
 
 <file path=customXml/itemProps1.xml><?xml version="1.0" encoding="utf-8"?>
+<ds:datastoreItem xmlns:ds="http://schemas.openxmlformats.org/officeDocument/2006/customXml" ds:itemID="{05D99ABA-76CE-4A8E-B5F0-C051B96628DE}">
+  <ds:schemaRefs>
+    <ds:schemaRef ds:uri="http://schemas.microsoft.com/sharepoint/v3/contenttype/forms"/>
+  </ds:schemaRefs>
+</ds:datastoreItem>
+</file>
+
+<file path=customXml/itemProps2.xml><?xml version="1.0" encoding="utf-8"?>
 <ds:datastoreItem xmlns:ds="http://schemas.openxmlformats.org/officeDocument/2006/customXml" ds:itemID="{B19EB750-A6DA-4BE8-B87B-FC499FE73360}">
   <ds:schemaRefs>
     <ds:schemaRef ds:uri="http://schemas.microsoft.com/office/2006/metadata/contentType"/>
@@ -16806,14 +20821,6 @@
 </ds:datastoreItem>
 </file>
 
-<file path=customXml/itemProps2.xml><?xml version="1.0" encoding="utf-8"?>
-<ds:datastoreItem xmlns:ds="http://schemas.openxmlformats.org/officeDocument/2006/customXml" ds:itemID="{05D99ABA-76CE-4A8E-B5F0-C051B96628DE}">
-  <ds:schemaRefs>
-    <ds:schemaRef ds:uri="http://schemas.microsoft.com/sharepoint/v3/contenttype/forms"/>
-  </ds:schemaRefs>
-</ds:datastoreItem>
-</file>
-
 <file path=customXml/itemProps3.xml><?xml version="1.0" encoding="utf-8"?>
 <ds:datastoreItem xmlns:ds="http://schemas.openxmlformats.org/officeDocument/2006/customXml" ds:itemID="{4DEA9014-ED64-4558-B1E1-D03F0EE32BEB}">
   <ds:schemaRefs>
